--- a/PPT/week2.pptx
+++ b/PPT/week2.pptx
@@ -5,10 +5,10 @@
     <p:sldMasterId id="2147483648" r:id="rId1"/>
   </p:sldMasterIdLst>
   <p:notesMasterIdLst>
-    <p:notesMasterId r:id="rId18"/>
+    <p:notesMasterId r:id="rId17"/>
   </p:notesMasterIdLst>
   <p:handoutMasterIdLst>
-    <p:handoutMasterId r:id="rId19"/>
+    <p:handoutMasterId r:id="rId18"/>
   </p:handoutMasterIdLst>
   <p:sldIdLst>
     <p:sldId id="1414" r:id="rId2"/>
@@ -16,17 +16,16 @@
     <p:sldId id="1569" r:id="rId4"/>
     <p:sldId id="1570" r:id="rId5"/>
     <p:sldId id="1581" r:id="rId6"/>
-    <p:sldId id="1571" r:id="rId7"/>
-    <p:sldId id="1572" r:id="rId8"/>
-    <p:sldId id="1573" r:id="rId9"/>
-    <p:sldId id="1574" r:id="rId10"/>
-    <p:sldId id="1575" r:id="rId11"/>
-    <p:sldId id="1576" r:id="rId12"/>
-    <p:sldId id="1577" r:id="rId13"/>
-    <p:sldId id="1578" r:id="rId14"/>
-    <p:sldId id="1579" r:id="rId15"/>
-    <p:sldId id="1580" r:id="rId16"/>
-    <p:sldId id="1566" r:id="rId17"/>
+    <p:sldId id="1572" r:id="rId7"/>
+    <p:sldId id="1573" r:id="rId8"/>
+    <p:sldId id="1574" r:id="rId9"/>
+    <p:sldId id="1582" r:id="rId10"/>
+    <p:sldId id="1576" r:id="rId11"/>
+    <p:sldId id="1577" r:id="rId12"/>
+    <p:sldId id="1578" r:id="rId13"/>
+    <p:sldId id="1579" r:id="rId14"/>
+    <p:sldId id="1580" r:id="rId15"/>
+    <p:sldId id="1566" r:id="rId16"/>
   </p:sldIdLst>
   <p:sldSz cx="9144000" cy="6858000" type="screen4x3"/>
   <p:notesSz cx="9926638" cy="6797675"/>
@@ -169,11 +168,10 @@
             <p14:sldId id="1569"/>
             <p14:sldId id="1570"/>
             <p14:sldId id="1581"/>
-            <p14:sldId id="1571"/>
             <p14:sldId id="1572"/>
             <p14:sldId id="1573"/>
             <p14:sldId id="1574"/>
-            <p14:sldId id="1575"/>
+            <p14:sldId id="1582"/>
             <p14:sldId id="1576"/>
             <p14:sldId id="1577"/>
             <p14:sldId id="1578"/>
@@ -2424,11 +2422,11 @@
                 <a:solidFill>
                   <a:schemeClr val="tx1"/>
                 </a:solidFill>
-                <a:latin typeface="Arial Narrow" pitchFamily="34" charset="0"/>
-                <a:ea typeface="+mj-ea"/>
+                <a:latin typeface="맑은 고딕" panose="020B0503020000020004" pitchFamily="50" charset="-127"/>
+                <a:ea typeface="맑은 고딕" panose="020B0503020000020004" pitchFamily="50" charset="-127"/>
                 <a:cs typeface="+mj-cs"/>
               </a:rPr>
-              <a:t>모터 제어</a:t>
+              <a:t>조도 센서 제어</a:t>
             </a:r>
             <a:endParaRPr kumimoji="0" lang="ko-KR" altLang="en-US" sz="2800" i="1" u="none" strike="noStrike" kern="0" cap="none" spc="0" normalizeH="0" baseline="0" noProof="0" dirty="0">
               <a:ln>
@@ -2440,8 +2438,8 @@
               <a:effectLst/>
               <a:uLnTx/>
               <a:uFillTx/>
-              <a:latin typeface="Arial Narrow" pitchFamily="34" charset="0"/>
-              <a:ea typeface="+mj-ea"/>
+              <a:latin typeface="맑은 고딕" panose="020B0503020000020004" pitchFamily="50" charset="-127"/>
+              <a:ea typeface="맑은 고딕" panose="020B0503020000020004" pitchFamily="50" charset="-127"/>
               <a:cs typeface="+mj-cs"/>
             </a:endParaRPr>
           </a:p>
@@ -2732,39 +2730,39 @@
               <a:defRPr/>
             </a:pPr>
             <a:r>
+              <a:rPr lang="ko-KR" altLang="en-US" kern="0" dirty="0" smtClean="0">
+                <a:latin typeface="Arial Narrow"/>
+                <a:ea typeface="굴림" pitchFamily="50" charset="-127"/>
+              </a:rPr>
+              <a:t>조도센서 </a:t>
+            </a:r>
+            <a:r>
               <a:rPr lang="en-US" altLang="ko-KR" kern="0" dirty="0" smtClean="0">
                 <a:latin typeface="Arial Narrow"/>
                 <a:ea typeface="굴림" pitchFamily="50" charset="-127"/>
               </a:rPr>
-              <a:t>PWM</a:t>
+              <a:t>(</a:t>
             </a:r>
             <a:r>
               <a:rPr lang="ko-KR" altLang="en-US" kern="0" dirty="0" smtClean="0">
                 <a:latin typeface="Arial Narrow"/>
                 <a:ea typeface="굴림" pitchFamily="50" charset="-127"/>
               </a:rPr>
-              <a:t>으로 모터 제어해보기 </a:t>
+              <a:t>디지털</a:t>
             </a:r>
             <a:r>
               <a:rPr lang="en-US" altLang="ko-KR" kern="0" dirty="0" smtClean="0">
                 <a:latin typeface="Arial Narrow"/>
                 <a:ea typeface="굴림" pitchFamily="50" charset="-127"/>
               </a:rPr>
-              <a:t>(</a:t>
+              <a:t>) </a:t>
             </a:r>
             <a:r>
               <a:rPr lang="ko-KR" altLang="en-US" kern="0" dirty="0" smtClean="0">
                 <a:latin typeface="Arial Narrow"/>
                 <a:ea typeface="굴림" pitchFamily="50" charset="-127"/>
               </a:rPr>
-              <a:t>뒤</a:t>
-            </a:r>
-            <a:r>
-              <a:rPr lang="en-US" altLang="ko-KR" kern="0" dirty="0" smtClean="0">
-                <a:latin typeface="Arial Narrow"/>
-                <a:ea typeface="굴림" pitchFamily="50" charset="-127"/>
-              </a:rPr>
-              <a:t>)</a:t>
+              <a:t>입력 받기</a:t>
             </a:r>
             <a:endParaRPr lang="en-US" altLang="ko-KR" kern="0" dirty="0">
               <a:latin typeface="Arial Narrow"/>
@@ -3077,7 +3075,7 @@
     </p:spTree>
     <p:extLst>
       <p:ext uri="{BB962C8B-B14F-4D97-AF65-F5344CB8AC3E}">
-        <p14:creationId xmlns:p14="http://schemas.microsoft.com/office/powerpoint/2010/main" val="2551133288"/>
+        <p14:creationId xmlns:p14="http://schemas.microsoft.com/office/powerpoint/2010/main" val="1326045151"/>
       </p:ext>
     </p:extLst>
   </p:cSld>
@@ -3138,29 +3136,21 @@
               <a:defRPr/>
             </a:pPr>
             <a:r>
-              <a:rPr lang="ko-KR" altLang="en-US" sz="2800" i="1" kern="0" dirty="0" smtClean="0">
-                <a:solidFill>
-                  <a:schemeClr val="tx1"/>
-                </a:solidFill>
-                <a:latin typeface="Arial Narrow" pitchFamily="34" charset="0"/>
-                <a:ea typeface="+mj-ea"/>
-                <a:cs typeface="+mj-cs"/>
+              <a:rPr lang="ko-KR" altLang="en-US" sz="2800" i="1" kern="0" dirty="0">
+                <a:solidFill>
+                  <a:schemeClr val="tx1"/>
+                </a:solidFill>
+                <a:latin typeface="맑은 고딕" panose="020B0503020000020004" pitchFamily="50" charset="-127"/>
+                <a:ea typeface="맑은 고딕" panose="020B0503020000020004" pitchFamily="50" charset="-127"/>
               </a:rPr>
               <a:t>조도 센서 제어</a:t>
             </a:r>
-            <a:endParaRPr kumimoji="0" lang="ko-KR" altLang="en-US" sz="2800" i="1" u="none" strike="noStrike" kern="0" cap="none" spc="0" normalizeH="0" baseline="0" noProof="0" dirty="0">
-              <a:ln>
-                <a:noFill/>
-              </a:ln>
+            <a:endParaRPr lang="ko-KR" altLang="en-US" sz="2800" i="1" kern="0" dirty="0">
               <a:solidFill>
                 <a:srgbClr val="F17733"/>
               </a:solidFill>
-              <a:effectLst/>
-              <a:uLnTx/>
-              <a:uFillTx/>
-              <a:latin typeface="Arial Narrow" pitchFamily="34" charset="0"/>
-              <a:ea typeface="+mj-ea"/>
-              <a:cs typeface="+mj-cs"/>
+              <a:latin typeface="맑은 고딕" panose="020B0503020000020004" pitchFamily="50" charset="-127"/>
+              <a:ea typeface="맑은 고딕" panose="020B0503020000020004" pitchFamily="50" charset="-127"/>
             </a:endParaRPr>
           </a:p>
         </p:txBody>
@@ -3468,7 +3458,7 @@
                 <a:latin typeface="Arial Narrow"/>
                 <a:ea typeface="굴림" pitchFamily="50" charset="-127"/>
               </a:rPr>
-              <a:t>디지털</a:t>
+              <a:t>아날로그</a:t>
             </a:r>
             <a:r>
               <a:rPr lang="en-US" altLang="ko-KR" kern="0" dirty="0" smtClean="0">
@@ -3795,7 +3785,7 @@
     </p:spTree>
     <p:extLst>
       <p:ext uri="{BB962C8B-B14F-4D97-AF65-F5344CB8AC3E}">
-        <p14:creationId xmlns:p14="http://schemas.microsoft.com/office/powerpoint/2010/main" val="1326045151"/>
+        <p14:creationId xmlns:p14="http://schemas.microsoft.com/office/powerpoint/2010/main" val="330289458"/>
       </p:ext>
     </p:extLst>
   </p:cSld>
@@ -3856,19 +3846,21 @@
               <a:defRPr/>
             </a:pPr>
             <a:r>
-              <a:rPr lang="ko-KR" altLang="en-US" sz="2800" i="1" kern="0" dirty="0">
-                <a:solidFill>
-                  <a:schemeClr val="tx1"/>
-                </a:solidFill>
-                <a:latin typeface="Arial Narrow" pitchFamily="34" charset="0"/>
-              </a:rPr>
-              <a:t>조도 센서 제어</a:t>
+              <a:rPr lang="ko-KR" altLang="en-US" sz="2800" i="1" kern="0" dirty="0" smtClean="0">
+                <a:solidFill>
+                  <a:schemeClr val="tx1"/>
+                </a:solidFill>
+                <a:latin typeface="맑은 고딕" panose="020B0503020000020004" pitchFamily="50" charset="-127"/>
+                <a:ea typeface="맑은 고딕" panose="020B0503020000020004" pitchFamily="50" charset="-127"/>
+              </a:rPr>
+              <a:t>자율주행 자동차 소개</a:t>
             </a:r>
             <a:endParaRPr lang="ko-KR" altLang="en-US" sz="2800" i="1" kern="0" dirty="0">
               <a:solidFill>
                 <a:srgbClr val="F17733"/>
               </a:solidFill>
-              <a:latin typeface="Arial Narrow" pitchFamily="34" charset="0"/>
+              <a:latin typeface="맑은 고딕" panose="020B0503020000020004" pitchFamily="50" charset="-127"/>
+              <a:ea typeface="맑은 고딕" panose="020B0503020000020004" pitchFamily="50" charset="-127"/>
             </a:endParaRPr>
           </a:p>
         </p:txBody>
@@ -4162,35 +4154,7 @@
                 <a:latin typeface="Arial Narrow"/>
                 <a:ea typeface="굴림" pitchFamily="50" charset="-127"/>
               </a:rPr>
-              <a:t>조도센서 </a:t>
-            </a:r>
-            <a:r>
-              <a:rPr lang="en-US" altLang="ko-KR" kern="0" dirty="0" smtClean="0">
-                <a:latin typeface="Arial Narrow"/>
-                <a:ea typeface="굴림" pitchFamily="50" charset="-127"/>
-              </a:rPr>
-              <a:t>(</a:t>
-            </a:r>
-            <a:r>
-              <a:rPr lang="ko-KR" altLang="en-US" kern="0" dirty="0" smtClean="0">
-                <a:latin typeface="Arial Narrow"/>
-                <a:ea typeface="굴림" pitchFamily="50" charset="-127"/>
-              </a:rPr>
-              <a:t>아날로그</a:t>
-            </a:r>
-            <a:r>
-              <a:rPr lang="en-US" altLang="ko-KR" kern="0" dirty="0" smtClean="0">
-                <a:latin typeface="Arial Narrow"/>
-                <a:ea typeface="굴림" pitchFamily="50" charset="-127"/>
-              </a:rPr>
-              <a:t>) </a:t>
-            </a:r>
-            <a:r>
-              <a:rPr lang="ko-KR" altLang="en-US" kern="0" dirty="0" smtClean="0">
-                <a:latin typeface="Arial Narrow"/>
-                <a:ea typeface="굴림" pitchFamily="50" charset="-127"/>
-              </a:rPr>
-              <a:t>입력 받기</a:t>
+              <a:t>일반적인 자율주행 자동차</a:t>
             </a:r>
             <a:endParaRPr lang="en-US" altLang="ko-KR" kern="0" dirty="0">
               <a:latin typeface="Arial Narrow"/>
@@ -4503,7 +4467,7 @@
     </p:spTree>
     <p:extLst>
       <p:ext uri="{BB962C8B-B14F-4D97-AF65-F5344CB8AC3E}">
-        <p14:creationId xmlns:p14="http://schemas.microsoft.com/office/powerpoint/2010/main" val="330289458"/>
+        <p14:creationId xmlns:p14="http://schemas.microsoft.com/office/powerpoint/2010/main" val="3595885732"/>
       </p:ext>
     </p:extLst>
   </p:cSld>
@@ -4568,7 +4532,8 @@
                 <a:solidFill>
                   <a:schemeClr val="tx1"/>
                 </a:solidFill>
-                <a:latin typeface="Arial Narrow" pitchFamily="34" charset="0"/>
+                <a:latin typeface="맑은 고딕" panose="020B0503020000020004" pitchFamily="50" charset="-127"/>
+                <a:ea typeface="맑은 고딕" panose="020B0503020000020004" pitchFamily="50" charset="-127"/>
               </a:rPr>
               <a:t>자율주행 자동차 소개</a:t>
             </a:r>
@@ -4576,7 +4541,8 @@
               <a:solidFill>
                 <a:srgbClr val="F17733"/>
               </a:solidFill>
-              <a:latin typeface="Arial Narrow" pitchFamily="34" charset="0"/>
+              <a:latin typeface="맑은 고딕" panose="020B0503020000020004" pitchFamily="50" charset="-127"/>
+              <a:ea typeface="맑은 고딕" panose="020B0503020000020004" pitchFamily="50" charset="-127"/>
             </a:endParaRPr>
           </a:p>
         </p:txBody>
@@ -5183,7 +5149,7 @@
     </p:spTree>
     <p:extLst>
       <p:ext uri="{BB962C8B-B14F-4D97-AF65-F5344CB8AC3E}">
-        <p14:creationId xmlns:p14="http://schemas.microsoft.com/office/powerpoint/2010/main" val="3595885732"/>
+        <p14:creationId xmlns:p14="http://schemas.microsoft.com/office/powerpoint/2010/main" val="1363480139"/>
       </p:ext>
     </p:extLst>
   </p:cSld>
@@ -5248,15 +5214,17 @@
                 <a:solidFill>
                   <a:schemeClr val="tx1"/>
                 </a:solidFill>
-                <a:latin typeface="Arial Narrow" pitchFamily="34" charset="0"/>
-              </a:rPr>
-              <a:t>자율주행 자동차 소개</a:t>
+                <a:latin typeface="맑은 고딕" panose="020B0503020000020004" pitchFamily="50" charset="-127"/>
+                <a:ea typeface="맑은 고딕" panose="020B0503020000020004" pitchFamily="50" charset="-127"/>
+              </a:rPr>
+              <a:t>자율주행 자동차 기본 원리</a:t>
             </a:r>
             <a:endParaRPr lang="ko-KR" altLang="en-US" sz="2800" i="1" kern="0" dirty="0">
               <a:solidFill>
                 <a:srgbClr val="F17733"/>
               </a:solidFill>
-              <a:latin typeface="Arial Narrow" pitchFamily="34" charset="0"/>
+              <a:latin typeface="맑은 고딕" panose="020B0503020000020004" pitchFamily="50" charset="-127"/>
+              <a:ea typeface="맑은 고딕" panose="020B0503020000020004" pitchFamily="50" charset="-127"/>
             </a:endParaRPr>
           </a:p>
         </p:txBody>
@@ -5550,7 +5518,21 @@
                 <a:latin typeface="Arial Narrow"/>
                 <a:ea typeface="굴림" pitchFamily="50" charset="-127"/>
               </a:rPr>
-              <a:t>일반적인 자율주행 자동차</a:t>
+              <a:t>조도센서 </a:t>
+            </a:r>
+            <a:r>
+              <a:rPr lang="en-US" altLang="ko-KR" kern="0" dirty="0" smtClean="0">
+                <a:latin typeface="Arial Narrow"/>
+                <a:ea typeface="굴림" pitchFamily="50" charset="-127"/>
+              </a:rPr>
+              <a:t>+ </a:t>
+            </a:r>
+            <a:r>
+              <a:rPr lang="ko-KR" altLang="en-US" kern="0" dirty="0" smtClean="0">
+                <a:latin typeface="Arial Narrow"/>
+                <a:ea typeface="굴림" pitchFamily="50" charset="-127"/>
+              </a:rPr>
+              <a:t>모터 제어를 통한 트랙킹 로봇</a:t>
             </a:r>
             <a:endParaRPr lang="en-US" altLang="ko-KR" kern="0" dirty="0">
               <a:latin typeface="Arial Narrow"/>
@@ -5863,7 +5845,7 @@
     </p:spTree>
     <p:extLst>
       <p:ext uri="{BB962C8B-B14F-4D97-AF65-F5344CB8AC3E}">
-        <p14:creationId xmlns:p14="http://schemas.microsoft.com/office/powerpoint/2010/main" val="1363480139"/>
+        <p14:creationId xmlns:p14="http://schemas.microsoft.com/office/powerpoint/2010/main" val="3340508660"/>
       </p:ext>
     </p:extLst>
   </p:cSld>
@@ -5924,19 +5906,29 @@
               <a:defRPr/>
             </a:pPr>
             <a:r>
-              <a:rPr lang="ko-KR" altLang="en-US" sz="2800" i="1" kern="0" dirty="0" smtClean="0">
-                <a:solidFill>
-                  <a:schemeClr val="tx1"/>
-                </a:solidFill>
-                <a:latin typeface="Arial Narrow" pitchFamily="34" charset="0"/>
-              </a:rPr>
-              <a:t>자율주행 자동차 기본 원리</a:t>
-            </a:r>
-            <a:endParaRPr lang="ko-KR" altLang="en-US" sz="2800" i="1" kern="0" dirty="0">
+              <a:rPr lang="ko-KR" altLang="en-US" sz="2800" i="1" kern="0" dirty="0" err="1" smtClean="0">
+                <a:solidFill>
+                  <a:schemeClr val="tx1"/>
+                </a:solidFill>
+                <a:latin typeface="맑은 고딕" panose="020B0503020000020004" pitchFamily="50" charset="-127"/>
+                <a:ea typeface="맑은 고딕" panose="020B0503020000020004" pitchFamily="50" charset="-127"/>
+                <a:cs typeface="+mj-cs"/>
+              </a:rPr>
+              <a:t>ㅁ</a:t>
+            </a:r>
+            <a:endParaRPr kumimoji="0" lang="ko-KR" altLang="en-US" sz="2800" i="1" u="none" strike="noStrike" kern="0" cap="none" spc="0" normalizeH="0" baseline="0" noProof="0" dirty="0">
+              <a:ln>
+                <a:noFill/>
+              </a:ln>
               <a:solidFill>
                 <a:srgbClr val="F17733"/>
               </a:solidFill>
-              <a:latin typeface="Arial Narrow" pitchFamily="34" charset="0"/>
+              <a:effectLst/>
+              <a:uLnTx/>
+              <a:uFillTx/>
+              <a:latin typeface="맑은 고딕" panose="020B0503020000020004" pitchFamily="50" charset="-127"/>
+              <a:ea typeface="맑은 고딕" panose="020B0503020000020004" pitchFamily="50" charset="-127"/>
+              <a:cs typeface="+mj-cs"/>
             </a:endParaRPr>
           </a:p>
         </p:txBody>
@@ -5965,710 +5957,6 @@
                 <a:defRPr/>
               </a:pPr>
               <a:t>15</a:t>
-            </a:fld>
-            <a:r>
-              <a:rPr lang="en-US"/>
-              <a:t>/4</a:t>
-            </a:r>
-            <a:endParaRPr lang="en-US" dirty="0"/>
-          </a:p>
-        </p:txBody>
-      </p:sp>
-      <p:sp>
-        <p:nvSpPr>
-          <p:cNvPr id="8" name="Footer Placeholder 9"/>
-          <p:cNvSpPr>
-            <a:spLocks noGrp="1"/>
-          </p:cNvSpPr>
-          <p:nvPr>
-            <p:ph type="ftr" sz="quarter" idx="3"/>
-          </p:nvPr>
-        </p:nvSpPr>
-        <p:spPr>
-          <a:xfrm>
-            <a:off x="0" y="6456363"/>
-            <a:ext cx="9144000" cy="401637"/>
-          </a:xfrm>
-        </p:spPr>
-        <p:txBody>
-          <a:bodyPr/>
-          <a:lstStyle/>
-          <a:p>
-            <a:r>
-              <a:rPr lang="en-US" dirty="0" smtClean="0"/>
-              <a:t>Introduction to Robot Making Class</a:t>
-            </a:r>
-          </a:p>
-          <a:p>
-            <a:r>
-              <a:rPr lang="en-US" dirty="0" smtClean="0"/>
-              <a:t>week X – Fundamentals of Robot</a:t>
-            </a:r>
-            <a:endParaRPr lang="en-US" dirty="0"/>
-          </a:p>
-        </p:txBody>
-      </p:sp>
-      <p:sp>
-        <p:nvSpPr>
-          <p:cNvPr id="9" name="Rectangle 3"/>
-          <p:cNvSpPr txBox="1">
-            <a:spLocks noChangeArrowheads="1"/>
-          </p:cNvSpPr>
-          <p:nvPr/>
-        </p:nvSpPr>
-        <p:spPr bwMode="auto">
-          <a:xfrm>
-            <a:off x="0" y="629582"/>
-            <a:ext cx="7298108" cy="369332"/>
-          </a:xfrm>
-          <a:prstGeom prst="rect">
-            <a:avLst/>
-          </a:prstGeom>
-          <a:noFill/>
-          <a:ln w="9525">
-            <a:noFill/>
-            <a:miter lim="800000"/>
-            <a:headEnd/>
-            <a:tailEnd/>
-          </a:ln>
-        </p:spPr>
-        <p:txBody>
-          <a:bodyPr vert="horz" wrap="square" lIns="91440" tIns="0" rIns="91440" bIns="0" numCol="1" anchor="t" anchorCtr="0" compatLnSpc="1">
-            <a:prstTxWarp prst="textNoShape">
-              <a:avLst/>
-            </a:prstTxWarp>
-            <a:spAutoFit/>
-          </a:bodyPr>
-          <a:lstStyle>
-            <a:lvl1pPr marL="342900" indent="-342900" algn="l" rtl="0" eaLnBrk="0" fontAlgn="base" hangingPunct="0">
-              <a:spcBef>
-                <a:spcPct val="20000"/>
-              </a:spcBef>
-              <a:spcAft>
-                <a:spcPct val="0"/>
-              </a:spcAft>
-              <a:buClr>
-                <a:schemeClr val="bg2"/>
-              </a:buClr>
-              <a:buSzPct val="75000"/>
-              <a:buFont typeface="Wingdings" pitchFamily="2" charset="2"/>
-              <a:buChar char="n"/>
-              <a:defRPr sz="2400">
-                <a:solidFill>
-                  <a:schemeClr val="tx1"/>
-                </a:solidFill>
-                <a:latin typeface="+mn-lt"/>
-                <a:ea typeface="+mn-ea"/>
-                <a:cs typeface="+mn-cs"/>
-              </a:defRPr>
-            </a:lvl1pPr>
-            <a:lvl2pPr marL="742950" indent="-285750" algn="l" rtl="0" eaLnBrk="0" fontAlgn="base" hangingPunct="0">
-              <a:spcBef>
-                <a:spcPct val="20000"/>
-              </a:spcBef>
-              <a:spcAft>
-                <a:spcPct val="0"/>
-              </a:spcAft>
-              <a:buClr>
-                <a:schemeClr val="accent2"/>
-              </a:buClr>
-              <a:buSzPct val="80000"/>
-              <a:buFont typeface="Wingdings" pitchFamily="2" charset="2"/>
-              <a:buChar char="¨"/>
-              <a:defRPr sz="2000">
-                <a:solidFill>
-                  <a:schemeClr val="tx1"/>
-                </a:solidFill>
-                <a:latin typeface="+mn-lt"/>
-              </a:defRPr>
-            </a:lvl2pPr>
-            <a:lvl3pPr marL="1143000" indent="-228600" algn="l" rtl="0" eaLnBrk="0" fontAlgn="base" hangingPunct="0">
-              <a:spcBef>
-                <a:spcPct val="20000"/>
-              </a:spcBef>
-              <a:spcAft>
-                <a:spcPct val="0"/>
-              </a:spcAft>
-              <a:buClr>
-                <a:schemeClr val="bg2"/>
-              </a:buClr>
-              <a:buSzPct val="65000"/>
-              <a:buFont typeface="Wingdings" pitchFamily="2" charset="2"/>
-              <a:buChar char="n"/>
-              <a:defRPr>
-                <a:solidFill>
-                  <a:schemeClr val="tx1"/>
-                </a:solidFill>
-                <a:latin typeface="+mn-lt"/>
-              </a:defRPr>
-            </a:lvl3pPr>
-            <a:lvl4pPr marL="1600200" indent="-228600" algn="l" rtl="0" eaLnBrk="0" fontAlgn="base" hangingPunct="0">
-              <a:spcBef>
-                <a:spcPct val="20000"/>
-              </a:spcBef>
-              <a:spcAft>
-                <a:spcPct val="0"/>
-              </a:spcAft>
-              <a:buClr>
-                <a:schemeClr val="accent2"/>
-              </a:buClr>
-              <a:buSzPct val="70000"/>
-              <a:buFont typeface="Wingdings" pitchFamily="2" charset="2"/>
-              <a:buChar char="¨"/>
-              <a:defRPr sz="1600">
-                <a:solidFill>
-                  <a:schemeClr val="tx1"/>
-                </a:solidFill>
-                <a:latin typeface="+mn-lt"/>
-              </a:defRPr>
-            </a:lvl4pPr>
-            <a:lvl5pPr marL="2057400" indent="-228600" algn="l" rtl="0" eaLnBrk="0" fontAlgn="base" hangingPunct="0">
-              <a:spcBef>
-                <a:spcPct val="20000"/>
-              </a:spcBef>
-              <a:spcAft>
-                <a:spcPct val="0"/>
-              </a:spcAft>
-              <a:buClr>
-                <a:schemeClr val="bg2"/>
-              </a:buClr>
-              <a:buFont typeface="Wingdings" pitchFamily="2" charset="2"/>
-              <a:buChar char="§"/>
-              <a:defRPr sz="1600">
-                <a:solidFill>
-                  <a:schemeClr val="tx1"/>
-                </a:solidFill>
-                <a:latin typeface="+mn-lt"/>
-              </a:defRPr>
-            </a:lvl5pPr>
-            <a:lvl6pPr marL="2514600" indent="-228600" algn="l" rtl="0" fontAlgn="base">
-              <a:spcBef>
-                <a:spcPct val="20000"/>
-              </a:spcBef>
-              <a:spcAft>
-                <a:spcPct val="0"/>
-              </a:spcAft>
-              <a:buClr>
-                <a:schemeClr val="bg2"/>
-              </a:buClr>
-              <a:buFont typeface="Wingdings" pitchFamily="2" charset="2"/>
-              <a:buChar char="§"/>
-              <a:defRPr sz="1600">
-                <a:solidFill>
-                  <a:schemeClr val="tx1"/>
-                </a:solidFill>
-                <a:latin typeface="+mn-lt"/>
-              </a:defRPr>
-            </a:lvl6pPr>
-            <a:lvl7pPr marL="2971800" indent="-228600" algn="l" rtl="0" fontAlgn="base">
-              <a:spcBef>
-                <a:spcPct val="20000"/>
-              </a:spcBef>
-              <a:spcAft>
-                <a:spcPct val="0"/>
-              </a:spcAft>
-              <a:buClr>
-                <a:schemeClr val="bg2"/>
-              </a:buClr>
-              <a:buFont typeface="Wingdings" pitchFamily="2" charset="2"/>
-              <a:buChar char="§"/>
-              <a:defRPr sz="1600">
-                <a:solidFill>
-                  <a:schemeClr val="tx1"/>
-                </a:solidFill>
-                <a:latin typeface="+mn-lt"/>
-              </a:defRPr>
-            </a:lvl7pPr>
-            <a:lvl8pPr marL="3429000" indent="-228600" algn="l" rtl="0" fontAlgn="base">
-              <a:spcBef>
-                <a:spcPct val="20000"/>
-              </a:spcBef>
-              <a:spcAft>
-                <a:spcPct val="0"/>
-              </a:spcAft>
-              <a:buClr>
-                <a:schemeClr val="bg2"/>
-              </a:buClr>
-              <a:buFont typeface="Wingdings" pitchFamily="2" charset="2"/>
-              <a:buChar char="§"/>
-              <a:defRPr sz="1600">
-                <a:solidFill>
-                  <a:schemeClr val="tx1"/>
-                </a:solidFill>
-                <a:latin typeface="+mn-lt"/>
-              </a:defRPr>
-            </a:lvl8pPr>
-            <a:lvl9pPr marL="3886200" indent="-228600" algn="l" rtl="0" fontAlgn="base">
-              <a:spcBef>
-                <a:spcPct val="20000"/>
-              </a:spcBef>
-              <a:spcAft>
-                <a:spcPct val="0"/>
-              </a:spcAft>
-              <a:buClr>
-                <a:schemeClr val="bg2"/>
-              </a:buClr>
-              <a:buFont typeface="Wingdings" pitchFamily="2" charset="2"/>
-              <a:buChar char="§"/>
-              <a:defRPr sz="1600">
-                <a:solidFill>
-                  <a:schemeClr val="tx1"/>
-                </a:solidFill>
-                <a:latin typeface="+mn-lt"/>
-              </a:defRPr>
-            </a:lvl9pPr>
-          </a:lstStyle>
-          <a:p>
-            <a:pPr marL="341313" indent="-341313" eaLnBrk="1" hangingPunct="1">
-              <a:buClr>
-                <a:srgbClr val="00007D"/>
-              </a:buClr>
-              <a:defRPr/>
-            </a:pPr>
-            <a:r>
-              <a:rPr lang="ko-KR" altLang="en-US" kern="0" dirty="0" smtClean="0">
-                <a:latin typeface="Arial Narrow"/>
-                <a:ea typeface="굴림" pitchFamily="50" charset="-127"/>
-              </a:rPr>
-              <a:t>조도센서 </a:t>
-            </a:r>
-            <a:r>
-              <a:rPr lang="en-US" altLang="ko-KR" kern="0" dirty="0" smtClean="0">
-                <a:latin typeface="Arial Narrow"/>
-                <a:ea typeface="굴림" pitchFamily="50" charset="-127"/>
-              </a:rPr>
-              <a:t>+ </a:t>
-            </a:r>
-            <a:r>
-              <a:rPr lang="ko-KR" altLang="en-US" kern="0" dirty="0" smtClean="0">
-                <a:latin typeface="Arial Narrow"/>
-                <a:ea typeface="굴림" pitchFamily="50" charset="-127"/>
-              </a:rPr>
-              <a:t>모터 제어를 통한 트랙킹 로봇</a:t>
-            </a:r>
-            <a:endParaRPr lang="en-US" altLang="ko-KR" kern="0" dirty="0">
-              <a:latin typeface="Arial Narrow"/>
-              <a:ea typeface="굴림" pitchFamily="50" charset="-127"/>
-            </a:endParaRPr>
-          </a:p>
-        </p:txBody>
-      </p:sp>
-      <p:sp>
-        <p:nvSpPr>
-          <p:cNvPr id="10" name="Rectangle 3"/>
-          <p:cNvSpPr txBox="1">
-            <a:spLocks noChangeArrowheads="1"/>
-          </p:cNvSpPr>
-          <p:nvPr/>
-        </p:nvSpPr>
-        <p:spPr bwMode="auto">
-          <a:xfrm>
-            <a:off x="0" y="1086605"/>
-            <a:ext cx="8965250" cy="276999"/>
-          </a:xfrm>
-          <a:prstGeom prst="rect">
-            <a:avLst/>
-          </a:prstGeom>
-          <a:noFill/>
-          <a:ln w="9525">
-            <a:noFill/>
-            <a:miter lim="800000"/>
-            <a:headEnd/>
-            <a:tailEnd/>
-          </a:ln>
-        </p:spPr>
-        <p:txBody>
-          <a:bodyPr vert="horz" wrap="square" lIns="91440" tIns="0" rIns="0" bIns="0" numCol="1" anchor="t" anchorCtr="0" compatLnSpc="1">
-            <a:prstTxWarp prst="textNoShape">
-              <a:avLst/>
-            </a:prstTxWarp>
-            <a:spAutoFit/>
-          </a:bodyPr>
-          <a:lstStyle>
-            <a:lvl1pPr marL="342900" indent="-342900" algn="l" rtl="0" eaLnBrk="0" fontAlgn="base" hangingPunct="0">
-              <a:spcBef>
-                <a:spcPct val="20000"/>
-              </a:spcBef>
-              <a:spcAft>
-                <a:spcPct val="0"/>
-              </a:spcAft>
-              <a:buClr>
-                <a:schemeClr val="bg2"/>
-              </a:buClr>
-              <a:buSzPct val="75000"/>
-              <a:buFont typeface="Wingdings" pitchFamily="2" charset="2"/>
-              <a:buChar char="n"/>
-              <a:defRPr sz="2400">
-                <a:solidFill>
-                  <a:schemeClr val="tx1"/>
-                </a:solidFill>
-                <a:latin typeface="+mn-lt"/>
-                <a:ea typeface="+mn-ea"/>
-                <a:cs typeface="+mn-cs"/>
-              </a:defRPr>
-            </a:lvl1pPr>
-            <a:lvl2pPr marL="742950" indent="-285750" algn="l" rtl="0" eaLnBrk="0" fontAlgn="base" hangingPunct="0">
-              <a:spcBef>
-                <a:spcPct val="20000"/>
-              </a:spcBef>
-              <a:spcAft>
-                <a:spcPct val="0"/>
-              </a:spcAft>
-              <a:buClr>
-                <a:schemeClr val="accent2"/>
-              </a:buClr>
-              <a:buSzPct val="80000"/>
-              <a:buFont typeface="Wingdings" pitchFamily="2" charset="2"/>
-              <a:buChar char="¨"/>
-              <a:defRPr sz="2000">
-                <a:solidFill>
-                  <a:schemeClr val="tx1"/>
-                </a:solidFill>
-                <a:latin typeface="+mn-lt"/>
-              </a:defRPr>
-            </a:lvl2pPr>
-            <a:lvl3pPr marL="1143000" indent="-228600" algn="l" rtl="0" eaLnBrk="0" fontAlgn="base" hangingPunct="0">
-              <a:spcBef>
-                <a:spcPct val="20000"/>
-              </a:spcBef>
-              <a:spcAft>
-                <a:spcPct val="0"/>
-              </a:spcAft>
-              <a:buClr>
-                <a:schemeClr val="bg2"/>
-              </a:buClr>
-              <a:buSzPct val="65000"/>
-              <a:buFont typeface="Wingdings" pitchFamily="2" charset="2"/>
-              <a:buChar char="n"/>
-              <a:defRPr>
-                <a:solidFill>
-                  <a:schemeClr val="tx1"/>
-                </a:solidFill>
-                <a:latin typeface="+mn-lt"/>
-              </a:defRPr>
-            </a:lvl3pPr>
-            <a:lvl4pPr marL="1600200" indent="-228600" algn="l" rtl="0" eaLnBrk="0" fontAlgn="base" hangingPunct="0">
-              <a:spcBef>
-                <a:spcPct val="20000"/>
-              </a:spcBef>
-              <a:spcAft>
-                <a:spcPct val="0"/>
-              </a:spcAft>
-              <a:buClr>
-                <a:schemeClr val="accent2"/>
-              </a:buClr>
-              <a:buSzPct val="70000"/>
-              <a:buFont typeface="Wingdings" pitchFamily="2" charset="2"/>
-              <a:buChar char="¨"/>
-              <a:defRPr sz="1600">
-                <a:solidFill>
-                  <a:schemeClr val="tx1"/>
-                </a:solidFill>
-                <a:latin typeface="+mn-lt"/>
-              </a:defRPr>
-            </a:lvl4pPr>
-            <a:lvl5pPr marL="2057400" indent="-228600" algn="l" rtl="0" eaLnBrk="0" fontAlgn="base" hangingPunct="0">
-              <a:spcBef>
-                <a:spcPct val="20000"/>
-              </a:spcBef>
-              <a:spcAft>
-                <a:spcPct val="0"/>
-              </a:spcAft>
-              <a:buClr>
-                <a:schemeClr val="bg2"/>
-              </a:buClr>
-              <a:buFont typeface="Wingdings" pitchFamily="2" charset="2"/>
-              <a:buChar char="§"/>
-              <a:defRPr sz="1600">
-                <a:solidFill>
-                  <a:schemeClr val="tx1"/>
-                </a:solidFill>
-                <a:latin typeface="+mn-lt"/>
-              </a:defRPr>
-            </a:lvl5pPr>
-            <a:lvl6pPr marL="2514600" indent="-228600" algn="l" rtl="0" fontAlgn="base">
-              <a:spcBef>
-                <a:spcPct val="20000"/>
-              </a:spcBef>
-              <a:spcAft>
-                <a:spcPct val="0"/>
-              </a:spcAft>
-              <a:buClr>
-                <a:schemeClr val="bg2"/>
-              </a:buClr>
-              <a:buFont typeface="Wingdings" pitchFamily="2" charset="2"/>
-              <a:buChar char="§"/>
-              <a:defRPr sz="1600">
-                <a:solidFill>
-                  <a:schemeClr val="tx1"/>
-                </a:solidFill>
-                <a:latin typeface="+mn-lt"/>
-              </a:defRPr>
-            </a:lvl6pPr>
-            <a:lvl7pPr marL="2971800" indent="-228600" algn="l" rtl="0" fontAlgn="base">
-              <a:spcBef>
-                <a:spcPct val="20000"/>
-              </a:spcBef>
-              <a:spcAft>
-                <a:spcPct val="0"/>
-              </a:spcAft>
-              <a:buClr>
-                <a:schemeClr val="bg2"/>
-              </a:buClr>
-              <a:buFont typeface="Wingdings" pitchFamily="2" charset="2"/>
-              <a:buChar char="§"/>
-              <a:defRPr sz="1600">
-                <a:solidFill>
-                  <a:schemeClr val="tx1"/>
-                </a:solidFill>
-                <a:latin typeface="+mn-lt"/>
-              </a:defRPr>
-            </a:lvl7pPr>
-            <a:lvl8pPr marL="3429000" indent="-228600" algn="l" rtl="0" fontAlgn="base">
-              <a:spcBef>
-                <a:spcPct val="20000"/>
-              </a:spcBef>
-              <a:spcAft>
-                <a:spcPct val="0"/>
-              </a:spcAft>
-              <a:buClr>
-                <a:schemeClr val="bg2"/>
-              </a:buClr>
-              <a:buFont typeface="Wingdings" pitchFamily="2" charset="2"/>
-              <a:buChar char="§"/>
-              <a:defRPr sz="1600">
-                <a:solidFill>
-                  <a:schemeClr val="tx1"/>
-                </a:solidFill>
-                <a:latin typeface="+mn-lt"/>
-              </a:defRPr>
-            </a:lvl8pPr>
-            <a:lvl9pPr marL="3886200" indent="-228600" algn="l" rtl="0" fontAlgn="base">
-              <a:spcBef>
-                <a:spcPct val="20000"/>
-              </a:spcBef>
-              <a:spcAft>
-                <a:spcPct val="0"/>
-              </a:spcAft>
-              <a:buClr>
-                <a:schemeClr val="bg2"/>
-              </a:buClr>
-              <a:buFont typeface="Wingdings" pitchFamily="2" charset="2"/>
-              <a:buChar char="§"/>
-              <a:defRPr sz="1600">
-                <a:solidFill>
-                  <a:schemeClr val="tx1"/>
-                </a:solidFill>
-                <a:latin typeface="+mn-lt"/>
-              </a:defRPr>
-            </a:lvl9pPr>
-          </a:lstStyle>
-          <a:p>
-            <a:pPr marL="341313" lvl="1" indent="-341313" algn="just" eaLnBrk="1" hangingPunct="1">
-              <a:buClr>
-                <a:srgbClr val="9999CC"/>
-              </a:buClr>
-              <a:defRPr/>
-            </a:pPr>
-            <a:r>
-              <a:rPr lang="en-US" altLang="ko-KR" sz="1800" b="0" kern="0" dirty="0" smtClean="0">
-                <a:latin typeface="Arial Narrow"/>
-                <a:ea typeface="굴림" pitchFamily="50" charset="-127"/>
-              </a:rPr>
-              <a:t>Descriptions</a:t>
-            </a:r>
-            <a:endParaRPr lang="en-US" altLang="ko-KR" sz="1800" b="0" kern="0" dirty="0">
-              <a:latin typeface="Arial Narrow"/>
-              <a:ea typeface="굴림" pitchFamily="50" charset="-127"/>
-            </a:endParaRPr>
-          </a:p>
-        </p:txBody>
-      </p:sp>
-      <p:sp>
-        <p:nvSpPr>
-          <p:cNvPr id="7" name="Rectangle 20"/>
-          <p:cNvSpPr/>
-          <p:nvPr/>
-        </p:nvSpPr>
-        <p:spPr>
-          <a:xfrm>
-            <a:off x="5923607" y="3108917"/>
-            <a:ext cx="3220393" cy="253916"/>
-          </a:xfrm>
-          <a:prstGeom prst="rect">
-            <a:avLst/>
-          </a:prstGeom>
-        </p:spPr>
-        <p:txBody>
-          <a:bodyPr wrap="square">
-            <a:spAutoFit/>
-          </a:bodyPr>
-          <a:lstStyle/>
-          <a:p>
-            <a:r>
-              <a:rPr lang="en-US" altLang="ko-KR" sz="1050" dirty="0" smtClean="0">
-                <a:solidFill>
-                  <a:schemeClr val="tx1"/>
-                </a:solidFill>
-                <a:latin typeface="Arial Narrow" panose="020B0606020202030204" pitchFamily="34" charset="0"/>
-              </a:rPr>
-              <a:t>Fig. Caption Here</a:t>
-            </a:r>
-            <a:endParaRPr lang="en-US" altLang="ko-KR" sz="1050" dirty="0">
-              <a:solidFill>
-                <a:schemeClr val="tx1"/>
-              </a:solidFill>
-              <a:latin typeface="Arial Narrow" panose="020B0606020202030204" pitchFamily="34" charset="0"/>
-            </a:endParaRPr>
-          </a:p>
-        </p:txBody>
-      </p:sp>
-      <p:sp>
-        <p:nvSpPr>
-          <p:cNvPr id="11" name="Date Placeholder 3"/>
-          <p:cNvSpPr>
-            <a:spLocks noGrp="1"/>
-          </p:cNvSpPr>
-          <p:nvPr>
-            <p:ph type="dt" sz="half" idx="2"/>
-          </p:nvPr>
-        </p:nvSpPr>
-        <p:spPr>
-          <a:xfrm>
-            <a:off x="0" y="6446838"/>
-            <a:ext cx="1749972" cy="411162"/>
-          </a:xfrm>
-        </p:spPr>
-        <p:txBody>
-          <a:bodyPr/>
-          <a:lstStyle/>
-          <a:p>
-            <a:pPr>
-              <a:defRPr/>
-            </a:pPr>
-            <a:r>
-              <a:rPr lang="en-US" altLang="ko-KR" smtClean="0"/>
-              <a:t>SH Park &lt;pajoheji0909@snu.ac.kr&gt;</a:t>
-            </a:r>
-            <a:endParaRPr lang="en-US"/>
-          </a:p>
-        </p:txBody>
-      </p:sp>
-    </p:spTree>
-    <p:extLst>
-      <p:ext uri="{BB962C8B-B14F-4D97-AF65-F5344CB8AC3E}">
-        <p14:creationId xmlns:p14="http://schemas.microsoft.com/office/powerpoint/2010/main" val="3340508660"/>
-      </p:ext>
-    </p:extLst>
-  </p:cSld>
-  <p:clrMapOvr>
-    <a:masterClrMapping/>
-  </p:clrMapOvr>
-  <p:timing>
-    <p:tnLst>
-      <p:par>
-        <p:cTn id="1" dur="indefinite" restart="never" nodeType="tmRoot"/>
-      </p:par>
-    </p:tnLst>
-  </p:timing>
-</p:sld>
-</file>
-
-<file path=ppt/slides/slide16.xml><?xml version="1.0" encoding="utf-8"?>
-<p:sld xmlns:a="http://schemas.openxmlformats.org/drawingml/2006/main" xmlns:r="http://schemas.openxmlformats.org/officeDocument/2006/relationships" xmlns:p="http://schemas.openxmlformats.org/presentationml/2006/main">
-  <p:cSld>
-    <p:spTree>
-      <p:nvGrpSpPr>
-        <p:cNvPr id="1" name=""/>
-        <p:cNvGrpSpPr/>
-        <p:nvPr/>
-      </p:nvGrpSpPr>
-      <p:grpSpPr>
-        <a:xfrm>
-          <a:off x="0" y="0"/>
-          <a:ext cx="0" cy="0"/>
-          <a:chOff x="0" y="0"/>
-          <a:chExt cx="0" cy="0"/>
-        </a:xfrm>
-      </p:grpSpPr>
-      <p:sp>
-        <p:nvSpPr>
-          <p:cNvPr id="5" name="Title 4"/>
-          <p:cNvSpPr txBox="1">
-            <a:spLocks/>
-          </p:cNvSpPr>
-          <p:nvPr/>
-        </p:nvSpPr>
-        <p:spPr>
-          <a:xfrm>
-            <a:off x="-2579" y="0"/>
-            <a:ext cx="9144000" cy="523220"/>
-          </a:xfrm>
-          <a:prstGeom prst="rect">
-            <a:avLst/>
-          </a:prstGeom>
-        </p:spPr>
-        <p:txBody>
-          <a:bodyPr>
-            <a:spAutoFit/>
-          </a:bodyPr>
-          <a:lstStyle/>
-          <a:p>
-            <a:pPr algn="l">
-              <a:defRPr/>
-            </a:pPr>
-            <a:r>
-              <a:rPr lang="en-US" altLang="ko-KR" sz="2800" i="1" kern="0" dirty="0" smtClean="0">
-                <a:solidFill>
-                  <a:schemeClr val="tx1"/>
-                </a:solidFill>
-                <a:latin typeface="Arial Narrow" pitchFamily="34" charset="0"/>
-                <a:ea typeface="+mj-ea"/>
-                <a:cs typeface="+mj-cs"/>
-              </a:rPr>
-              <a:t>Template - Title</a:t>
-            </a:r>
-            <a:endParaRPr kumimoji="0" lang="ko-KR" altLang="en-US" sz="2800" i="1" u="none" strike="noStrike" kern="0" cap="none" spc="0" normalizeH="0" baseline="0" noProof="0" dirty="0">
-              <a:ln>
-                <a:noFill/>
-              </a:ln>
-              <a:solidFill>
-                <a:srgbClr val="F17733"/>
-              </a:solidFill>
-              <a:effectLst/>
-              <a:uLnTx/>
-              <a:uFillTx/>
-              <a:latin typeface="Arial Narrow" pitchFamily="34" charset="0"/>
-              <a:ea typeface="+mj-ea"/>
-              <a:cs typeface="+mj-cs"/>
-            </a:endParaRPr>
-          </a:p>
-        </p:txBody>
-      </p:sp>
-      <p:sp>
-        <p:nvSpPr>
-          <p:cNvPr id="3" name="Slide Number Placeholder 2"/>
-          <p:cNvSpPr>
-            <a:spLocks noGrp="1"/>
-          </p:cNvSpPr>
-          <p:nvPr>
-            <p:ph type="sldNum" sz="quarter" idx="4"/>
-          </p:nvPr>
-        </p:nvSpPr>
-        <p:spPr/>
-        <p:txBody>
-          <a:bodyPr/>
-          <a:lstStyle/>
-          <a:p>
-            <a:pPr>
-              <a:defRPr/>
-            </a:pPr>
-            <a:fld id="{0AA45A93-FE32-2945-8767-7A7088BDD0C8}" type="slidenum">
-              <a:rPr lang="en-US" smtClean="0"/>
-              <a:pPr>
-                <a:defRPr/>
-              </a:pPr>
-              <a:t>16</a:t>
             </a:fld>
             <a:r>
               <a:rPr lang="en-US"/>
@@ -8693,8 +7981,8 @@
                 <a:solidFill>
                   <a:schemeClr val="tx1"/>
                 </a:solidFill>
-                <a:latin typeface="Arial Narrow" pitchFamily="34" charset="0"/>
-                <a:ea typeface="+mj-ea"/>
+                <a:latin typeface="맑은 고딕" panose="020B0503020000020004" pitchFamily="50" charset="-127"/>
+                <a:ea typeface="맑은 고딕" panose="020B0503020000020004" pitchFamily="50" charset="-127"/>
                 <a:cs typeface="+mj-cs"/>
               </a:rPr>
               <a:t>아두이노 프로그래밍</a:t>
@@ -8709,8 +7997,8 @@
               <a:effectLst/>
               <a:uLnTx/>
               <a:uFillTx/>
-              <a:latin typeface="Arial Narrow" pitchFamily="34" charset="0"/>
-              <a:ea typeface="+mj-ea"/>
+              <a:latin typeface="맑은 고딕" panose="020B0503020000020004" pitchFamily="50" charset="-127"/>
+              <a:ea typeface="맑은 고딕" panose="020B0503020000020004" pitchFamily="50" charset="-127"/>
               <a:cs typeface="+mj-cs"/>
             </a:endParaRPr>
           </a:p>
@@ -10203,60 +9491,6 @@
       </p:pic>
       <p:sp>
         <p:nvSpPr>
-          <p:cNvPr id="5" name="Title 4"/>
-          <p:cNvSpPr txBox="1">
-            <a:spLocks/>
-          </p:cNvSpPr>
-          <p:nvPr/>
-        </p:nvSpPr>
-        <p:spPr>
-          <a:xfrm>
-            <a:off x="-2579" y="0"/>
-            <a:ext cx="9144000" cy="523220"/>
-          </a:xfrm>
-          <a:prstGeom prst="rect">
-            <a:avLst/>
-          </a:prstGeom>
-        </p:spPr>
-        <p:txBody>
-          <a:bodyPr>
-            <a:spAutoFit/>
-          </a:bodyPr>
-          <a:lstStyle/>
-          <a:p>
-            <a:pPr algn="l">
-              <a:defRPr/>
-            </a:pPr>
-            <a:r>
-              <a:rPr lang="ko-KR" altLang="en-US" sz="2800" i="1" kern="0" dirty="0" smtClean="0">
-                <a:solidFill>
-                  <a:schemeClr val="tx1"/>
-                </a:solidFill>
-                <a:latin typeface="Arial Narrow" pitchFamily="34" charset="0"/>
-                <a:ea typeface="+mj-ea"/>
-                <a:cs typeface="+mj-cs"/>
-              </a:rPr>
-              <a:t>아두이노 프로그래밍</a:t>
-            </a:r>
-            <a:endParaRPr kumimoji="0" lang="ko-KR" altLang="en-US" sz="2800" i="1" u="none" strike="noStrike" kern="0" cap="none" spc="0" normalizeH="0" baseline="0" noProof="0" dirty="0">
-              <a:ln>
-                <a:noFill/>
-              </a:ln>
-              <a:solidFill>
-                <a:srgbClr val="F17733"/>
-              </a:solidFill>
-              <a:effectLst/>
-              <a:uLnTx/>
-              <a:uFillTx/>
-              <a:latin typeface="Arial Narrow" pitchFamily="34" charset="0"/>
-              <a:ea typeface="+mj-ea"/>
-              <a:cs typeface="+mj-cs"/>
-            </a:endParaRPr>
-          </a:p>
-        </p:txBody>
-      </p:sp>
-      <p:sp>
-        <p:nvSpPr>
           <p:cNvPr id="3" name="Slide Number Placeholder 2"/>
           <p:cNvSpPr>
             <a:spLocks noGrp="1"/>
@@ -11426,60 +10660,6 @@
       </p:grpSpPr>
       <p:sp>
         <p:nvSpPr>
-          <p:cNvPr id="5" name="Title 4"/>
-          <p:cNvSpPr txBox="1">
-            <a:spLocks/>
-          </p:cNvSpPr>
-          <p:nvPr/>
-        </p:nvSpPr>
-        <p:spPr>
-          <a:xfrm>
-            <a:off x="-2579" y="0"/>
-            <a:ext cx="9144000" cy="523220"/>
-          </a:xfrm>
-          <a:prstGeom prst="rect">
-            <a:avLst/>
-          </a:prstGeom>
-        </p:spPr>
-        <p:txBody>
-          <a:bodyPr>
-            <a:spAutoFit/>
-          </a:bodyPr>
-          <a:lstStyle/>
-          <a:p>
-            <a:pPr algn="l">
-              <a:defRPr/>
-            </a:pPr>
-            <a:r>
-              <a:rPr lang="ko-KR" altLang="en-US" sz="2800" i="1" kern="0" dirty="0" smtClean="0">
-                <a:solidFill>
-                  <a:schemeClr val="tx1"/>
-                </a:solidFill>
-                <a:latin typeface="Arial Narrow" pitchFamily="34" charset="0"/>
-                <a:ea typeface="+mj-ea"/>
-                <a:cs typeface="+mj-cs"/>
-              </a:rPr>
-              <a:t>아두이노 프로그래밍</a:t>
-            </a:r>
-            <a:endParaRPr kumimoji="0" lang="ko-KR" altLang="en-US" sz="2800" i="1" u="none" strike="noStrike" kern="0" cap="none" spc="0" normalizeH="0" baseline="0" noProof="0" dirty="0">
-              <a:ln>
-                <a:noFill/>
-              </a:ln>
-              <a:solidFill>
-                <a:srgbClr val="F17733"/>
-              </a:solidFill>
-              <a:effectLst/>
-              <a:uLnTx/>
-              <a:uFillTx/>
-              <a:latin typeface="Arial Narrow" pitchFamily="34" charset="0"/>
-              <a:ea typeface="+mj-ea"/>
-              <a:cs typeface="+mj-cs"/>
-            </a:endParaRPr>
-          </a:p>
-        </p:txBody>
-      </p:sp>
-      <p:sp>
-        <p:nvSpPr>
           <p:cNvPr id="3" name="Slide Number Placeholder 2"/>
           <p:cNvSpPr>
             <a:spLocks noGrp="1"/>
@@ -11787,7 +10967,7 @@
         <p:spPr bwMode="auto">
           <a:xfrm>
             <a:off x="0" y="1086605"/>
-            <a:ext cx="8965250" cy="276999"/>
+            <a:ext cx="3387969" cy="553998"/>
           </a:xfrm>
           <a:prstGeom prst="rect">
             <a:avLst/>
@@ -11998,50 +11178,60 @@
                 <a:latin typeface="Arial Narrow"/>
                 <a:ea typeface="굴림" pitchFamily="50" charset="-127"/>
               </a:rPr>
-              <a:t>Descriptions</a:t>
+              <a:t>if </a:t>
+            </a:r>
+            <a:r>
+              <a:rPr lang="ko-KR" altLang="en-US" sz="1800" b="0" kern="0" dirty="0" smtClean="0">
+                <a:latin typeface="Arial Narrow"/>
+                <a:ea typeface="굴림" pitchFamily="50" charset="-127"/>
+              </a:rPr>
+              <a:t>문 </a:t>
+            </a:r>
+            <a:r>
+              <a:rPr lang="en-US" altLang="ko-KR" sz="1800" b="0" kern="0" dirty="0" smtClean="0">
+                <a:latin typeface="Arial Narrow"/>
+                <a:ea typeface="굴림" pitchFamily="50" charset="-127"/>
+              </a:rPr>
+              <a:t>: </a:t>
+            </a:r>
+            <a:r>
+              <a:rPr lang="ko-KR" altLang="en-US" sz="1800" b="0" kern="0" dirty="0" smtClean="0">
+                <a:latin typeface="Arial Narrow"/>
+                <a:ea typeface="굴림" pitchFamily="50" charset="-127"/>
+              </a:rPr>
+              <a:t>조건이 참 </a:t>
+            </a:r>
+            <a:r>
+              <a:rPr lang="en-US" altLang="ko-KR" sz="1800" b="0" kern="0" dirty="0" smtClean="0">
+                <a:latin typeface="Arial Narrow"/>
+                <a:ea typeface="굴림" pitchFamily="50" charset="-127"/>
+              </a:rPr>
+              <a:t>(TRUE)</a:t>
+            </a:r>
+            <a:r>
+              <a:rPr lang="ko-KR" altLang="en-US" sz="1800" b="0" kern="0" dirty="0" smtClean="0">
+                <a:latin typeface="Arial Narrow"/>
+                <a:ea typeface="굴림" pitchFamily="50" charset="-127"/>
+              </a:rPr>
+              <a:t>인 경우</a:t>
+            </a:r>
+            <a:r>
+              <a:rPr lang="en-US" altLang="ko-KR" sz="1800" b="0" kern="0" dirty="0" smtClean="0">
+                <a:latin typeface="Arial Narrow"/>
+                <a:ea typeface="굴림" pitchFamily="50" charset="-127"/>
+              </a:rPr>
+              <a:t>, {}</a:t>
+            </a:r>
+            <a:r>
+              <a:rPr lang="ko-KR" altLang="en-US" sz="1800" b="0" kern="0" dirty="0" smtClean="0">
+                <a:latin typeface="Arial Narrow"/>
+                <a:ea typeface="굴림" pitchFamily="50" charset="-127"/>
+              </a:rPr>
+              <a:t>안의 코드가 실행됨</a:t>
             </a:r>
             <a:endParaRPr lang="en-US" altLang="ko-KR" sz="1800" b="0" kern="0" dirty="0">
               <a:latin typeface="Arial Narrow"/>
               <a:ea typeface="굴림" pitchFamily="50" charset="-127"/>
-            </a:endParaRPr>
-          </a:p>
-        </p:txBody>
-      </p:sp>
-      <p:sp>
-        <p:nvSpPr>
-          <p:cNvPr id="7" name="Rectangle 20"/>
-          <p:cNvSpPr/>
-          <p:nvPr/>
-        </p:nvSpPr>
-        <p:spPr>
-          <a:xfrm>
-            <a:off x="5923607" y="3108917"/>
-            <a:ext cx="3220393" cy="253916"/>
-          </a:xfrm>
-          <a:prstGeom prst="rect">
-            <a:avLst/>
-          </a:prstGeom>
-        </p:spPr>
-        <p:txBody>
-          <a:bodyPr wrap="square">
-            <a:spAutoFit/>
-          </a:bodyPr>
-          <a:lstStyle/>
-          <a:p>
-            <a:r>
-              <a:rPr lang="en-US" altLang="ko-KR" sz="1050" dirty="0" smtClean="0">
-                <a:solidFill>
-                  <a:schemeClr val="tx1"/>
-                </a:solidFill>
-                <a:latin typeface="Arial Narrow" panose="020B0606020202030204" pitchFamily="34" charset="0"/>
-              </a:rPr>
-              <a:t>Fig. Caption Here</a:t>
-            </a:r>
-            <a:endParaRPr lang="en-US" altLang="ko-KR" sz="1050" dirty="0">
-              <a:solidFill>
-                <a:schemeClr val="tx1"/>
-              </a:solidFill>
-              <a:latin typeface="Arial Narrow" panose="020B0606020202030204" pitchFamily="34" charset="0"/>
             </a:endParaRPr>
           </a:p>
         </p:txBody>
@@ -12074,6 +11264,736 @@
               <a:t>SH Park &lt;pajoheji0909@snu.ac.kr&gt;</a:t>
             </a:r>
             <a:endParaRPr lang="en-US"/>
+          </a:p>
+        </p:txBody>
+      </p:sp>
+      <p:sp>
+        <p:nvSpPr>
+          <p:cNvPr id="12" name="Title 4"/>
+          <p:cNvSpPr txBox="1">
+            <a:spLocks/>
+          </p:cNvSpPr>
+          <p:nvPr/>
+        </p:nvSpPr>
+        <p:spPr>
+          <a:xfrm>
+            <a:off x="-2579" y="0"/>
+            <a:ext cx="9144000" cy="523220"/>
+          </a:xfrm>
+          <a:prstGeom prst="rect">
+            <a:avLst/>
+          </a:prstGeom>
+        </p:spPr>
+        <p:txBody>
+          <a:bodyPr>
+            <a:spAutoFit/>
+          </a:bodyPr>
+          <a:lstStyle/>
+          <a:p>
+            <a:pPr algn="l">
+              <a:defRPr/>
+            </a:pPr>
+            <a:r>
+              <a:rPr lang="ko-KR" altLang="en-US" sz="2800" i="1" kern="0" dirty="0" smtClean="0">
+                <a:solidFill>
+                  <a:schemeClr val="tx1"/>
+                </a:solidFill>
+                <a:latin typeface="맑은 고딕" panose="020B0503020000020004" pitchFamily="50" charset="-127"/>
+                <a:ea typeface="맑은 고딕" panose="020B0503020000020004" pitchFamily="50" charset="-127"/>
+                <a:cs typeface="+mj-cs"/>
+              </a:rPr>
+              <a:t>아두이노 프로그래밍</a:t>
+            </a:r>
+            <a:endParaRPr kumimoji="0" lang="ko-KR" altLang="en-US" sz="2800" i="1" u="none" strike="noStrike" kern="0" cap="none" spc="0" normalizeH="0" baseline="0" noProof="0" dirty="0">
+              <a:ln>
+                <a:noFill/>
+              </a:ln>
+              <a:solidFill>
+                <a:srgbClr val="F17733"/>
+              </a:solidFill>
+              <a:effectLst/>
+              <a:uLnTx/>
+              <a:uFillTx/>
+              <a:latin typeface="맑은 고딕" panose="020B0503020000020004" pitchFamily="50" charset="-127"/>
+              <a:ea typeface="맑은 고딕" panose="020B0503020000020004" pitchFamily="50" charset="-127"/>
+              <a:cs typeface="+mj-cs"/>
+            </a:endParaRPr>
+          </a:p>
+        </p:txBody>
+      </p:sp>
+      <p:sp>
+        <p:nvSpPr>
+          <p:cNvPr id="13" name="Rounded Rectangle 19"/>
+          <p:cNvSpPr/>
+          <p:nvPr/>
+        </p:nvSpPr>
+        <p:spPr bwMode="auto">
+          <a:xfrm>
+            <a:off x="4569421" y="1873900"/>
+            <a:ext cx="4304415" cy="4572937"/>
+          </a:xfrm>
+          <a:prstGeom prst="roundRect">
+            <a:avLst/>
+          </a:prstGeom>
+          <a:ln>
+            <a:headEnd type="none" w="med" len="med"/>
+            <a:tailEnd type="none" w="med" len="med"/>
+          </a:ln>
+        </p:spPr>
+        <p:style>
+          <a:lnRef idx="2">
+            <a:schemeClr val="dk1"/>
+          </a:lnRef>
+          <a:fillRef idx="1">
+            <a:schemeClr val="lt1"/>
+          </a:fillRef>
+          <a:effectRef idx="0">
+            <a:schemeClr val="dk1"/>
+          </a:effectRef>
+          <a:fontRef idx="minor">
+            <a:schemeClr val="dk1"/>
+          </a:fontRef>
+        </p:style>
+        <p:txBody>
+          <a:bodyPr vert="horz" wrap="square" lIns="91440" tIns="45720" rIns="91440" bIns="45720" numCol="1" rtlCol="0" anchor="t" anchorCtr="0" compatLnSpc="1">
+            <a:prstTxWarp prst="textNoShape">
+              <a:avLst/>
+            </a:prstTxWarp>
+          </a:bodyPr>
+          <a:lstStyle/>
+          <a:p>
+            <a:pPr marL="0" marR="0" indent="0" algn="l" defTabSz="914400" rtl="0" eaLnBrk="0" fontAlgn="base" latinLnBrk="0" hangingPunct="0">
+              <a:lnSpc>
+                <a:spcPct val="100000"/>
+              </a:lnSpc>
+              <a:spcBef>
+                <a:spcPct val="0"/>
+              </a:spcBef>
+              <a:spcAft>
+                <a:spcPct val="0"/>
+              </a:spcAft>
+              <a:buClrTx/>
+              <a:buSzTx/>
+              <a:buFontTx/>
+              <a:buNone/>
+              <a:tabLst/>
+            </a:pPr>
+            <a:endParaRPr lang="ko-KR" altLang="en-US" sz="2400" b="0" dirty="0" smtClean="0">
+              <a:solidFill>
+                <a:schemeClr val="tx1"/>
+              </a:solidFill>
+              <a:latin typeface="Arial Narrow" panose="020B0606020202030204" pitchFamily="34" charset="0"/>
+            </a:endParaRPr>
+          </a:p>
+        </p:txBody>
+      </p:sp>
+      <p:grpSp>
+        <p:nvGrpSpPr>
+          <p:cNvPr id="16" name="그룹 15"/>
+          <p:cNvGrpSpPr/>
+          <p:nvPr/>
+        </p:nvGrpSpPr>
+        <p:grpSpPr>
+          <a:xfrm>
+            <a:off x="70030" y="1873901"/>
+            <a:ext cx="3359883" cy="3707475"/>
+            <a:chOff x="115701" y="1871034"/>
+            <a:chExt cx="3359883" cy="3707475"/>
+          </a:xfrm>
+        </p:grpSpPr>
+        <p:sp>
+          <p:nvSpPr>
+            <p:cNvPr id="14" name="Rounded Rectangle 19"/>
+            <p:cNvSpPr/>
+            <p:nvPr/>
+          </p:nvSpPr>
+          <p:spPr bwMode="auto">
+            <a:xfrm>
+              <a:off x="115701" y="1871034"/>
+              <a:ext cx="3359883" cy="3707475"/>
+            </a:xfrm>
+            <a:prstGeom prst="roundRect">
+              <a:avLst>
+                <a:gd name="adj" fmla="val 10387"/>
+              </a:avLst>
+            </a:prstGeom>
+            <a:ln>
+              <a:headEnd type="none" w="med" len="med"/>
+              <a:tailEnd type="none" w="med" len="med"/>
+            </a:ln>
+          </p:spPr>
+          <p:style>
+            <a:lnRef idx="2">
+              <a:schemeClr val="dk1"/>
+            </a:lnRef>
+            <a:fillRef idx="1">
+              <a:schemeClr val="lt1"/>
+            </a:fillRef>
+            <a:effectRef idx="0">
+              <a:schemeClr val="dk1"/>
+            </a:effectRef>
+            <a:fontRef idx="minor">
+              <a:schemeClr val="dk1"/>
+            </a:fontRef>
+          </p:style>
+          <p:txBody>
+            <a:bodyPr vert="horz" wrap="square" lIns="91440" tIns="45720" rIns="91440" bIns="45720" numCol="1" rtlCol="0" anchor="t" anchorCtr="0" compatLnSpc="1">
+              <a:prstTxWarp prst="textNoShape">
+                <a:avLst/>
+              </a:prstTxWarp>
+            </a:bodyPr>
+            <a:lstStyle/>
+            <a:p>
+              <a:pPr marL="0" marR="0" indent="0" algn="l" defTabSz="914400" rtl="0" eaLnBrk="0" fontAlgn="base" latinLnBrk="0" hangingPunct="0">
+                <a:lnSpc>
+                  <a:spcPct val="100000"/>
+                </a:lnSpc>
+                <a:spcBef>
+                  <a:spcPct val="0"/>
+                </a:spcBef>
+                <a:spcAft>
+                  <a:spcPct val="0"/>
+                </a:spcAft>
+                <a:buClrTx/>
+                <a:buSzTx/>
+                <a:buFontTx/>
+                <a:buNone/>
+                <a:tabLst/>
+              </a:pPr>
+              <a:endParaRPr lang="ko-KR" altLang="en-US" sz="2400" b="0" dirty="0" smtClean="0">
+                <a:solidFill>
+                  <a:schemeClr val="tx1"/>
+                </a:solidFill>
+                <a:latin typeface="Arial Narrow" panose="020B0606020202030204" pitchFamily="34" charset="0"/>
+              </a:endParaRPr>
+            </a:p>
+          </p:txBody>
+        </p:sp>
+        <p:pic>
+          <p:nvPicPr>
+            <p:cNvPr id="6" name="그림 5"/>
+            <p:cNvPicPr>
+              <a:picLocks noChangeAspect="1"/>
+            </p:cNvPicPr>
+            <p:nvPr/>
+          </p:nvPicPr>
+          <p:blipFill>
+            <a:blip r:embed="rId2"/>
+            <a:stretch>
+              <a:fillRect/>
+            </a:stretch>
+          </p:blipFill>
+          <p:spPr>
+            <a:xfrm>
+              <a:off x="244980" y="2011894"/>
+              <a:ext cx="3073237" cy="3425755"/>
+            </a:xfrm>
+            <a:prstGeom prst="rect">
+              <a:avLst/>
+            </a:prstGeom>
+          </p:spPr>
+        </p:pic>
+      </p:grpSp>
+      <p:sp>
+        <p:nvSpPr>
+          <p:cNvPr id="17" name="Rectangle 3"/>
+          <p:cNvSpPr txBox="1">
+            <a:spLocks noChangeArrowheads="1"/>
+          </p:cNvSpPr>
+          <p:nvPr/>
+        </p:nvSpPr>
+        <p:spPr bwMode="auto">
+          <a:xfrm>
+            <a:off x="4421465" y="1083419"/>
+            <a:ext cx="4452371" cy="553998"/>
+          </a:xfrm>
+          <a:prstGeom prst="rect">
+            <a:avLst/>
+          </a:prstGeom>
+          <a:noFill/>
+          <a:ln w="9525">
+            <a:noFill/>
+            <a:miter lim="800000"/>
+            <a:headEnd/>
+            <a:tailEnd/>
+          </a:ln>
+        </p:spPr>
+        <p:txBody>
+          <a:bodyPr vert="horz" wrap="square" lIns="91440" tIns="0" rIns="0" bIns="0" numCol="1" anchor="t" anchorCtr="0" compatLnSpc="1">
+            <a:prstTxWarp prst="textNoShape">
+              <a:avLst/>
+            </a:prstTxWarp>
+            <a:spAutoFit/>
+          </a:bodyPr>
+          <a:lstStyle>
+            <a:lvl1pPr marL="342900" indent="-342900" algn="l" rtl="0" eaLnBrk="0" fontAlgn="base" hangingPunct="0">
+              <a:spcBef>
+                <a:spcPct val="20000"/>
+              </a:spcBef>
+              <a:spcAft>
+                <a:spcPct val="0"/>
+              </a:spcAft>
+              <a:buClr>
+                <a:schemeClr val="bg2"/>
+              </a:buClr>
+              <a:buSzPct val="75000"/>
+              <a:buFont typeface="Wingdings" pitchFamily="2" charset="2"/>
+              <a:buChar char="n"/>
+              <a:defRPr sz="2400">
+                <a:solidFill>
+                  <a:schemeClr val="tx1"/>
+                </a:solidFill>
+                <a:latin typeface="+mn-lt"/>
+                <a:ea typeface="+mn-ea"/>
+                <a:cs typeface="+mn-cs"/>
+              </a:defRPr>
+            </a:lvl1pPr>
+            <a:lvl2pPr marL="742950" indent="-285750" algn="l" rtl="0" eaLnBrk="0" fontAlgn="base" hangingPunct="0">
+              <a:spcBef>
+                <a:spcPct val="20000"/>
+              </a:spcBef>
+              <a:spcAft>
+                <a:spcPct val="0"/>
+              </a:spcAft>
+              <a:buClr>
+                <a:schemeClr val="accent2"/>
+              </a:buClr>
+              <a:buSzPct val="80000"/>
+              <a:buFont typeface="Wingdings" pitchFamily="2" charset="2"/>
+              <a:buChar char="¨"/>
+              <a:defRPr sz="2000">
+                <a:solidFill>
+                  <a:schemeClr val="tx1"/>
+                </a:solidFill>
+                <a:latin typeface="+mn-lt"/>
+              </a:defRPr>
+            </a:lvl2pPr>
+            <a:lvl3pPr marL="1143000" indent="-228600" algn="l" rtl="0" eaLnBrk="0" fontAlgn="base" hangingPunct="0">
+              <a:spcBef>
+                <a:spcPct val="20000"/>
+              </a:spcBef>
+              <a:spcAft>
+                <a:spcPct val="0"/>
+              </a:spcAft>
+              <a:buClr>
+                <a:schemeClr val="bg2"/>
+              </a:buClr>
+              <a:buSzPct val="65000"/>
+              <a:buFont typeface="Wingdings" pitchFamily="2" charset="2"/>
+              <a:buChar char="n"/>
+              <a:defRPr>
+                <a:solidFill>
+                  <a:schemeClr val="tx1"/>
+                </a:solidFill>
+                <a:latin typeface="+mn-lt"/>
+              </a:defRPr>
+            </a:lvl3pPr>
+            <a:lvl4pPr marL="1600200" indent="-228600" algn="l" rtl="0" eaLnBrk="0" fontAlgn="base" hangingPunct="0">
+              <a:spcBef>
+                <a:spcPct val="20000"/>
+              </a:spcBef>
+              <a:spcAft>
+                <a:spcPct val="0"/>
+              </a:spcAft>
+              <a:buClr>
+                <a:schemeClr val="accent2"/>
+              </a:buClr>
+              <a:buSzPct val="70000"/>
+              <a:buFont typeface="Wingdings" pitchFamily="2" charset="2"/>
+              <a:buChar char="¨"/>
+              <a:defRPr sz="1600">
+                <a:solidFill>
+                  <a:schemeClr val="tx1"/>
+                </a:solidFill>
+                <a:latin typeface="+mn-lt"/>
+              </a:defRPr>
+            </a:lvl4pPr>
+            <a:lvl5pPr marL="2057400" indent="-228600" algn="l" rtl="0" eaLnBrk="0" fontAlgn="base" hangingPunct="0">
+              <a:spcBef>
+                <a:spcPct val="20000"/>
+              </a:spcBef>
+              <a:spcAft>
+                <a:spcPct val="0"/>
+              </a:spcAft>
+              <a:buClr>
+                <a:schemeClr val="bg2"/>
+              </a:buClr>
+              <a:buFont typeface="Wingdings" pitchFamily="2" charset="2"/>
+              <a:buChar char="§"/>
+              <a:defRPr sz="1600">
+                <a:solidFill>
+                  <a:schemeClr val="tx1"/>
+                </a:solidFill>
+                <a:latin typeface="+mn-lt"/>
+              </a:defRPr>
+            </a:lvl5pPr>
+            <a:lvl6pPr marL="2514600" indent="-228600" algn="l" rtl="0" fontAlgn="base">
+              <a:spcBef>
+                <a:spcPct val="20000"/>
+              </a:spcBef>
+              <a:spcAft>
+                <a:spcPct val="0"/>
+              </a:spcAft>
+              <a:buClr>
+                <a:schemeClr val="bg2"/>
+              </a:buClr>
+              <a:buFont typeface="Wingdings" pitchFamily="2" charset="2"/>
+              <a:buChar char="§"/>
+              <a:defRPr sz="1600">
+                <a:solidFill>
+                  <a:schemeClr val="tx1"/>
+                </a:solidFill>
+                <a:latin typeface="+mn-lt"/>
+              </a:defRPr>
+            </a:lvl6pPr>
+            <a:lvl7pPr marL="2971800" indent="-228600" algn="l" rtl="0" fontAlgn="base">
+              <a:spcBef>
+                <a:spcPct val="20000"/>
+              </a:spcBef>
+              <a:spcAft>
+                <a:spcPct val="0"/>
+              </a:spcAft>
+              <a:buClr>
+                <a:schemeClr val="bg2"/>
+              </a:buClr>
+              <a:buFont typeface="Wingdings" pitchFamily="2" charset="2"/>
+              <a:buChar char="§"/>
+              <a:defRPr sz="1600">
+                <a:solidFill>
+                  <a:schemeClr val="tx1"/>
+                </a:solidFill>
+                <a:latin typeface="+mn-lt"/>
+              </a:defRPr>
+            </a:lvl7pPr>
+            <a:lvl8pPr marL="3429000" indent="-228600" algn="l" rtl="0" fontAlgn="base">
+              <a:spcBef>
+                <a:spcPct val="20000"/>
+              </a:spcBef>
+              <a:spcAft>
+                <a:spcPct val="0"/>
+              </a:spcAft>
+              <a:buClr>
+                <a:schemeClr val="bg2"/>
+              </a:buClr>
+              <a:buFont typeface="Wingdings" pitchFamily="2" charset="2"/>
+              <a:buChar char="§"/>
+              <a:defRPr sz="1600">
+                <a:solidFill>
+                  <a:schemeClr val="tx1"/>
+                </a:solidFill>
+                <a:latin typeface="+mn-lt"/>
+              </a:defRPr>
+            </a:lvl8pPr>
+            <a:lvl9pPr marL="3886200" indent="-228600" algn="l" rtl="0" fontAlgn="base">
+              <a:spcBef>
+                <a:spcPct val="20000"/>
+              </a:spcBef>
+              <a:spcAft>
+                <a:spcPct val="0"/>
+              </a:spcAft>
+              <a:buClr>
+                <a:schemeClr val="bg2"/>
+              </a:buClr>
+              <a:buFont typeface="Wingdings" pitchFamily="2" charset="2"/>
+              <a:buChar char="§"/>
+              <a:defRPr sz="1600">
+                <a:solidFill>
+                  <a:schemeClr val="tx1"/>
+                </a:solidFill>
+                <a:latin typeface="+mn-lt"/>
+              </a:defRPr>
+            </a:lvl9pPr>
+          </a:lstStyle>
+          <a:p>
+            <a:pPr marL="341313" lvl="1" indent="-341313" algn="just" eaLnBrk="1" hangingPunct="1">
+              <a:buClr>
+                <a:srgbClr val="9999CC"/>
+              </a:buClr>
+              <a:defRPr/>
+            </a:pPr>
+            <a:r>
+              <a:rPr lang="en-US" altLang="ko-KR" sz="1800" b="0" kern="0" dirty="0" smtClean="0">
+                <a:latin typeface="Arial Narrow"/>
+                <a:ea typeface="굴림" pitchFamily="50" charset="-127"/>
+              </a:rPr>
+              <a:t>switch </a:t>
+            </a:r>
+            <a:r>
+              <a:rPr lang="ko-KR" altLang="en-US" sz="1800" b="0" kern="0" dirty="0" smtClean="0">
+                <a:latin typeface="Arial Narrow"/>
+                <a:ea typeface="굴림" pitchFamily="50" charset="-127"/>
+              </a:rPr>
+              <a:t>문 </a:t>
+            </a:r>
+            <a:r>
+              <a:rPr lang="en-US" altLang="ko-KR" sz="1800" b="0" kern="0" dirty="0" smtClean="0">
+                <a:latin typeface="Arial Narrow"/>
+                <a:ea typeface="굴림" pitchFamily="50" charset="-127"/>
+              </a:rPr>
+              <a:t>: case: </a:t>
+            </a:r>
+            <a:r>
+              <a:rPr lang="ko-KR" altLang="en-US" sz="1800" b="0" kern="0" dirty="0" smtClean="0">
+                <a:latin typeface="Arial Narrow"/>
+                <a:ea typeface="굴림" pitchFamily="50" charset="-127"/>
+              </a:rPr>
+              <a:t>안에 꼭 </a:t>
+            </a:r>
+            <a:r>
+              <a:rPr lang="en-US" altLang="ko-KR" sz="1800" b="0" kern="0" dirty="0" smtClean="0">
+                <a:latin typeface="Arial Narrow"/>
+                <a:ea typeface="굴림" pitchFamily="50" charset="-127"/>
+              </a:rPr>
+              <a:t>break;</a:t>
+            </a:r>
+            <a:r>
+              <a:rPr lang="ko-KR" altLang="en-US" sz="1800" b="0" kern="0" dirty="0" smtClean="0">
+                <a:latin typeface="Arial Narrow"/>
+                <a:ea typeface="굴림" pitchFamily="50" charset="-127"/>
+              </a:rPr>
+              <a:t>를 붙여주는 습관을 들이도록 합시다</a:t>
+            </a:r>
+            <a:r>
+              <a:rPr lang="en-US" altLang="ko-KR" sz="1800" b="0" kern="0" dirty="0" smtClean="0">
+                <a:latin typeface="Arial Narrow"/>
+                <a:ea typeface="굴림" pitchFamily="50" charset="-127"/>
+              </a:rPr>
+              <a:t>.</a:t>
+            </a:r>
+            <a:endParaRPr lang="en-US" altLang="ko-KR" sz="1800" b="0" kern="0" dirty="0">
+              <a:latin typeface="Arial Narrow"/>
+              <a:ea typeface="굴림" pitchFamily="50" charset="-127"/>
+            </a:endParaRPr>
+          </a:p>
+        </p:txBody>
+      </p:sp>
+      <p:pic>
+        <p:nvPicPr>
+          <p:cNvPr id="18" name="그림 17"/>
+          <p:cNvPicPr>
+            <a:picLocks noChangeAspect="1"/>
+          </p:cNvPicPr>
+          <p:nvPr/>
+        </p:nvPicPr>
+        <p:blipFill>
+          <a:blip r:embed="rId3"/>
+          <a:stretch>
+            <a:fillRect/>
+          </a:stretch>
+        </p:blipFill>
+        <p:spPr>
+          <a:xfrm>
+            <a:off x="4914852" y="2007646"/>
+            <a:ext cx="1327512" cy="4305444"/>
+          </a:xfrm>
+          <a:prstGeom prst="rect">
+            <a:avLst/>
+          </a:prstGeom>
+        </p:spPr>
+      </p:pic>
+      <p:sp>
+        <p:nvSpPr>
+          <p:cNvPr id="19" name="Rectangle 20"/>
+          <p:cNvSpPr/>
+          <p:nvPr/>
+        </p:nvSpPr>
+        <p:spPr>
+          <a:xfrm>
+            <a:off x="5880143" y="5218922"/>
+            <a:ext cx="2835929" cy="523220"/>
+          </a:xfrm>
+          <a:prstGeom prst="rect">
+            <a:avLst/>
+          </a:prstGeom>
+        </p:spPr>
+        <p:txBody>
+          <a:bodyPr wrap="square">
+            <a:spAutoFit/>
+          </a:bodyPr>
+          <a:lstStyle/>
+          <a:p>
+            <a:pPr algn="l"/>
+            <a:r>
+              <a:rPr lang="en-US" altLang="ko-KR" dirty="0" smtClean="0">
+                <a:solidFill>
+                  <a:srgbClr val="FF0000"/>
+                </a:solidFill>
+                <a:latin typeface="Arial Narrow" panose="020B0606020202030204" pitchFamily="34" charset="0"/>
+              </a:rPr>
+              <a:t>Index</a:t>
+            </a:r>
+            <a:r>
+              <a:rPr lang="ko-KR" altLang="en-US" dirty="0" smtClean="0">
+                <a:solidFill>
+                  <a:srgbClr val="FF0000"/>
+                </a:solidFill>
+                <a:latin typeface="Arial Narrow" panose="020B0606020202030204" pitchFamily="34" charset="0"/>
+              </a:rPr>
+              <a:t>가 </a:t>
+            </a:r>
+            <a:r>
+              <a:rPr lang="en-US" altLang="ko-KR" dirty="0" smtClean="0">
+                <a:solidFill>
+                  <a:srgbClr val="FF0000"/>
+                </a:solidFill>
+                <a:latin typeface="Arial Narrow" panose="020B0606020202030204" pitchFamily="34" charset="0"/>
+              </a:rPr>
+              <a:t>case</a:t>
+            </a:r>
+            <a:r>
+              <a:rPr lang="ko-KR" altLang="en-US" dirty="0" smtClean="0">
+                <a:solidFill>
+                  <a:srgbClr val="FF0000"/>
+                </a:solidFill>
+                <a:latin typeface="Arial Narrow" panose="020B0606020202030204" pitchFamily="34" charset="0"/>
+              </a:rPr>
+              <a:t>에 없는 경우엔 </a:t>
+            </a:r>
+            <a:r>
+              <a:rPr lang="en-US" altLang="ko-KR" dirty="0" smtClean="0">
+                <a:solidFill>
+                  <a:srgbClr val="FF0000"/>
+                </a:solidFill>
+                <a:latin typeface="Arial Narrow" panose="020B0606020202030204" pitchFamily="34" charset="0"/>
+              </a:rPr>
+              <a:t>default: </a:t>
+            </a:r>
+            <a:r>
+              <a:rPr lang="ko-KR" altLang="en-US" dirty="0" smtClean="0">
+                <a:solidFill>
+                  <a:srgbClr val="FF0000"/>
+                </a:solidFill>
+                <a:latin typeface="Arial Narrow" panose="020B0606020202030204" pitchFamily="34" charset="0"/>
+              </a:rPr>
+              <a:t>내부의 내용이 실행됨</a:t>
+            </a:r>
+            <a:endParaRPr lang="en-US" altLang="ko-KR" dirty="0">
+              <a:solidFill>
+                <a:srgbClr val="FF0000"/>
+              </a:solidFill>
+              <a:latin typeface="Arial Narrow" panose="020B0606020202030204" pitchFamily="34" charset="0"/>
+            </a:endParaRPr>
+          </a:p>
+        </p:txBody>
+      </p:sp>
+      <p:sp>
+        <p:nvSpPr>
+          <p:cNvPr id="20" name="Rectangle 20"/>
+          <p:cNvSpPr/>
+          <p:nvPr/>
+        </p:nvSpPr>
+        <p:spPr>
+          <a:xfrm>
+            <a:off x="5880143" y="2559448"/>
+            <a:ext cx="2835929" cy="738664"/>
+          </a:xfrm>
+          <a:prstGeom prst="rect">
+            <a:avLst/>
+          </a:prstGeom>
+        </p:spPr>
+        <p:txBody>
+          <a:bodyPr wrap="square">
+            <a:spAutoFit/>
+          </a:bodyPr>
+          <a:lstStyle/>
+          <a:p>
+            <a:pPr algn="l"/>
+            <a:r>
+              <a:rPr lang="en-US" altLang="ko-KR" dirty="0" smtClean="0">
+                <a:solidFill>
+                  <a:srgbClr val="FF0000"/>
+                </a:solidFill>
+                <a:latin typeface="Arial Narrow" panose="020B0606020202030204" pitchFamily="34" charset="0"/>
+              </a:rPr>
+              <a:t>case </a:t>
+            </a:r>
+            <a:r>
+              <a:rPr lang="ko-KR" altLang="en-US" dirty="0" smtClean="0">
+                <a:solidFill>
+                  <a:srgbClr val="FF0000"/>
+                </a:solidFill>
+                <a:latin typeface="Arial Narrow" panose="020B0606020202030204" pitchFamily="34" charset="0"/>
+              </a:rPr>
+              <a:t>마다  </a:t>
+            </a:r>
+            <a:r>
+              <a:rPr lang="en-US" altLang="ko-KR" dirty="0" smtClean="0">
+                <a:solidFill>
+                  <a:srgbClr val="FF0000"/>
+                </a:solidFill>
+                <a:latin typeface="Arial Narrow" panose="020B0606020202030204" pitchFamily="34" charset="0"/>
+              </a:rPr>
+              <a:t>break; </a:t>
+            </a:r>
+            <a:r>
+              <a:rPr lang="ko-KR" altLang="en-US" dirty="0" smtClean="0">
+                <a:solidFill>
+                  <a:srgbClr val="FF0000"/>
+                </a:solidFill>
+                <a:latin typeface="Arial Narrow" panose="020B0606020202030204" pitchFamily="34" charset="0"/>
+              </a:rPr>
+              <a:t>를 안 붙이면</a:t>
+            </a:r>
+            <a:r>
+              <a:rPr lang="en-US" altLang="ko-KR" dirty="0" smtClean="0">
+                <a:solidFill>
+                  <a:srgbClr val="FF0000"/>
+                </a:solidFill>
+                <a:latin typeface="Arial Narrow" panose="020B0606020202030204" pitchFamily="34" charset="0"/>
+              </a:rPr>
+              <a:t>, </a:t>
+            </a:r>
+            <a:r>
+              <a:rPr lang="ko-KR" altLang="en-US" dirty="0" smtClean="0">
+                <a:solidFill>
+                  <a:srgbClr val="FF0000"/>
+                </a:solidFill>
+                <a:latin typeface="Arial Narrow" panose="020B0606020202030204" pitchFamily="34" charset="0"/>
+              </a:rPr>
+              <a:t>다음 </a:t>
+            </a:r>
+            <a:r>
+              <a:rPr lang="en-US" altLang="ko-KR" dirty="0" smtClean="0">
+                <a:solidFill>
+                  <a:srgbClr val="FF0000"/>
+                </a:solidFill>
+                <a:latin typeface="Arial Narrow" panose="020B0606020202030204" pitchFamily="34" charset="0"/>
+              </a:rPr>
+              <a:t>case</a:t>
+            </a:r>
+            <a:r>
+              <a:rPr lang="ko-KR" altLang="en-US" dirty="0" smtClean="0">
+                <a:solidFill>
+                  <a:srgbClr val="FF0000"/>
+                </a:solidFill>
+                <a:latin typeface="Arial Narrow" panose="020B0606020202030204" pitchFamily="34" charset="0"/>
+              </a:rPr>
+              <a:t>를 실행하는 특성 때문에 </a:t>
+            </a:r>
+            <a:r>
+              <a:rPr lang="en-US" altLang="ko-KR" dirty="0" smtClean="0">
+                <a:solidFill>
+                  <a:srgbClr val="FF0000"/>
+                </a:solidFill>
+                <a:latin typeface="Arial Narrow" panose="020B0606020202030204" pitchFamily="34" charset="0"/>
+              </a:rPr>
+              <a:t>break; </a:t>
+            </a:r>
+            <a:r>
+              <a:rPr lang="ko-KR" altLang="en-US" dirty="0" smtClean="0">
+                <a:solidFill>
+                  <a:srgbClr val="FF0000"/>
+                </a:solidFill>
+                <a:latin typeface="Arial Narrow" panose="020B0606020202030204" pitchFamily="34" charset="0"/>
+              </a:rPr>
+              <a:t>를 꼭 붙이도록 합시다</a:t>
+            </a:r>
+            <a:endParaRPr lang="en-US" altLang="ko-KR" dirty="0">
+              <a:solidFill>
+                <a:srgbClr val="FF0000"/>
+              </a:solidFill>
+              <a:latin typeface="Arial Narrow" panose="020B0606020202030204" pitchFamily="34" charset="0"/>
+            </a:endParaRPr>
           </a:p>
         </p:txBody>
       </p:sp>
@@ -12116,60 +12036,6 @@
       </p:grpSpPr>
       <p:sp>
         <p:nvSpPr>
-          <p:cNvPr id="5" name="Title 4"/>
-          <p:cNvSpPr txBox="1">
-            <a:spLocks/>
-          </p:cNvSpPr>
-          <p:nvPr/>
-        </p:nvSpPr>
-        <p:spPr>
-          <a:xfrm>
-            <a:off x="-2579" y="0"/>
-            <a:ext cx="9144000" cy="523220"/>
-          </a:xfrm>
-          <a:prstGeom prst="rect">
-            <a:avLst/>
-          </a:prstGeom>
-        </p:spPr>
-        <p:txBody>
-          <a:bodyPr>
-            <a:spAutoFit/>
-          </a:bodyPr>
-          <a:lstStyle/>
-          <a:p>
-            <a:pPr algn="l">
-              <a:defRPr/>
-            </a:pPr>
-            <a:r>
-              <a:rPr lang="ko-KR" altLang="en-US" sz="2800" i="1" kern="0" dirty="0" smtClean="0">
-                <a:solidFill>
-                  <a:schemeClr val="tx1"/>
-                </a:solidFill>
-                <a:latin typeface="Arial Narrow" pitchFamily="34" charset="0"/>
-                <a:ea typeface="+mj-ea"/>
-                <a:cs typeface="+mj-cs"/>
-              </a:rPr>
-              <a:t>아두이노 프로그래밍</a:t>
-            </a:r>
-            <a:endParaRPr kumimoji="0" lang="ko-KR" altLang="en-US" sz="2800" i="1" u="none" strike="noStrike" kern="0" cap="none" spc="0" normalizeH="0" baseline="0" noProof="0" dirty="0">
-              <a:ln>
-                <a:noFill/>
-              </a:ln>
-              <a:solidFill>
-                <a:srgbClr val="F17733"/>
-              </a:solidFill>
-              <a:effectLst/>
-              <a:uLnTx/>
-              <a:uFillTx/>
-              <a:latin typeface="Arial Narrow" pitchFamily="34" charset="0"/>
-              <a:ea typeface="+mj-ea"/>
-              <a:cs typeface="+mj-cs"/>
-            </a:endParaRPr>
-          </a:p>
-        </p:txBody>
-      </p:sp>
-      <p:sp>
-        <p:nvSpPr>
           <p:cNvPr id="3" name="Slide Number Placeholder 2"/>
           <p:cNvSpPr>
             <a:spLocks noGrp="1"/>
@@ -12457,7 +12323,7 @@
                 <a:latin typeface="Arial Narrow"/>
                 <a:ea typeface="굴림" pitchFamily="50" charset="-127"/>
               </a:rPr>
-              <a:t>조건문</a:t>
+              <a:t>클래스</a:t>
             </a:r>
             <a:endParaRPr lang="en-US" altLang="ko-KR" kern="0" dirty="0">
               <a:latin typeface="Arial Narrow"/>
@@ -12476,8 +12342,8 @@
         </p:nvSpPr>
         <p:spPr bwMode="auto">
           <a:xfrm>
-            <a:off x="0" y="1086605"/>
-            <a:ext cx="8965250" cy="276999"/>
+            <a:off x="1" y="1086605"/>
+            <a:ext cx="5845982" cy="2437590"/>
           </a:xfrm>
           <a:prstGeom prst="rect">
             <a:avLst/>
@@ -12684,12 +12550,190 @@
               <a:defRPr/>
             </a:pPr>
             <a:r>
+              <a:rPr lang="ko-KR" altLang="en-US" sz="1800" kern="0" dirty="0" smtClean="0">
+                <a:latin typeface="Arial Narrow"/>
+                <a:ea typeface="굴림" pitchFamily="50" charset="-127"/>
+              </a:rPr>
+              <a:t>클래스를 쓰는 이유</a:t>
+            </a:r>
+            <a:r>
+              <a:rPr lang="en-US" altLang="ko-KR" sz="1800" kern="0" dirty="0" smtClean="0">
+                <a:latin typeface="Arial Narrow"/>
+                <a:ea typeface="굴림" pitchFamily="50" charset="-127"/>
+              </a:rPr>
+              <a:t>?</a:t>
+            </a:r>
+          </a:p>
+          <a:p>
+            <a:pPr marL="0" lvl="1" indent="0" algn="just" eaLnBrk="1" hangingPunct="1">
+              <a:buClr>
+                <a:srgbClr val="9999CC"/>
+              </a:buClr>
+              <a:buNone/>
+              <a:defRPr/>
+            </a:pPr>
+            <a:r>
+              <a:rPr lang="ko-KR" altLang="en-US" sz="1800" b="0" kern="0" dirty="0" smtClean="0">
+                <a:latin typeface="Arial Narrow"/>
+                <a:ea typeface="굴림" pitchFamily="50" charset="-127"/>
+              </a:rPr>
+              <a:t>관련된 함수와 변수를 여러 번 정의하지 않으면서</a:t>
+            </a:r>
+            <a:r>
               <a:rPr lang="en-US" altLang="ko-KR" sz="1800" b="0" kern="0" dirty="0" smtClean="0">
                 <a:latin typeface="Arial Narrow"/>
                 <a:ea typeface="굴림" pitchFamily="50" charset="-127"/>
               </a:rPr>
-              <a:t>Descriptions</a:t>
-            </a:r>
+              <a:t>, </a:t>
+            </a:r>
+            <a:r>
+              <a:rPr lang="ko-KR" altLang="en-US" sz="1800" b="0" kern="0" dirty="0" smtClean="0">
+                <a:latin typeface="Arial Narrow"/>
+                <a:ea typeface="굴림" pitchFamily="50" charset="-127"/>
+              </a:rPr>
+              <a:t>한 데에 묶어서 관리할 수 있음</a:t>
+            </a:r>
+            <a:endParaRPr lang="en-US" altLang="ko-KR" sz="1800" b="0" kern="0" dirty="0" smtClean="0">
+              <a:latin typeface="Arial Narrow"/>
+              <a:ea typeface="굴림" pitchFamily="50" charset="-127"/>
+            </a:endParaRPr>
+          </a:p>
+          <a:p>
+            <a:pPr marL="341313" lvl="1" indent="-341313" algn="just" eaLnBrk="1" hangingPunct="1">
+              <a:buClr>
+                <a:srgbClr val="9999CC"/>
+              </a:buClr>
+              <a:defRPr/>
+            </a:pPr>
+            <a:r>
+              <a:rPr lang="ko-KR" altLang="en-US" sz="1800" b="0" kern="0" dirty="0" smtClean="0">
+                <a:latin typeface="Arial Narrow"/>
+                <a:ea typeface="굴림" pitchFamily="50" charset="-127"/>
+              </a:rPr>
+              <a:t>예시</a:t>
+            </a:r>
+            <a:r>
+              <a:rPr lang="en-US" altLang="ko-KR" sz="1800" b="0" kern="0" dirty="0" smtClean="0">
+                <a:latin typeface="Arial Narrow"/>
+                <a:ea typeface="굴림" pitchFamily="50" charset="-127"/>
+              </a:rPr>
+              <a:t>: </a:t>
+            </a:r>
+            <a:r>
+              <a:rPr lang="ko-KR" altLang="en-US" sz="1800" b="0" kern="0" dirty="0" err="1" smtClean="0">
+                <a:latin typeface="Arial Narrow"/>
+                <a:ea typeface="굴림" pitchFamily="50" charset="-127"/>
+              </a:rPr>
+              <a:t>아두이노의</a:t>
+            </a:r>
+            <a:r>
+              <a:rPr lang="ko-KR" altLang="en-US" sz="1800" b="0" kern="0" dirty="0" smtClean="0">
+                <a:latin typeface="Arial Narrow"/>
+                <a:ea typeface="굴림" pitchFamily="50" charset="-127"/>
+              </a:rPr>
+              <a:t> 모터 각도</a:t>
+            </a:r>
+            <a:r>
+              <a:rPr lang="en-US" altLang="ko-KR" sz="1800" b="0" kern="0" dirty="0" smtClean="0">
+                <a:latin typeface="Arial Narrow"/>
+                <a:ea typeface="굴림" pitchFamily="50" charset="-127"/>
+              </a:rPr>
+              <a:t>,</a:t>
+            </a:r>
+            <a:r>
+              <a:rPr lang="ko-KR" altLang="en-US" sz="1800" b="0" kern="0" dirty="0" smtClean="0">
+                <a:latin typeface="Arial Narrow"/>
+                <a:ea typeface="굴림" pitchFamily="50" charset="-127"/>
+              </a:rPr>
+              <a:t> 속도</a:t>
+            </a:r>
+            <a:r>
+              <a:rPr lang="en-US" altLang="ko-KR" sz="1800" b="0" kern="0" dirty="0" smtClean="0">
+                <a:latin typeface="Arial Narrow"/>
+                <a:ea typeface="굴림" pitchFamily="50" charset="-127"/>
+              </a:rPr>
+              <a:t>, </a:t>
+            </a:r>
+            <a:r>
+              <a:rPr lang="ko-KR" altLang="en-US" sz="1800" b="0" kern="0" dirty="0" smtClean="0">
+                <a:latin typeface="Arial Narrow"/>
+                <a:ea typeface="굴림" pitchFamily="50" charset="-127"/>
+              </a:rPr>
+              <a:t>앞</a:t>
+            </a:r>
+            <a:r>
+              <a:rPr lang="en-US" altLang="ko-KR" sz="1800" b="0" kern="0" dirty="0" smtClean="0">
+                <a:latin typeface="Arial Narrow"/>
+                <a:ea typeface="굴림" pitchFamily="50" charset="-127"/>
+              </a:rPr>
+              <a:t>/</a:t>
+            </a:r>
+            <a:r>
+              <a:rPr lang="ko-KR" altLang="en-US" sz="1800" b="0" kern="0" dirty="0" smtClean="0">
+                <a:latin typeface="Arial Narrow"/>
+                <a:ea typeface="굴림" pitchFamily="50" charset="-127"/>
+              </a:rPr>
+              <a:t>뒤 함수를 </a:t>
+            </a:r>
+            <a:r>
+              <a:rPr lang="en-US" altLang="ko-KR" sz="1800" b="0" kern="0" dirty="0" smtClean="0">
+                <a:latin typeface="Arial Narrow"/>
+                <a:ea typeface="굴림" pitchFamily="50" charset="-127"/>
+              </a:rPr>
+              <a:t>Motor </a:t>
+            </a:r>
+            <a:r>
+              <a:rPr lang="ko-KR" altLang="en-US" sz="1800" b="0" kern="0" dirty="0" smtClean="0">
+                <a:latin typeface="Arial Narrow"/>
+                <a:ea typeface="굴림" pitchFamily="50" charset="-127"/>
+              </a:rPr>
+              <a:t>클래스로 묶어서 사용</a:t>
+            </a:r>
+            <a:endParaRPr lang="en-US" altLang="ko-KR" sz="1800" b="0" kern="0" dirty="0" smtClean="0">
+              <a:latin typeface="Arial Narrow"/>
+              <a:ea typeface="굴림" pitchFamily="50" charset="-127"/>
+            </a:endParaRPr>
+          </a:p>
+          <a:p>
+            <a:pPr marL="341313" lvl="1" indent="-341313" algn="just" eaLnBrk="1" hangingPunct="1">
+              <a:buClr>
+                <a:srgbClr val="9999CC"/>
+              </a:buClr>
+              <a:defRPr/>
+            </a:pPr>
+            <a:r>
+              <a:rPr lang="ko-KR" altLang="en-US" sz="1800" b="0" kern="0" dirty="0" smtClean="0">
+                <a:latin typeface="Arial Narrow"/>
+                <a:ea typeface="굴림" pitchFamily="50" charset="-127"/>
+              </a:rPr>
+              <a:t>지금 당장은 사용하지 않을 거지만</a:t>
+            </a:r>
+            <a:r>
+              <a:rPr lang="en-US" altLang="ko-KR" sz="1800" b="0" kern="0" dirty="0" smtClean="0">
+                <a:latin typeface="Arial Narrow"/>
+                <a:ea typeface="굴림" pitchFamily="50" charset="-127"/>
+              </a:rPr>
+              <a:t>, </a:t>
+            </a:r>
+            <a:r>
+              <a:rPr lang="ko-KR" altLang="en-US" sz="1800" b="0" kern="0" dirty="0" smtClean="0">
+                <a:latin typeface="Arial Narrow"/>
+                <a:ea typeface="굴림" pitchFamily="50" charset="-127"/>
+              </a:rPr>
+              <a:t>나중에 사용하면 편한 경우가 많음</a:t>
+            </a:r>
+            <a:endParaRPr lang="en-US" altLang="ko-KR" sz="1800" b="0" kern="0" dirty="0">
+              <a:latin typeface="Arial Narrow"/>
+              <a:ea typeface="굴림" pitchFamily="50" charset="-127"/>
+            </a:endParaRPr>
+          </a:p>
+          <a:p>
+            <a:pPr marL="341313" lvl="1" indent="-341313" algn="just" eaLnBrk="1" hangingPunct="1">
+              <a:buClr>
+                <a:srgbClr val="9999CC"/>
+              </a:buClr>
+              <a:defRPr/>
+            </a:pPr>
             <a:endParaRPr lang="en-US" altLang="ko-KR" sz="1800" b="0" kern="0" dirty="0">
               <a:latin typeface="Arial Narrow"/>
               <a:ea typeface="굴림" pitchFamily="50" charset="-127"/>
@@ -12705,7 +12749,7 @@
         </p:nvSpPr>
         <p:spPr>
           <a:xfrm>
-            <a:off x="5923607" y="3108917"/>
+            <a:off x="5865857" y="2990569"/>
             <a:ext cx="3220393" cy="253916"/>
           </a:xfrm>
           <a:prstGeom prst="rect">
@@ -12719,13 +12763,13 @@
           <a:lstStyle/>
           <a:p>
             <a:r>
-              <a:rPr lang="en-US" altLang="ko-KR" sz="1050" dirty="0" smtClean="0">
+              <a:rPr lang="ko-KR" altLang="en-US" sz="1050" dirty="0" smtClean="0">
                 <a:solidFill>
                   <a:schemeClr val="tx1"/>
                 </a:solidFill>
                 <a:latin typeface="Arial Narrow" panose="020B0606020202030204" pitchFamily="34" charset="0"/>
               </a:rPr>
-              <a:t>Fig. Caption Here</a:t>
+              <a:t>프로그래밍에서의 클래스 개념</a:t>
             </a:r>
             <a:endParaRPr lang="en-US" altLang="ko-KR" sz="1050" dirty="0">
               <a:solidFill>
@@ -12767,10 +12811,287 @@
           </a:p>
         </p:txBody>
       </p:sp>
+      <p:sp>
+        <p:nvSpPr>
+          <p:cNvPr id="12" name="Title 4"/>
+          <p:cNvSpPr txBox="1">
+            <a:spLocks/>
+          </p:cNvSpPr>
+          <p:nvPr/>
+        </p:nvSpPr>
+        <p:spPr>
+          <a:xfrm>
+            <a:off x="-2579" y="0"/>
+            <a:ext cx="9144000" cy="523220"/>
+          </a:xfrm>
+          <a:prstGeom prst="rect">
+            <a:avLst/>
+          </a:prstGeom>
+        </p:spPr>
+        <p:txBody>
+          <a:bodyPr>
+            <a:spAutoFit/>
+          </a:bodyPr>
+          <a:lstStyle/>
+          <a:p>
+            <a:pPr algn="l">
+              <a:defRPr/>
+            </a:pPr>
+            <a:r>
+              <a:rPr lang="ko-KR" altLang="en-US" sz="2800" i="1" kern="0" dirty="0" smtClean="0">
+                <a:solidFill>
+                  <a:schemeClr val="tx1"/>
+                </a:solidFill>
+                <a:latin typeface="맑은 고딕" panose="020B0503020000020004" pitchFamily="50" charset="-127"/>
+                <a:ea typeface="맑은 고딕" panose="020B0503020000020004" pitchFamily="50" charset="-127"/>
+                <a:cs typeface="+mj-cs"/>
+              </a:rPr>
+              <a:t>아두이노 프로그래밍</a:t>
+            </a:r>
+            <a:endParaRPr kumimoji="0" lang="ko-KR" altLang="en-US" sz="2800" i="1" u="none" strike="noStrike" kern="0" cap="none" spc="0" normalizeH="0" baseline="0" noProof="0" dirty="0">
+              <a:ln>
+                <a:noFill/>
+              </a:ln>
+              <a:solidFill>
+                <a:srgbClr val="F17733"/>
+              </a:solidFill>
+              <a:effectLst/>
+              <a:uLnTx/>
+              <a:uFillTx/>
+              <a:latin typeface="맑은 고딕" panose="020B0503020000020004" pitchFamily="50" charset="-127"/>
+              <a:ea typeface="맑은 고딕" panose="020B0503020000020004" pitchFamily="50" charset="-127"/>
+              <a:cs typeface="+mj-cs"/>
+            </a:endParaRPr>
+          </a:p>
+        </p:txBody>
+      </p:sp>
+      <p:pic>
+        <p:nvPicPr>
+          <p:cNvPr id="1026" name="Picture 2" descr="Object-Oriented Programming (OOP) | MiltonMarketing.com"/>
+          <p:cNvPicPr>
+            <a:picLocks noChangeAspect="1" noChangeArrowheads="1"/>
+          </p:cNvPicPr>
+          <p:nvPr/>
+        </p:nvPicPr>
+        <p:blipFill>
+          <a:blip r:embed="rId2">
+            <a:extLst>
+              <a:ext uri="{28A0092B-C50C-407E-A947-70E740481C1C}">
+                <a14:useLocalDpi xmlns:a14="http://schemas.microsoft.com/office/drawing/2010/main" val="0"/>
+              </a:ext>
+            </a:extLst>
+          </a:blip>
+          <a:srcRect/>
+          <a:stretch>
+            <a:fillRect/>
+          </a:stretch>
+        </p:blipFill>
+        <p:spPr bwMode="auto">
+          <a:xfrm>
+            <a:off x="5943482" y="695210"/>
+            <a:ext cx="3180642" cy="2285834"/>
+          </a:xfrm>
+          <a:prstGeom prst="rect">
+            <a:avLst/>
+          </a:prstGeom>
+          <a:noFill/>
+          <a:extLst>
+            <a:ext uri="{909E8E84-426E-40DD-AFC4-6F175D3DCCD1}">
+              <a14:hiddenFill xmlns:a14="http://schemas.microsoft.com/office/drawing/2010/main">
+                <a:solidFill>
+                  <a:srgbClr val="FFFFFF"/>
+                </a:solidFill>
+              </a14:hiddenFill>
+            </a:ext>
+          </a:extLst>
+        </p:spPr>
+      </p:pic>
+      <p:grpSp>
+        <p:nvGrpSpPr>
+          <p:cNvPr id="4" name="그룹 3"/>
+          <p:cNvGrpSpPr/>
+          <p:nvPr/>
+        </p:nvGrpSpPr>
+        <p:grpSpPr>
+          <a:xfrm>
+            <a:off x="3426876" y="3267407"/>
+            <a:ext cx="5659374" cy="3242137"/>
+            <a:chOff x="186607" y="3214226"/>
+            <a:chExt cx="5659374" cy="3242137"/>
+          </a:xfrm>
+        </p:grpSpPr>
+        <p:sp>
+          <p:nvSpPr>
+            <p:cNvPr id="13" name="Rounded Rectangle 19"/>
+            <p:cNvSpPr/>
+            <p:nvPr/>
+          </p:nvSpPr>
+          <p:spPr bwMode="auto">
+            <a:xfrm>
+              <a:off x="186607" y="3214226"/>
+              <a:ext cx="5659374" cy="3242137"/>
+            </a:xfrm>
+            <a:prstGeom prst="roundRect">
+              <a:avLst>
+                <a:gd name="adj" fmla="val 7744"/>
+              </a:avLst>
+            </a:prstGeom>
+            <a:ln>
+              <a:headEnd type="none" w="med" len="med"/>
+              <a:tailEnd type="none" w="med" len="med"/>
+            </a:ln>
+          </p:spPr>
+          <p:style>
+            <a:lnRef idx="2">
+              <a:schemeClr val="dk1"/>
+            </a:lnRef>
+            <a:fillRef idx="1">
+              <a:schemeClr val="lt1"/>
+            </a:fillRef>
+            <a:effectRef idx="0">
+              <a:schemeClr val="dk1"/>
+            </a:effectRef>
+            <a:fontRef idx="minor">
+              <a:schemeClr val="dk1"/>
+            </a:fontRef>
+          </p:style>
+          <p:txBody>
+            <a:bodyPr vert="horz" wrap="square" lIns="91440" tIns="45720" rIns="91440" bIns="45720" numCol="1" rtlCol="0" anchor="t" anchorCtr="0" compatLnSpc="1">
+              <a:prstTxWarp prst="textNoShape">
+                <a:avLst/>
+              </a:prstTxWarp>
+            </a:bodyPr>
+            <a:lstStyle/>
+            <a:p>
+              <a:pPr marL="0" marR="0" indent="0" algn="l" defTabSz="914400" rtl="0" eaLnBrk="0" fontAlgn="base" latinLnBrk="0" hangingPunct="0">
+                <a:lnSpc>
+                  <a:spcPct val="100000"/>
+                </a:lnSpc>
+                <a:spcBef>
+                  <a:spcPct val="0"/>
+                </a:spcBef>
+                <a:spcAft>
+                  <a:spcPct val="0"/>
+                </a:spcAft>
+                <a:buClrTx/>
+                <a:buSzTx/>
+                <a:buFontTx/>
+                <a:buNone/>
+                <a:tabLst/>
+              </a:pPr>
+              <a:endParaRPr lang="ko-KR" altLang="en-US" sz="2400" b="0" dirty="0" smtClean="0">
+                <a:solidFill>
+                  <a:schemeClr val="tx1"/>
+                </a:solidFill>
+                <a:latin typeface="Arial Narrow" panose="020B0606020202030204" pitchFamily="34" charset="0"/>
+              </a:endParaRPr>
+            </a:p>
+          </p:txBody>
+        </p:sp>
+        <p:pic>
+          <p:nvPicPr>
+            <p:cNvPr id="1028" name="Picture 4" descr="How to use C++ Classes in Arduino IDE without creating a Library - Radish  Logic"/>
+            <p:cNvPicPr>
+              <a:picLocks noChangeAspect="1" noChangeArrowheads="1"/>
+            </p:cNvPicPr>
+            <p:nvPr/>
+          </p:nvPicPr>
+          <p:blipFill>
+            <a:blip r:embed="rId3">
+              <a:extLst>
+                <a:ext uri="{28A0092B-C50C-407E-A947-70E740481C1C}">
+                  <a14:useLocalDpi xmlns:a14="http://schemas.microsoft.com/office/drawing/2010/main" val="0"/>
+                </a:ext>
+              </a:extLst>
+            </a:blip>
+            <a:srcRect/>
+            <a:stretch>
+              <a:fillRect/>
+            </a:stretch>
+          </p:blipFill>
+          <p:spPr bwMode="auto">
+            <a:xfrm>
+              <a:off x="473041" y="3273995"/>
+              <a:ext cx="4666517" cy="3113075"/>
+            </a:xfrm>
+            <a:prstGeom prst="rect">
+              <a:avLst/>
+            </a:prstGeom>
+            <a:noFill/>
+            <a:extLst>
+              <a:ext uri="{909E8E84-426E-40DD-AFC4-6F175D3DCCD1}">
+                <a14:hiddenFill xmlns:a14="http://schemas.microsoft.com/office/drawing/2010/main">
+                  <a:solidFill>
+                    <a:srgbClr val="FFFFFF"/>
+                  </a:solidFill>
+                </a14:hiddenFill>
+              </a:ext>
+            </a:extLst>
+          </p:spPr>
+        </p:pic>
+      </p:grpSp>
+      <p:sp>
+        <p:nvSpPr>
+          <p:cNvPr id="15" name="Rectangle 20"/>
+          <p:cNvSpPr/>
+          <p:nvPr/>
+        </p:nvSpPr>
+        <p:spPr>
+          <a:xfrm>
+            <a:off x="184562" y="3327176"/>
+            <a:ext cx="3242314" cy="338554"/>
+          </a:xfrm>
+          <a:prstGeom prst="rect">
+            <a:avLst/>
+          </a:prstGeom>
+        </p:spPr>
+        <p:txBody>
+          <a:bodyPr wrap="square">
+            <a:spAutoFit/>
+          </a:bodyPr>
+          <a:lstStyle/>
+          <a:p>
+            <a:pPr algn="r"/>
+            <a:r>
+              <a:rPr lang="en-US" altLang="ko-KR" sz="1600" dirty="0" smtClean="0">
+                <a:solidFill>
+                  <a:srgbClr val="FF0000"/>
+                </a:solidFill>
+                <a:latin typeface="Arial Narrow" panose="020B0606020202030204" pitchFamily="34" charset="0"/>
+              </a:rPr>
+              <a:t>LED </a:t>
+            </a:r>
+            <a:r>
+              <a:rPr lang="ko-KR" altLang="en-US" sz="1600" dirty="0" smtClean="0">
+                <a:solidFill>
+                  <a:srgbClr val="FF0000"/>
+                </a:solidFill>
+                <a:latin typeface="Arial Narrow" panose="020B0606020202030204" pitchFamily="34" charset="0"/>
+              </a:rPr>
+              <a:t>제어 클래스 예시</a:t>
+            </a:r>
+            <a:r>
+              <a:rPr lang="en-US" altLang="ko-KR" sz="1600" dirty="0" smtClean="0">
+                <a:solidFill>
+                  <a:srgbClr val="FF0000"/>
+                </a:solidFill>
+                <a:latin typeface="Arial Narrow" panose="020B0606020202030204" pitchFamily="34" charset="0"/>
+              </a:rPr>
+              <a:t>:</a:t>
+            </a:r>
+            <a:endParaRPr lang="en-US" altLang="ko-KR" sz="1600" dirty="0">
+              <a:solidFill>
+                <a:srgbClr val="FF0000"/>
+              </a:solidFill>
+              <a:latin typeface="Arial Narrow" panose="020B0606020202030204" pitchFamily="34" charset="0"/>
+            </a:endParaRPr>
+          </a:p>
+        </p:txBody>
+      </p:sp>
     </p:spTree>
     <p:extLst>
       <p:ext uri="{BB962C8B-B14F-4D97-AF65-F5344CB8AC3E}">
-        <p14:creationId xmlns:p14="http://schemas.microsoft.com/office/powerpoint/2010/main" val="4069183749"/>
+        <p14:creationId xmlns:p14="http://schemas.microsoft.com/office/powerpoint/2010/main" val="3231805850"/>
       </p:ext>
     </p:extLst>
   </p:cSld>
@@ -12835,11 +13156,11 @@
                 <a:solidFill>
                   <a:schemeClr val="tx1"/>
                 </a:solidFill>
-                <a:latin typeface="Arial Narrow" pitchFamily="34" charset="0"/>
-                <a:ea typeface="+mj-ea"/>
+                <a:latin typeface="맑은 고딕" panose="020B0503020000020004" pitchFamily="50" charset="-127"/>
+                <a:ea typeface="맑은 고딕" panose="020B0503020000020004" pitchFamily="50" charset="-127"/>
                 <a:cs typeface="+mj-cs"/>
               </a:rPr>
-              <a:t>아두이노 프로그래밍</a:t>
+              <a:t>모터 제어</a:t>
             </a:r>
             <a:endParaRPr kumimoji="0" lang="ko-KR" altLang="en-US" sz="2800" i="1" u="none" strike="noStrike" kern="0" cap="none" spc="0" normalizeH="0" baseline="0" noProof="0" dirty="0">
               <a:ln>
@@ -12851,8 +13172,8 @@
               <a:effectLst/>
               <a:uLnTx/>
               <a:uFillTx/>
-              <a:latin typeface="Arial Narrow" pitchFamily="34" charset="0"/>
-              <a:ea typeface="+mj-ea"/>
+              <a:latin typeface="맑은 고딕" panose="020B0503020000020004" pitchFamily="50" charset="-127"/>
+              <a:ea typeface="맑은 고딕" panose="020B0503020000020004" pitchFamily="50" charset="-127"/>
               <a:cs typeface="+mj-cs"/>
             </a:endParaRPr>
           </a:p>
@@ -13143,11 +13464,25 @@
               <a:defRPr/>
             </a:pPr>
             <a:r>
+              <a:rPr lang="en-US" altLang="ko-KR" kern="0" dirty="0" smtClean="0">
+                <a:latin typeface="Arial Narrow"/>
+                <a:ea typeface="굴림" pitchFamily="50" charset="-127"/>
+              </a:rPr>
+              <a:t>PWM</a:t>
+            </a:r>
+            <a:r>
               <a:rPr lang="ko-KR" altLang="en-US" kern="0" dirty="0" smtClean="0">
                 <a:latin typeface="Arial Narrow"/>
                 <a:ea typeface="굴림" pitchFamily="50" charset="-127"/>
               </a:rPr>
-              <a:t>클래스</a:t>
+              <a:t>란</a:t>
+            </a:r>
+            <a:r>
+              <a:rPr lang="en-US" altLang="ko-KR" kern="0" dirty="0" smtClean="0">
+                <a:latin typeface="Arial Narrow"/>
+                <a:ea typeface="굴림" pitchFamily="50" charset="-127"/>
+              </a:rPr>
+              <a:t>?</a:t>
             </a:r>
             <a:endParaRPr lang="en-US" altLang="ko-KR" kern="0" dirty="0">
               <a:latin typeface="Arial Narrow"/>
@@ -13167,7 +13502,7 @@
         <p:spPr bwMode="auto">
           <a:xfrm>
             <a:off x="0" y="1086605"/>
-            <a:ext cx="8965250" cy="276999"/>
+            <a:ext cx="4361793" cy="2548390"/>
           </a:xfrm>
           <a:prstGeom prst="rect">
             <a:avLst/>
@@ -13374,54 +13709,222 @@
               <a:defRPr/>
             </a:pPr>
             <a:r>
+              <a:rPr lang="en-US" altLang="ko-KR" sz="1800" kern="0" dirty="0" smtClean="0">
+                <a:latin typeface="Arial Narrow"/>
+                <a:ea typeface="굴림" pitchFamily="50" charset="-127"/>
+              </a:rPr>
+              <a:t>Pulse Width Modulation</a:t>
+            </a:r>
+          </a:p>
+          <a:p>
+            <a:pPr marL="341313" lvl="1" indent="-341313" algn="just" eaLnBrk="1" hangingPunct="1">
+              <a:buClr>
+                <a:srgbClr val="9999CC"/>
+              </a:buClr>
+              <a:defRPr/>
+            </a:pPr>
+            <a:r>
+              <a:rPr lang="ko-KR" altLang="en-US" sz="1800" b="0" kern="0" dirty="0" err="1" smtClean="0">
+                <a:latin typeface="Arial Narrow"/>
+                <a:ea typeface="굴림" pitchFamily="50" charset="-127"/>
+              </a:rPr>
+              <a:t>아두이노는</a:t>
+            </a:r>
+            <a:r>
+              <a:rPr lang="ko-KR" altLang="en-US" sz="1800" b="0" kern="0" dirty="0" smtClean="0">
+                <a:latin typeface="Arial Narrow"/>
+                <a:ea typeface="굴림" pitchFamily="50" charset="-127"/>
+              </a:rPr>
+              <a:t> </a:t>
+            </a:r>
+            <a:r>
               <a:rPr lang="en-US" altLang="ko-KR" sz="1800" b="0" kern="0" dirty="0" smtClean="0">
                 <a:latin typeface="Arial Narrow"/>
                 <a:ea typeface="굴림" pitchFamily="50" charset="-127"/>
               </a:rPr>
-              <a:t>Descriptions</a:t>
-            </a:r>
-            <a:endParaRPr lang="en-US" altLang="ko-KR" sz="1800" b="0" kern="0" dirty="0">
+              <a:t>0~5 </a:t>
+            </a:r>
+            <a:r>
+              <a:rPr lang="en-US" altLang="ko-KR" sz="1800" b="0" kern="0" dirty="0">
+                <a:latin typeface="Arial Narrow"/>
+                <a:ea typeface="굴림" pitchFamily="50" charset="-127"/>
+              </a:rPr>
+              <a:t>V</a:t>
+            </a:r>
+            <a:r>
+              <a:rPr lang="ko-KR" altLang="en-US" sz="1800" b="0" kern="0" dirty="0">
+                <a:latin typeface="Arial Narrow"/>
+                <a:ea typeface="굴림" pitchFamily="50" charset="-127"/>
+              </a:rPr>
+              <a:t>를 </a:t>
+            </a:r>
+            <a:r>
+              <a:rPr lang="en-US" altLang="ko-KR" sz="1800" b="0" kern="0" dirty="0">
+                <a:latin typeface="Arial Narrow"/>
+                <a:ea typeface="굴림" pitchFamily="50" charset="-127"/>
+              </a:rPr>
+              <a:t>0~255</a:t>
+            </a:r>
+            <a:r>
+              <a:rPr lang="ko-KR" altLang="en-US" sz="1800" b="0" kern="0" dirty="0">
+                <a:latin typeface="Arial Narrow"/>
+                <a:ea typeface="굴림" pitchFamily="50" charset="-127"/>
+              </a:rPr>
+              <a:t>로 아날로그 신호를 출력할 수 </a:t>
+            </a:r>
+            <a:r>
+              <a:rPr lang="ko-KR" altLang="en-US" sz="1800" b="0" kern="0" dirty="0" smtClean="0">
+                <a:latin typeface="Arial Narrow"/>
+                <a:ea typeface="굴림" pitchFamily="50" charset="-127"/>
+              </a:rPr>
+              <a:t>있음</a:t>
+            </a:r>
+            <a:endParaRPr lang="en-US" altLang="ko-KR" sz="1800" b="0" kern="0" dirty="0" smtClean="0">
               <a:latin typeface="Arial Narrow"/>
               <a:ea typeface="굴림" pitchFamily="50" charset="-127"/>
             </a:endParaRPr>
           </a:p>
-        </p:txBody>
-      </p:sp>
-      <p:sp>
-        <p:nvSpPr>
-          <p:cNvPr id="7" name="Rectangle 20"/>
-          <p:cNvSpPr/>
-          <p:nvPr/>
-        </p:nvSpPr>
-        <p:spPr>
-          <a:xfrm>
-            <a:off x="5923607" y="3108917"/>
-            <a:ext cx="3220393" cy="253916"/>
-          </a:xfrm>
-          <a:prstGeom prst="rect">
-            <a:avLst/>
-          </a:prstGeom>
-        </p:spPr>
-        <p:txBody>
-          <a:bodyPr wrap="square">
-            <a:spAutoFit/>
-          </a:bodyPr>
-          <a:lstStyle/>
-          <a:p>
-            <a:r>
-              <a:rPr lang="en-US" altLang="ko-KR" sz="1050" dirty="0" smtClean="0">
-                <a:solidFill>
-                  <a:schemeClr val="tx1"/>
-                </a:solidFill>
-                <a:latin typeface="Arial Narrow" panose="020B0606020202030204" pitchFamily="34" charset="0"/>
-              </a:rPr>
-              <a:t>Fig. Caption Here</a:t>
-            </a:r>
-            <a:endParaRPr lang="en-US" altLang="ko-KR" sz="1050" dirty="0">
-              <a:solidFill>
-                <a:schemeClr val="tx1"/>
-              </a:solidFill>
-              <a:latin typeface="Arial Narrow" panose="020B0606020202030204" pitchFamily="34" charset="0"/>
+          <a:p>
+            <a:pPr marL="341313" lvl="1" indent="-341313" algn="just" eaLnBrk="1" hangingPunct="1">
+              <a:buClr>
+                <a:srgbClr val="9999CC"/>
+              </a:buClr>
+              <a:defRPr/>
+            </a:pPr>
+            <a:r>
+              <a:rPr lang="ko-KR" altLang="en-US" sz="1800" b="0" kern="0" dirty="0">
+                <a:latin typeface="Arial Narrow"/>
+                <a:ea typeface="굴림" pitchFamily="50" charset="-127"/>
+              </a:rPr>
+              <a:t>주로 언제 아날로그 신호를 필요로 할까</a:t>
+            </a:r>
+            <a:r>
+              <a:rPr lang="en-US" altLang="ko-KR" sz="1800" b="0" kern="0" dirty="0">
+                <a:latin typeface="Arial Narrow"/>
+                <a:ea typeface="굴림" pitchFamily="50" charset="-127"/>
+              </a:rPr>
+              <a:t>?</a:t>
+            </a:r>
+          </a:p>
+          <a:p>
+            <a:pPr marL="0" lvl="1" indent="0" algn="just" eaLnBrk="1" hangingPunct="1">
+              <a:buClr>
+                <a:srgbClr val="9999CC"/>
+              </a:buClr>
+              <a:buNone/>
+              <a:defRPr/>
+            </a:pPr>
+            <a:r>
+              <a:rPr lang="en-US" altLang="ko-KR" sz="1800" b="0" kern="0" dirty="0" smtClean="0">
+                <a:latin typeface="Arial Narrow"/>
+                <a:ea typeface="굴림" pitchFamily="50" charset="-127"/>
+              </a:rPr>
+              <a:t>ex</a:t>
+            </a:r>
+            <a:r>
+              <a:rPr lang="en-US" altLang="ko-KR" sz="1800" b="0" kern="0" dirty="0">
+                <a:latin typeface="Arial Narrow"/>
+                <a:ea typeface="굴림" pitchFamily="50" charset="-127"/>
+              </a:rPr>
+              <a:t>]</a:t>
+            </a:r>
+          </a:p>
+          <a:p>
+            <a:pPr marL="0" lvl="1" indent="0" algn="just" eaLnBrk="1" hangingPunct="1">
+              <a:buClr>
+                <a:srgbClr val="9999CC"/>
+              </a:buClr>
+              <a:buNone/>
+              <a:defRPr/>
+            </a:pPr>
+            <a:r>
+              <a:rPr lang="en-US" altLang="ko-KR" sz="1800" b="0" kern="0" dirty="0" smtClean="0">
+                <a:latin typeface="Arial Narrow"/>
+                <a:ea typeface="굴림" pitchFamily="50" charset="-127"/>
+              </a:rPr>
+              <a:t>- </a:t>
+            </a:r>
+            <a:r>
+              <a:rPr lang="ko-KR" altLang="en-US" sz="1800" b="0" kern="0" dirty="0" smtClean="0">
+                <a:latin typeface="Arial Narrow"/>
+                <a:ea typeface="굴림" pitchFamily="50" charset="-127"/>
+              </a:rPr>
+              <a:t>모터 </a:t>
+            </a:r>
+            <a:r>
+              <a:rPr lang="ko-KR" altLang="en-US" sz="1800" b="0" kern="0" dirty="0">
+                <a:latin typeface="Arial Narrow"/>
+                <a:ea typeface="굴림" pitchFamily="50" charset="-127"/>
+              </a:rPr>
+              <a:t>돌리기</a:t>
+            </a:r>
+          </a:p>
+          <a:p>
+            <a:pPr marL="0" lvl="1" indent="0" algn="just" eaLnBrk="1" hangingPunct="1">
+              <a:buClr>
+                <a:srgbClr val="9999CC"/>
+              </a:buClr>
+              <a:buNone/>
+              <a:defRPr/>
+            </a:pPr>
+            <a:r>
+              <a:rPr lang="en-US" altLang="ko-KR" sz="1800" b="0" kern="0" dirty="0" smtClean="0">
+                <a:latin typeface="Arial Narrow"/>
+                <a:ea typeface="굴림" pitchFamily="50" charset="-127"/>
+              </a:rPr>
+              <a:t>- LED </a:t>
+            </a:r>
+            <a:r>
+              <a:rPr lang="ko-KR" altLang="en-US" sz="1800" b="0" kern="0" dirty="0" smtClean="0">
+                <a:latin typeface="Arial Narrow"/>
+                <a:ea typeface="굴림" pitchFamily="50" charset="-127"/>
+              </a:rPr>
+              <a:t>제어</a:t>
+            </a:r>
+            <a:endParaRPr lang="en-US" altLang="ko-KR" sz="1800" b="0" kern="0" dirty="0" smtClean="0">
+              <a:latin typeface="Arial Narrow"/>
+              <a:ea typeface="굴림" pitchFamily="50" charset="-127"/>
+            </a:endParaRPr>
+          </a:p>
+          <a:p>
+            <a:pPr marL="0" lvl="1" indent="0" algn="just" eaLnBrk="1" hangingPunct="1">
+              <a:buClr>
+                <a:srgbClr val="9999CC"/>
+              </a:buClr>
+              <a:buNone/>
+              <a:defRPr/>
+            </a:pPr>
+            <a:r>
+              <a:rPr lang="en-US" altLang="ko-KR" sz="1800" b="0" kern="0" dirty="0" smtClean="0">
+                <a:latin typeface="Arial Narrow"/>
+                <a:ea typeface="굴림" pitchFamily="50" charset="-127"/>
+              </a:rPr>
+              <a:t>- </a:t>
+            </a:r>
+            <a:r>
+              <a:rPr lang="ko-KR" altLang="en-US" sz="1800" b="0" kern="0" dirty="0" smtClean="0">
+                <a:latin typeface="Arial Narrow"/>
+                <a:ea typeface="굴림" pitchFamily="50" charset="-127"/>
+              </a:rPr>
+              <a:t>다양한 </a:t>
+            </a:r>
+            <a:r>
+              <a:rPr lang="ko-KR" altLang="en-US" sz="1800" b="0" kern="0" dirty="0">
+                <a:latin typeface="Arial Narrow"/>
+                <a:ea typeface="굴림" pitchFamily="50" charset="-127"/>
+              </a:rPr>
+              <a:t>소리 </a:t>
+            </a:r>
+            <a:r>
+              <a:rPr lang="ko-KR" altLang="en-US" sz="1800" b="0" kern="0" dirty="0" smtClean="0">
+                <a:latin typeface="Arial Narrow"/>
+                <a:ea typeface="굴림" pitchFamily="50" charset="-127"/>
+              </a:rPr>
+              <a:t>내기</a:t>
+            </a:r>
+            <a:endParaRPr lang="ko-KR" altLang="en-US" sz="1800" b="0" kern="0" dirty="0">
+              <a:latin typeface="Arial Narrow"/>
+              <a:ea typeface="굴림" pitchFamily="50" charset="-127"/>
             </a:endParaRPr>
           </a:p>
         </p:txBody>
@@ -13457,10 +13960,946 @@
           </a:p>
         </p:txBody>
       </p:sp>
+      <p:pic>
+        <p:nvPicPr>
+          <p:cNvPr id="13" name="Picture 2" descr="https://mblogthumb-phinf.pstatic.net/20140605_52/ifisled_140194945864059Qae_PNG/pwm.PNG?type=w2"/>
+          <p:cNvPicPr>
+            <a:picLocks noChangeAspect="1" noChangeArrowheads="1"/>
+          </p:cNvPicPr>
+          <p:nvPr/>
+        </p:nvPicPr>
+        <p:blipFill>
+          <a:blip r:embed="rId2">
+            <a:extLst>
+              <a:ext uri="{28A0092B-C50C-407E-A947-70E740481C1C}">
+                <a14:useLocalDpi xmlns:a14="http://schemas.microsoft.com/office/drawing/2010/main" val="0"/>
+              </a:ext>
+            </a:extLst>
+          </a:blip>
+          <a:srcRect/>
+          <a:stretch>
+            <a:fillRect/>
+          </a:stretch>
+        </p:blipFill>
+        <p:spPr bwMode="auto">
+          <a:xfrm>
+            <a:off x="4508076" y="629583"/>
+            <a:ext cx="4633344" cy="3005412"/>
+          </a:xfrm>
+          <a:prstGeom prst="rect">
+            <a:avLst/>
+          </a:prstGeom>
+          <a:noFill/>
+          <a:extLst>
+            <a:ext uri="{909E8E84-426E-40DD-AFC4-6F175D3DCCD1}">
+              <a14:hiddenFill xmlns:a14="http://schemas.microsoft.com/office/drawing/2010/main">
+                <a:solidFill>
+                  <a:srgbClr val="FFFFFF"/>
+                </a:solidFill>
+              </a14:hiddenFill>
+            </a:ext>
+          </a:extLst>
+        </p:spPr>
+      </p:pic>
+      <p:sp>
+        <p:nvSpPr>
+          <p:cNvPr id="14" name="Rectangle 3"/>
+          <p:cNvSpPr txBox="1">
+            <a:spLocks noChangeArrowheads="1"/>
+          </p:cNvSpPr>
+          <p:nvPr/>
+        </p:nvSpPr>
+        <p:spPr bwMode="auto">
+          <a:xfrm>
+            <a:off x="-2579" y="4851360"/>
+            <a:ext cx="4361793" cy="1218795"/>
+          </a:xfrm>
+          <a:prstGeom prst="rect">
+            <a:avLst/>
+          </a:prstGeom>
+          <a:noFill/>
+          <a:ln w="9525">
+            <a:noFill/>
+            <a:miter lim="800000"/>
+            <a:headEnd/>
+            <a:tailEnd/>
+          </a:ln>
+        </p:spPr>
+        <p:txBody>
+          <a:bodyPr vert="horz" wrap="square" lIns="91440" tIns="0" rIns="0" bIns="0" numCol="1" anchor="t" anchorCtr="0" compatLnSpc="1">
+            <a:prstTxWarp prst="textNoShape">
+              <a:avLst/>
+            </a:prstTxWarp>
+            <a:spAutoFit/>
+          </a:bodyPr>
+          <a:lstStyle>
+            <a:lvl1pPr marL="342900" indent="-342900" algn="l" rtl="0" eaLnBrk="0" fontAlgn="base" hangingPunct="0">
+              <a:spcBef>
+                <a:spcPct val="20000"/>
+              </a:spcBef>
+              <a:spcAft>
+                <a:spcPct val="0"/>
+              </a:spcAft>
+              <a:buClr>
+                <a:schemeClr val="bg2"/>
+              </a:buClr>
+              <a:buSzPct val="75000"/>
+              <a:buFont typeface="Wingdings" pitchFamily="2" charset="2"/>
+              <a:buChar char="n"/>
+              <a:defRPr sz="2400">
+                <a:solidFill>
+                  <a:schemeClr val="tx1"/>
+                </a:solidFill>
+                <a:latin typeface="+mn-lt"/>
+                <a:ea typeface="+mn-ea"/>
+                <a:cs typeface="+mn-cs"/>
+              </a:defRPr>
+            </a:lvl1pPr>
+            <a:lvl2pPr marL="742950" indent="-285750" algn="l" rtl="0" eaLnBrk="0" fontAlgn="base" hangingPunct="0">
+              <a:spcBef>
+                <a:spcPct val="20000"/>
+              </a:spcBef>
+              <a:spcAft>
+                <a:spcPct val="0"/>
+              </a:spcAft>
+              <a:buClr>
+                <a:schemeClr val="accent2"/>
+              </a:buClr>
+              <a:buSzPct val="80000"/>
+              <a:buFont typeface="Wingdings" pitchFamily="2" charset="2"/>
+              <a:buChar char="¨"/>
+              <a:defRPr sz="2000">
+                <a:solidFill>
+                  <a:schemeClr val="tx1"/>
+                </a:solidFill>
+                <a:latin typeface="+mn-lt"/>
+              </a:defRPr>
+            </a:lvl2pPr>
+            <a:lvl3pPr marL="1143000" indent="-228600" algn="l" rtl="0" eaLnBrk="0" fontAlgn="base" hangingPunct="0">
+              <a:spcBef>
+                <a:spcPct val="20000"/>
+              </a:spcBef>
+              <a:spcAft>
+                <a:spcPct val="0"/>
+              </a:spcAft>
+              <a:buClr>
+                <a:schemeClr val="bg2"/>
+              </a:buClr>
+              <a:buSzPct val="65000"/>
+              <a:buFont typeface="Wingdings" pitchFamily="2" charset="2"/>
+              <a:buChar char="n"/>
+              <a:defRPr>
+                <a:solidFill>
+                  <a:schemeClr val="tx1"/>
+                </a:solidFill>
+                <a:latin typeface="+mn-lt"/>
+              </a:defRPr>
+            </a:lvl3pPr>
+            <a:lvl4pPr marL="1600200" indent="-228600" algn="l" rtl="0" eaLnBrk="0" fontAlgn="base" hangingPunct="0">
+              <a:spcBef>
+                <a:spcPct val="20000"/>
+              </a:spcBef>
+              <a:spcAft>
+                <a:spcPct val="0"/>
+              </a:spcAft>
+              <a:buClr>
+                <a:schemeClr val="accent2"/>
+              </a:buClr>
+              <a:buSzPct val="70000"/>
+              <a:buFont typeface="Wingdings" pitchFamily="2" charset="2"/>
+              <a:buChar char="¨"/>
+              <a:defRPr sz="1600">
+                <a:solidFill>
+                  <a:schemeClr val="tx1"/>
+                </a:solidFill>
+                <a:latin typeface="+mn-lt"/>
+              </a:defRPr>
+            </a:lvl4pPr>
+            <a:lvl5pPr marL="2057400" indent="-228600" algn="l" rtl="0" eaLnBrk="0" fontAlgn="base" hangingPunct="0">
+              <a:spcBef>
+                <a:spcPct val="20000"/>
+              </a:spcBef>
+              <a:spcAft>
+                <a:spcPct val="0"/>
+              </a:spcAft>
+              <a:buClr>
+                <a:schemeClr val="bg2"/>
+              </a:buClr>
+              <a:buFont typeface="Wingdings" pitchFamily="2" charset="2"/>
+              <a:buChar char="§"/>
+              <a:defRPr sz="1600">
+                <a:solidFill>
+                  <a:schemeClr val="tx1"/>
+                </a:solidFill>
+                <a:latin typeface="+mn-lt"/>
+              </a:defRPr>
+            </a:lvl5pPr>
+            <a:lvl6pPr marL="2514600" indent="-228600" algn="l" rtl="0" fontAlgn="base">
+              <a:spcBef>
+                <a:spcPct val="20000"/>
+              </a:spcBef>
+              <a:spcAft>
+                <a:spcPct val="0"/>
+              </a:spcAft>
+              <a:buClr>
+                <a:schemeClr val="bg2"/>
+              </a:buClr>
+              <a:buFont typeface="Wingdings" pitchFamily="2" charset="2"/>
+              <a:buChar char="§"/>
+              <a:defRPr sz="1600">
+                <a:solidFill>
+                  <a:schemeClr val="tx1"/>
+                </a:solidFill>
+                <a:latin typeface="+mn-lt"/>
+              </a:defRPr>
+            </a:lvl6pPr>
+            <a:lvl7pPr marL="2971800" indent="-228600" algn="l" rtl="0" fontAlgn="base">
+              <a:spcBef>
+                <a:spcPct val="20000"/>
+              </a:spcBef>
+              <a:spcAft>
+                <a:spcPct val="0"/>
+              </a:spcAft>
+              <a:buClr>
+                <a:schemeClr val="bg2"/>
+              </a:buClr>
+              <a:buFont typeface="Wingdings" pitchFamily="2" charset="2"/>
+              <a:buChar char="§"/>
+              <a:defRPr sz="1600">
+                <a:solidFill>
+                  <a:schemeClr val="tx1"/>
+                </a:solidFill>
+                <a:latin typeface="+mn-lt"/>
+              </a:defRPr>
+            </a:lvl7pPr>
+            <a:lvl8pPr marL="3429000" indent="-228600" algn="l" rtl="0" fontAlgn="base">
+              <a:spcBef>
+                <a:spcPct val="20000"/>
+              </a:spcBef>
+              <a:spcAft>
+                <a:spcPct val="0"/>
+              </a:spcAft>
+              <a:buClr>
+                <a:schemeClr val="bg2"/>
+              </a:buClr>
+              <a:buFont typeface="Wingdings" pitchFamily="2" charset="2"/>
+              <a:buChar char="§"/>
+              <a:defRPr sz="1600">
+                <a:solidFill>
+                  <a:schemeClr val="tx1"/>
+                </a:solidFill>
+                <a:latin typeface="+mn-lt"/>
+              </a:defRPr>
+            </a:lvl8pPr>
+            <a:lvl9pPr marL="3886200" indent="-228600" algn="l" rtl="0" fontAlgn="base">
+              <a:spcBef>
+                <a:spcPct val="20000"/>
+              </a:spcBef>
+              <a:spcAft>
+                <a:spcPct val="0"/>
+              </a:spcAft>
+              <a:buClr>
+                <a:schemeClr val="bg2"/>
+              </a:buClr>
+              <a:buFont typeface="Wingdings" pitchFamily="2" charset="2"/>
+              <a:buChar char="§"/>
+              <a:defRPr sz="1600">
+                <a:solidFill>
+                  <a:schemeClr val="tx1"/>
+                </a:solidFill>
+                <a:latin typeface="+mn-lt"/>
+              </a:defRPr>
+            </a:lvl9pPr>
+          </a:lstStyle>
+          <a:p>
+            <a:pPr marL="341313" lvl="1" indent="-341313" algn="just" eaLnBrk="1" hangingPunct="1">
+              <a:buClr>
+                <a:srgbClr val="9999CC"/>
+              </a:buClr>
+              <a:defRPr/>
+            </a:pPr>
+            <a:r>
+              <a:rPr lang="en-US" altLang="ko-KR" sz="1800" kern="0" dirty="0" smtClean="0">
+                <a:latin typeface="Arial Narrow"/>
+                <a:ea typeface="굴림" pitchFamily="50" charset="-127"/>
+              </a:rPr>
+              <a:t>PWM</a:t>
+            </a:r>
+            <a:r>
+              <a:rPr lang="ko-KR" altLang="en-US" sz="1800" kern="0" dirty="0" smtClean="0">
+                <a:latin typeface="Arial Narrow"/>
+                <a:ea typeface="굴림" pitchFamily="50" charset="-127"/>
+              </a:rPr>
+              <a:t>을 사용하는 방법</a:t>
+            </a:r>
+            <a:endParaRPr lang="en-US" altLang="ko-KR" sz="1800" kern="0" dirty="0" smtClean="0">
+              <a:latin typeface="Arial Narrow"/>
+              <a:ea typeface="굴림" pitchFamily="50" charset="-127"/>
+            </a:endParaRPr>
+          </a:p>
+          <a:p>
+            <a:pPr marL="341313" lvl="1" indent="-341313" algn="just" eaLnBrk="1" hangingPunct="1">
+              <a:buClr>
+                <a:srgbClr val="9999CC"/>
+              </a:buClr>
+              <a:defRPr/>
+            </a:pPr>
+            <a:r>
+              <a:rPr lang="en-US" altLang="ko-KR" sz="1800" b="0" kern="0" dirty="0" smtClean="0">
+                <a:latin typeface="Arial Narrow"/>
+                <a:ea typeface="굴림" pitchFamily="50" charset="-127"/>
+              </a:rPr>
+              <a:t>ex</a:t>
+            </a:r>
+            <a:r>
+              <a:rPr lang="en-US" altLang="ko-KR" sz="1800" b="0" kern="0" dirty="0">
+                <a:latin typeface="Arial Narrow"/>
+                <a:ea typeface="굴림" pitchFamily="50" charset="-127"/>
+              </a:rPr>
+              <a:t>] </a:t>
+            </a:r>
+            <a:r>
+              <a:rPr lang="en-US" altLang="ko-KR" sz="1800" b="0" kern="0" dirty="0" err="1">
+                <a:latin typeface="Arial Narrow"/>
+                <a:ea typeface="굴림" pitchFamily="50" charset="-127"/>
+              </a:rPr>
+              <a:t>analogWrite</a:t>
+            </a:r>
+            <a:r>
+              <a:rPr lang="en-US" altLang="ko-KR" sz="1800" b="0" kern="0" dirty="0">
+                <a:latin typeface="Arial Narrow"/>
+                <a:ea typeface="굴림" pitchFamily="50" charset="-127"/>
+              </a:rPr>
+              <a:t>(5, 128) </a:t>
+            </a:r>
+            <a:endParaRPr lang="en-US" altLang="ko-KR" sz="1800" b="0" kern="0" dirty="0" smtClean="0">
+              <a:latin typeface="Arial Narrow"/>
+              <a:ea typeface="굴림" pitchFamily="50" charset="-127"/>
+            </a:endParaRPr>
+          </a:p>
+          <a:p>
+            <a:pPr marL="0" lvl="1" indent="0" algn="just" eaLnBrk="1" hangingPunct="1">
+              <a:buClr>
+                <a:srgbClr val="9999CC"/>
+              </a:buClr>
+              <a:buNone/>
+              <a:defRPr/>
+            </a:pPr>
+            <a:r>
+              <a:rPr lang="en-US" altLang="ko-KR" sz="1800" b="0" kern="0" dirty="0" smtClean="0">
+                <a:latin typeface="Arial Narrow"/>
+                <a:ea typeface="굴림" pitchFamily="50" charset="-127"/>
+              </a:rPr>
+              <a:t>* 5</a:t>
+            </a:r>
+            <a:r>
+              <a:rPr lang="ko-KR" altLang="en-US" sz="1800" b="0" kern="0" dirty="0">
+                <a:latin typeface="Arial Narrow"/>
+                <a:ea typeface="굴림" pitchFamily="50" charset="-127"/>
+              </a:rPr>
+              <a:t>번 핀을 통해 </a:t>
+            </a:r>
+            <a:r>
+              <a:rPr lang="en-US" altLang="ko-KR" sz="1800" b="0" kern="0" dirty="0">
+                <a:latin typeface="Arial Narrow"/>
+                <a:ea typeface="굴림" pitchFamily="50" charset="-127"/>
+              </a:rPr>
+              <a:t>128/255 (=1/2) * 5 V = 2.5 V</a:t>
+            </a:r>
+            <a:r>
+              <a:rPr lang="ko-KR" altLang="en-US" sz="1800" b="0" kern="0" dirty="0">
+                <a:latin typeface="Arial Narrow"/>
+                <a:ea typeface="굴림" pitchFamily="50" charset="-127"/>
+              </a:rPr>
+              <a:t>를 출력 </a:t>
+            </a:r>
+            <a:r>
+              <a:rPr lang="ko-KR" altLang="en-US" sz="1800" b="0" kern="0" dirty="0" smtClean="0">
+                <a:latin typeface="Arial Narrow"/>
+                <a:ea typeface="굴림" pitchFamily="50" charset="-127"/>
+              </a:rPr>
+              <a:t>가능</a:t>
+            </a:r>
+            <a:endParaRPr lang="ko-KR" altLang="en-US" sz="1800" b="0" kern="0" dirty="0">
+              <a:latin typeface="Arial Narrow"/>
+              <a:ea typeface="굴림" pitchFamily="50" charset="-127"/>
+            </a:endParaRPr>
+          </a:p>
+        </p:txBody>
+      </p:sp>
+      <p:grpSp>
+        <p:nvGrpSpPr>
+          <p:cNvPr id="15" name="그룹 14"/>
+          <p:cNvGrpSpPr/>
+          <p:nvPr/>
+        </p:nvGrpSpPr>
+        <p:grpSpPr>
+          <a:xfrm>
+            <a:off x="4508076" y="3671782"/>
+            <a:ext cx="3531476" cy="2775056"/>
+            <a:chOff x="5224007" y="1251938"/>
+            <a:chExt cx="3919993" cy="3080355"/>
+          </a:xfrm>
+        </p:grpSpPr>
+        <p:pic>
+          <p:nvPicPr>
+            <p:cNvPr id="16" name="Picture 2" descr="Image result for fritzing arduino"/>
+            <p:cNvPicPr>
+              <a:picLocks noChangeAspect="1" noChangeArrowheads="1"/>
+            </p:cNvPicPr>
+            <p:nvPr/>
+          </p:nvPicPr>
+          <p:blipFill rotWithShape="1">
+            <a:blip r:embed="rId3">
+              <a:extLst>
+                <a:ext uri="{28A0092B-C50C-407E-A947-70E740481C1C}">
+                  <a14:useLocalDpi xmlns:a14="http://schemas.microsoft.com/office/drawing/2010/main" val="0"/>
+                </a:ext>
+              </a:extLst>
+            </a:blip>
+            <a:srcRect r="60911" b="19325"/>
+            <a:stretch/>
+          </p:blipFill>
+          <p:spPr bwMode="auto">
+            <a:xfrm rot="10800000" flipH="1" flipV="1">
+              <a:off x="5224007" y="1251938"/>
+              <a:ext cx="3919993" cy="3080355"/>
+            </a:xfrm>
+            <a:prstGeom prst="rect">
+              <a:avLst/>
+            </a:prstGeom>
+            <a:noFill/>
+            <a:extLst>
+              <a:ext uri="{909E8E84-426E-40DD-AFC4-6F175D3DCCD1}">
+                <a14:hiddenFill xmlns:a14="http://schemas.microsoft.com/office/drawing/2010/main">
+                  <a:solidFill>
+                    <a:srgbClr val="FFFFFF"/>
+                  </a:solidFill>
+                </a14:hiddenFill>
+              </a:ext>
+            </a:extLst>
+          </p:spPr>
+        </p:pic>
+        <p:sp>
+          <p:nvSpPr>
+            <p:cNvPr id="17" name="직사각형 16"/>
+            <p:cNvSpPr/>
+            <p:nvPr/>
+          </p:nvSpPr>
+          <p:spPr bwMode="auto">
+            <a:xfrm>
+              <a:off x="8332967" y="1364168"/>
+              <a:ext cx="135172" cy="721560"/>
+            </a:xfrm>
+            <a:prstGeom prst="rect">
+              <a:avLst/>
+            </a:prstGeom>
+            <a:noFill/>
+            <a:ln w="38100" cap="flat" cmpd="sng" algn="ctr">
+              <a:solidFill>
+                <a:srgbClr val="FF0000"/>
+              </a:solidFill>
+              <a:prstDash val="solid"/>
+              <a:round/>
+              <a:headEnd type="none" w="med" len="med"/>
+              <a:tailEnd type="none" w="med" len="med"/>
+            </a:ln>
+          </p:spPr>
+          <p:style>
+            <a:lnRef idx="0">
+              <a:scrgbClr r="0" g="0" b="0"/>
+            </a:lnRef>
+            <a:fillRef idx="0">
+              <a:scrgbClr r="0" g="0" b="0"/>
+            </a:fillRef>
+            <a:effectRef idx="0">
+              <a:scrgbClr r="0" g="0" b="0"/>
+            </a:effectRef>
+            <a:fontRef idx="minor">
+              <a:schemeClr val="dk1"/>
+            </a:fontRef>
+          </p:style>
+          <p:txBody>
+            <a:bodyPr vert="horz" wrap="square" lIns="91440" tIns="45720" rIns="91440" bIns="45720" numCol="1" rtlCol="0" anchor="t" anchorCtr="0" compatLnSpc="1">
+              <a:prstTxWarp prst="textNoShape">
+                <a:avLst/>
+              </a:prstTxWarp>
+            </a:bodyPr>
+            <a:lstStyle/>
+            <a:p>
+              <a:pPr marL="0" marR="0" indent="0" algn="ctr" defTabSz="914400" rtl="0" eaLnBrk="0" fontAlgn="base" latinLnBrk="0" hangingPunct="0">
+                <a:lnSpc>
+                  <a:spcPct val="100000"/>
+                </a:lnSpc>
+                <a:spcBef>
+                  <a:spcPct val="0"/>
+                </a:spcBef>
+                <a:spcAft>
+                  <a:spcPct val="0"/>
+                </a:spcAft>
+                <a:buClrTx/>
+                <a:buSzTx/>
+                <a:buFontTx/>
+                <a:buNone/>
+                <a:tabLst/>
+              </a:pPr>
+              <a:endParaRPr lang="ko-KR" altLang="en-US" sz="2200" b="0" dirty="0" smtClean="0">
+                <a:solidFill>
+                  <a:schemeClr val="tx1"/>
+                </a:solidFill>
+                <a:latin typeface="Arial Narrow" panose="020B0606020202030204" pitchFamily="34" charset="0"/>
+              </a:endParaRPr>
+            </a:p>
+          </p:txBody>
+        </p:sp>
+        <p:sp>
+          <p:nvSpPr>
+            <p:cNvPr id="18" name="직사각형 17"/>
+            <p:cNvSpPr/>
+            <p:nvPr/>
+          </p:nvSpPr>
+          <p:spPr bwMode="auto">
+            <a:xfrm>
+              <a:off x="7935402" y="1360768"/>
+              <a:ext cx="263850" cy="721560"/>
+            </a:xfrm>
+            <a:prstGeom prst="rect">
+              <a:avLst/>
+            </a:prstGeom>
+            <a:noFill/>
+            <a:ln w="38100" cap="flat" cmpd="sng" algn="ctr">
+              <a:solidFill>
+                <a:srgbClr val="FF0000"/>
+              </a:solidFill>
+              <a:prstDash val="solid"/>
+              <a:round/>
+              <a:headEnd type="none" w="med" len="med"/>
+              <a:tailEnd type="none" w="med" len="med"/>
+            </a:ln>
+          </p:spPr>
+          <p:style>
+            <a:lnRef idx="0">
+              <a:scrgbClr r="0" g="0" b="0"/>
+            </a:lnRef>
+            <a:fillRef idx="0">
+              <a:scrgbClr r="0" g="0" b="0"/>
+            </a:fillRef>
+            <a:effectRef idx="0">
+              <a:scrgbClr r="0" g="0" b="0"/>
+            </a:effectRef>
+            <a:fontRef idx="minor">
+              <a:schemeClr val="dk1"/>
+            </a:fontRef>
+          </p:style>
+          <p:txBody>
+            <a:bodyPr vert="horz" wrap="square" lIns="91440" tIns="45720" rIns="91440" bIns="45720" numCol="1" rtlCol="0" anchor="t" anchorCtr="0" compatLnSpc="1">
+              <a:prstTxWarp prst="textNoShape">
+                <a:avLst/>
+              </a:prstTxWarp>
+            </a:bodyPr>
+            <a:lstStyle/>
+            <a:p>
+              <a:pPr marL="0" marR="0" indent="0" algn="ctr" defTabSz="914400" rtl="0" eaLnBrk="0" fontAlgn="base" latinLnBrk="0" hangingPunct="0">
+                <a:lnSpc>
+                  <a:spcPct val="100000"/>
+                </a:lnSpc>
+                <a:spcBef>
+                  <a:spcPct val="0"/>
+                </a:spcBef>
+                <a:spcAft>
+                  <a:spcPct val="0"/>
+                </a:spcAft>
+                <a:buClrTx/>
+                <a:buSzTx/>
+                <a:buFontTx/>
+                <a:buNone/>
+                <a:tabLst/>
+              </a:pPr>
+              <a:endParaRPr lang="ko-KR" altLang="en-US" sz="2200" b="0" dirty="0" smtClean="0">
+                <a:solidFill>
+                  <a:schemeClr val="tx1"/>
+                </a:solidFill>
+                <a:latin typeface="Arial Narrow" panose="020B0606020202030204" pitchFamily="34" charset="0"/>
+              </a:endParaRPr>
+            </a:p>
+          </p:txBody>
+        </p:sp>
+        <p:sp>
+          <p:nvSpPr>
+            <p:cNvPr id="19" name="직사각형 18"/>
+            <p:cNvSpPr/>
+            <p:nvPr/>
+          </p:nvSpPr>
+          <p:spPr bwMode="auto">
+            <a:xfrm>
+              <a:off x="7235687" y="1356347"/>
+              <a:ext cx="354895" cy="721560"/>
+            </a:xfrm>
+            <a:prstGeom prst="rect">
+              <a:avLst/>
+            </a:prstGeom>
+            <a:noFill/>
+            <a:ln w="38100" cap="flat" cmpd="sng" algn="ctr">
+              <a:solidFill>
+                <a:srgbClr val="FF0000"/>
+              </a:solidFill>
+              <a:prstDash val="solid"/>
+              <a:round/>
+              <a:headEnd type="none" w="med" len="med"/>
+              <a:tailEnd type="none" w="med" len="med"/>
+            </a:ln>
+          </p:spPr>
+          <p:style>
+            <a:lnRef idx="0">
+              <a:scrgbClr r="0" g="0" b="0"/>
+            </a:lnRef>
+            <a:fillRef idx="0">
+              <a:scrgbClr r="0" g="0" b="0"/>
+            </a:fillRef>
+            <a:effectRef idx="0">
+              <a:scrgbClr r="0" g="0" b="0"/>
+            </a:effectRef>
+            <a:fontRef idx="minor">
+              <a:schemeClr val="dk1"/>
+            </a:fontRef>
+          </p:style>
+          <p:txBody>
+            <a:bodyPr vert="horz" wrap="square" lIns="91440" tIns="45720" rIns="91440" bIns="45720" numCol="1" rtlCol="0" anchor="t" anchorCtr="0" compatLnSpc="1">
+              <a:prstTxWarp prst="textNoShape">
+                <a:avLst/>
+              </a:prstTxWarp>
+            </a:bodyPr>
+            <a:lstStyle/>
+            <a:p>
+              <a:pPr marL="0" marR="0" indent="0" algn="ctr" defTabSz="914400" rtl="0" eaLnBrk="0" fontAlgn="base" latinLnBrk="0" hangingPunct="0">
+                <a:lnSpc>
+                  <a:spcPct val="100000"/>
+                </a:lnSpc>
+                <a:spcBef>
+                  <a:spcPct val="0"/>
+                </a:spcBef>
+                <a:spcAft>
+                  <a:spcPct val="0"/>
+                </a:spcAft>
+                <a:buClrTx/>
+                <a:buSzTx/>
+                <a:buFontTx/>
+                <a:buNone/>
+                <a:tabLst/>
+              </a:pPr>
+              <a:endParaRPr lang="ko-KR" altLang="en-US" sz="2200" b="0" dirty="0" smtClean="0">
+                <a:solidFill>
+                  <a:schemeClr val="tx1"/>
+                </a:solidFill>
+                <a:latin typeface="Arial Narrow" panose="020B0606020202030204" pitchFamily="34" charset="0"/>
+              </a:endParaRPr>
+            </a:p>
+          </p:txBody>
+        </p:sp>
+      </p:grpSp>
+      <p:sp>
+        <p:nvSpPr>
+          <p:cNvPr id="20" name="Rectangle 3"/>
+          <p:cNvSpPr txBox="1">
+            <a:spLocks noChangeArrowheads="1"/>
+          </p:cNvSpPr>
+          <p:nvPr/>
+        </p:nvSpPr>
+        <p:spPr bwMode="auto">
+          <a:xfrm>
+            <a:off x="0" y="3786166"/>
+            <a:ext cx="4361793" cy="609398"/>
+          </a:xfrm>
+          <a:prstGeom prst="rect">
+            <a:avLst/>
+          </a:prstGeom>
+          <a:noFill/>
+          <a:ln w="9525">
+            <a:noFill/>
+            <a:miter lim="800000"/>
+            <a:headEnd/>
+            <a:tailEnd/>
+          </a:ln>
+        </p:spPr>
+        <p:txBody>
+          <a:bodyPr vert="horz" wrap="square" lIns="91440" tIns="0" rIns="0" bIns="0" numCol="1" anchor="t" anchorCtr="0" compatLnSpc="1">
+            <a:prstTxWarp prst="textNoShape">
+              <a:avLst/>
+            </a:prstTxWarp>
+            <a:spAutoFit/>
+          </a:bodyPr>
+          <a:lstStyle>
+            <a:lvl1pPr marL="342900" indent="-342900" algn="l" rtl="0" eaLnBrk="0" fontAlgn="base" hangingPunct="0">
+              <a:spcBef>
+                <a:spcPct val="20000"/>
+              </a:spcBef>
+              <a:spcAft>
+                <a:spcPct val="0"/>
+              </a:spcAft>
+              <a:buClr>
+                <a:schemeClr val="bg2"/>
+              </a:buClr>
+              <a:buSzPct val="75000"/>
+              <a:buFont typeface="Wingdings" pitchFamily="2" charset="2"/>
+              <a:buChar char="n"/>
+              <a:defRPr sz="2400">
+                <a:solidFill>
+                  <a:schemeClr val="tx1"/>
+                </a:solidFill>
+                <a:latin typeface="+mn-lt"/>
+                <a:ea typeface="+mn-ea"/>
+                <a:cs typeface="+mn-cs"/>
+              </a:defRPr>
+            </a:lvl1pPr>
+            <a:lvl2pPr marL="742950" indent="-285750" algn="l" rtl="0" eaLnBrk="0" fontAlgn="base" hangingPunct="0">
+              <a:spcBef>
+                <a:spcPct val="20000"/>
+              </a:spcBef>
+              <a:spcAft>
+                <a:spcPct val="0"/>
+              </a:spcAft>
+              <a:buClr>
+                <a:schemeClr val="accent2"/>
+              </a:buClr>
+              <a:buSzPct val="80000"/>
+              <a:buFont typeface="Wingdings" pitchFamily="2" charset="2"/>
+              <a:buChar char="¨"/>
+              <a:defRPr sz="2000">
+                <a:solidFill>
+                  <a:schemeClr val="tx1"/>
+                </a:solidFill>
+                <a:latin typeface="+mn-lt"/>
+              </a:defRPr>
+            </a:lvl2pPr>
+            <a:lvl3pPr marL="1143000" indent="-228600" algn="l" rtl="0" eaLnBrk="0" fontAlgn="base" hangingPunct="0">
+              <a:spcBef>
+                <a:spcPct val="20000"/>
+              </a:spcBef>
+              <a:spcAft>
+                <a:spcPct val="0"/>
+              </a:spcAft>
+              <a:buClr>
+                <a:schemeClr val="bg2"/>
+              </a:buClr>
+              <a:buSzPct val="65000"/>
+              <a:buFont typeface="Wingdings" pitchFamily="2" charset="2"/>
+              <a:buChar char="n"/>
+              <a:defRPr>
+                <a:solidFill>
+                  <a:schemeClr val="tx1"/>
+                </a:solidFill>
+                <a:latin typeface="+mn-lt"/>
+              </a:defRPr>
+            </a:lvl3pPr>
+            <a:lvl4pPr marL="1600200" indent="-228600" algn="l" rtl="0" eaLnBrk="0" fontAlgn="base" hangingPunct="0">
+              <a:spcBef>
+                <a:spcPct val="20000"/>
+              </a:spcBef>
+              <a:spcAft>
+                <a:spcPct val="0"/>
+              </a:spcAft>
+              <a:buClr>
+                <a:schemeClr val="accent2"/>
+              </a:buClr>
+              <a:buSzPct val="70000"/>
+              <a:buFont typeface="Wingdings" pitchFamily="2" charset="2"/>
+              <a:buChar char="¨"/>
+              <a:defRPr sz="1600">
+                <a:solidFill>
+                  <a:schemeClr val="tx1"/>
+                </a:solidFill>
+                <a:latin typeface="+mn-lt"/>
+              </a:defRPr>
+            </a:lvl4pPr>
+            <a:lvl5pPr marL="2057400" indent="-228600" algn="l" rtl="0" eaLnBrk="0" fontAlgn="base" hangingPunct="0">
+              <a:spcBef>
+                <a:spcPct val="20000"/>
+              </a:spcBef>
+              <a:spcAft>
+                <a:spcPct val="0"/>
+              </a:spcAft>
+              <a:buClr>
+                <a:schemeClr val="bg2"/>
+              </a:buClr>
+              <a:buFont typeface="Wingdings" pitchFamily="2" charset="2"/>
+              <a:buChar char="§"/>
+              <a:defRPr sz="1600">
+                <a:solidFill>
+                  <a:schemeClr val="tx1"/>
+                </a:solidFill>
+                <a:latin typeface="+mn-lt"/>
+              </a:defRPr>
+            </a:lvl5pPr>
+            <a:lvl6pPr marL="2514600" indent="-228600" algn="l" rtl="0" fontAlgn="base">
+              <a:spcBef>
+                <a:spcPct val="20000"/>
+              </a:spcBef>
+              <a:spcAft>
+                <a:spcPct val="0"/>
+              </a:spcAft>
+              <a:buClr>
+                <a:schemeClr val="bg2"/>
+              </a:buClr>
+              <a:buFont typeface="Wingdings" pitchFamily="2" charset="2"/>
+              <a:buChar char="§"/>
+              <a:defRPr sz="1600">
+                <a:solidFill>
+                  <a:schemeClr val="tx1"/>
+                </a:solidFill>
+                <a:latin typeface="+mn-lt"/>
+              </a:defRPr>
+            </a:lvl6pPr>
+            <a:lvl7pPr marL="2971800" indent="-228600" algn="l" rtl="0" fontAlgn="base">
+              <a:spcBef>
+                <a:spcPct val="20000"/>
+              </a:spcBef>
+              <a:spcAft>
+                <a:spcPct val="0"/>
+              </a:spcAft>
+              <a:buClr>
+                <a:schemeClr val="bg2"/>
+              </a:buClr>
+              <a:buFont typeface="Wingdings" pitchFamily="2" charset="2"/>
+              <a:buChar char="§"/>
+              <a:defRPr sz="1600">
+                <a:solidFill>
+                  <a:schemeClr val="tx1"/>
+                </a:solidFill>
+                <a:latin typeface="+mn-lt"/>
+              </a:defRPr>
+            </a:lvl7pPr>
+            <a:lvl8pPr marL="3429000" indent="-228600" algn="l" rtl="0" fontAlgn="base">
+              <a:spcBef>
+                <a:spcPct val="20000"/>
+              </a:spcBef>
+              <a:spcAft>
+                <a:spcPct val="0"/>
+              </a:spcAft>
+              <a:buClr>
+                <a:schemeClr val="bg2"/>
+              </a:buClr>
+              <a:buFont typeface="Wingdings" pitchFamily="2" charset="2"/>
+              <a:buChar char="§"/>
+              <a:defRPr sz="1600">
+                <a:solidFill>
+                  <a:schemeClr val="tx1"/>
+                </a:solidFill>
+                <a:latin typeface="+mn-lt"/>
+              </a:defRPr>
+            </a:lvl8pPr>
+            <a:lvl9pPr marL="3886200" indent="-228600" algn="l" rtl="0" fontAlgn="base">
+              <a:spcBef>
+                <a:spcPct val="20000"/>
+              </a:spcBef>
+              <a:spcAft>
+                <a:spcPct val="0"/>
+              </a:spcAft>
+              <a:buClr>
+                <a:schemeClr val="bg2"/>
+              </a:buClr>
+              <a:buFont typeface="Wingdings" pitchFamily="2" charset="2"/>
+              <a:buChar char="§"/>
+              <a:defRPr sz="1600">
+                <a:solidFill>
+                  <a:schemeClr val="tx1"/>
+                </a:solidFill>
+                <a:latin typeface="+mn-lt"/>
+              </a:defRPr>
+            </a:lvl9pPr>
+          </a:lstStyle>
+          <a:p>
+            <a:pPr marL="341313" lvl="1" indent="-341313" algn="just" eaLnBrk="1" hangingPunct="1">
+              <a:buClr>
+                <a:srgbClr val="9999CC"/>
+              </a:buClr>
+              <a:defRPr/>
+            </a:pPr>
+            <a:r>
+              <a:rPr lang="en-US" altLang="ko-KR" sz="1800" kern="0" dirty="0" smtClean="0">
+                <a:latin typeface="Arial Narrow"/>
+                <a:ea typeface="굴림" pitchFamily="50" charset="-127"/>
+              </a:rPr>
+              <a:t>PWM</a:t>
+            </a:r>
+            <a:r>
+              <a:rPr lang="ko-KR" altLang="en-US" sz="1800" kern="0" dirty="0" smtClean="0">
+                <a:latin typeface="Arial Narrow"/>
+                <a:ea typeface="굴림" pitchFamily="50" charset="-127"/>
+              </a:rPr>
+              <a:t>을 사용할 수 있는 핀 </a:t>
+            </a:r>
+            <a:r>
+              <a:rPr lang="en-US" altLang="ko-KR" sz="1800" u="sng" kern="0" dirty="0" smtClean="0">
+                <a:solidFill>
+                  <a:srgbClr val="FF0000"/>
+                </a:solidFill>
+                <a:latin typeface="Arial Narrow"/>
+                <a:ea typeface="굴림" pitchFamily="50" charset="-127"/>
+              </a:rPr>
+              <a:t>(</a:t>
+            </a:r>
+            <a:r>
+              <a:rPr lang="ko-KR" altLang="en-US" sz="1800" u="sng" kern="0" dirty="0" smtClean="0">
+                <a:solidFill>
+                  <a:srgbClr val="FF0000"/>
+                </a:solidFill>
+                <a:latin typeface="Arial Narrow"/>
+                <a:ea typeface="굴림" pitchFamily="50" charset="-127"/>
+              </a:rPr>
+              <a:t>물결표 있음</a:t>
+            </a:r>
+            <a:r>
+              <a:rPr lang="en-US" altLang="ko-KR" sz="1800" u="sng" kern="0" dirty="0" smtClean="0">
+                <a:solidFill>
+                  <a:srgbClr val="FF0000"/>
+                </a:solidFill>
+                <a:latin typeface="Arial Narrow"/>
+                <a:ea typeface="굴림" pitchFamily="50" charset="-127"/>
+              </a:rPr>
+              <a:t>)!</a:t>
+            </a:r>
+          </a:p>
+          <a:p>
+            <a:pPr marL="341313" lvl="1" indent="-341313" algn="just" eaLnBrk="1" hangingPunct="1">
+              <a:buClr>
+                <a:srgbClr val="9999CC"/>
+              </a:buClr>
+              <a:defRPr/>
+            </a:pPr>
+            <a:r>
+              <a:rPr lang="ko-KR" altLang="en-US" sz="1800" b="0" kern="0" dirty="0" smtClean="0">
+                <a:latin typeface="Arial Narrow"/>
+                <a:ea typeface="굴림" pitchFamily="50" charset="-127"/>
+              </a:rPr>
+              <a:t>디지털핀쪽의 </a:t>
+            </a:r>
+            <a:r>
+              <a:rPr lang="en-US" altLang="ko-KR" sz="1800" b="0" kern="0" dirty="0" smtClean="0">
+                <a:latin typeface="Arial Narrow"/>
+                <a:ea typeface="굴림" pitchFamily="50" charset="-127"/>
+              </a:rPr>
+              <a:t>(</a:t>
+            </a:r>
+            <a:r>
+              <a:rPr lang="en-US" altLang="ko-KR" sz="1800" b="0" kern="0" dirty="0" smtClean="0">
+                <a:solidFill>
+                  <a:srgbClr val="000000"/>
+                </a:solidFill>
+                <a:latin typeface="Arial Narrow" pitchFamily="34" charset="0"/>
+              </a:rPr>
+              <a:t>3,5,6,9,10,11)</a:t>
+            </a:r>
+            <a:endParaRPr lang="ko-KR" altLang="en-US" sz="1800" b="0" kern="0" dirty="0">
+              <a:latin typeface="Arial Narrow"/>
+              <a:ea typeface="굴림" pitchFamily="50" charset="-127"/>
+            </a:endParaRPr>
+          </a:p>
+        </p:txBody>
+      </p:sp>
     </p:spTree>
     <p:extLst>
       <p:ext uri="{BB962C8B-B14F-4D97-AF65-F5344CB8AC3E}">
-        <p14:creationId xmlns:p14="http://schemas.microsoft.com/office/powerpoint/2010/main" val="3231805850"/>
+        <p14:creationId xmlns:p14="http://schemas.microsoft.com/office/powerpoint/2010/main" val="3823525998"/>
       </p:ext>
     </p:extLst>
   </p:cSld>
@@ -13525,8 +14964,8 @@
                 <a:solidFill>
                   <a:schemeClr val="tx1"/>
                 </a:solidFill>
-                <a:latin typeface="Arial Narrow" pitchFamily="34" charset="0"/>
-                <a:ea typeface="+mj-ea"/>
+                <a:latin typeface="맑은 고딕" panose="020B0503020000020004" pitchFamily="50" charset="-127"/>
+                <a:ea typeface="맑은 고딕" panose="020B0503020000020004" pitchFamily="50" charset="-127"/>
                 <a:cs typeface="+mj-cs"/>
               </a:rPr>
               <a:t>모터 제어</a:t>
@@ -13541,8 +14980,8 @@
               <a:effectLst/>
               <a:uLnTx/>
               <a:uFillTx/>
-              <a:latin typeface="Arial Narrow" pitchFamily="34" charset="0"/>
-              <a:ea typeface="+mj-ea"/>
+              <a:latin typeface="맑은 고딕" panose="020B0503020000020004" pitchFamily="50" charset="-127"/>
+              <a:ea typeface="맑은 고딕" panose="020B0503020000020004" pitchFamily="50" charset="-127"/>
               <a:cs typeface="+mj-cs"/>
             </a:endParaRPr>
           </a:p>
@@ -13833,25 +15272,32 @@
               <a:defRPr/>
             </a:pPr>
             <a:r>
+              <a:rPr lang="ko-KR" altLang="en-US" kern="0" dirty="0" smtClean="0">
+                <a:latin typeface="Arial Narrow"/>
+                <a:ea typeface="굴림" pitchFamily="50" charset="-127"/>
+              </a:rPr>
+              <a:t>저번시간에 만들었던 회로 </a:t>
+            </a:r>
+            <a:r>
               <a:rPr lang="en-US" altLang="ko-KR" kern="0" dirty="0" smtClean="0">
                 <a:latin typeface="Arial Narrow"/>
                 <a:ea typeface="굴림" pitchFamily="50" charset="-127"/>
               </a:rPr>
-              <a:t>PWM</a:t>
+              <a:t>(</a:t>
             </a:r>
             <a:r>
               <a:rPr lang="ko-KR" altLang="en-US" kern="0" dirty="0" smtClean="0">
                 <a:latin typeface="Arial Narrow"/>
                 <a:ea typeface="굴림" pitchFamily="50" charset="-127"/>
               </a:rPr>
-              <a:t>란</a:t>
+              <a:t>모터 부분만</a:t>
             </a:r>
             <a:r>
               <a:rPr lang="en-US" altLang="ko-KR" kern="0" dirty="0" smtClean="0">
                 <a:latin typeface="Arial Narrow"/>
                 <a:ea typeface="굴림" pitchFamily="50" charset="-127"/>
               </a:rPr>
-              <a:t>?</a:t>
+              <a:t>)</a:t>
             </a:r>
             <a:endParaRPr lang="en-US" altLang="ko-KR" kern="0" dirty="0">
               <a:latin typeface="Arial Narrow"/>
@@ -13862,7 +15308,62 @@
       </p:sp>
       <p:sp>
         <p:nvSpPr>
-          <p:cNvPr id="10" name="Rectangle 3"/>
+          <p:cNvPr id="11" name="Date Placeholder 3"/>
+          <p:cNvSpPr>
+            <a:spLocks noGrp="1"/>
+          </p:cNvSpPr>
+          <p:nvPr>
+            <p:ph type="dt" sz="half" idx="2"/>
+          </p:nvPr>
+        </p:nvSpPr>
+        <p:spPr>
+          <a:xfrm>
+            <a:off x="0" y="6446838"/>
+            <a:ext cx="1749972" cy="411162"/>
+          </a:xfrm>
+        </p:spPr>
+        <p:txBody>
+          <a:bodyPr/>
+          <a:lstStyle/>
+          <a:p>
+            <a:pPr>
+              <a:defRPr/>
+            </a:pPr>
+            <a:r>
+              <a:rPr lang="en-US" altLang="ko-KR" smtClean="0"/>
+              <a:t>SH Park &lt;pajoheji0909@snu.ac.kr&gt;</a:t>
+            </a:r>
+            <a:endParaRPr lang="en-US"/>
+          </a:p>
+        </p:txBody>
+      </p:sp>
+      <p:pic>
+        <p:nvPicPr>
+          <p:cNvPr id="12" name="그림 11"/>
+          <p:cNvPicPr>
+            <a:picLocks noChangeAspect="1"/>
+          </p:cNvPicPr>
+          <p:nvPr/>
+        </p:nvPicPr>
+        <p:blipFill>
+          <a:blip r:embed="rId2"/>
+          <a:stretch>
+            <a:fillRect/>
+          </a:stretch>
+        </p:blipFill>
+        <p:spPr>
+          <a:xfrm>
+            <a:off x="122985" y="1376212"/>
+            <a:ext cx="8892872" cy="5186513"/>
+          </a:xfrm>
+          <a:prstGeom prst="rect">
+            <a:avLst/>
+          </a:prstGeom>
+        </p:spPr>
+      </p:pic>
+      <p:sp>
+        <p:nvSpPr>
+          <p:cNvPr id="13" name="Rectangle 3"/>
           <p:cNvSpPr txBox="1">
             <a:spLocks noChangeArrowheads="1"/>
           </p:cNvSpPr>
@@ -14078,93 +15579,86 @@
               <a:defRPr/>
             </a:pPr>
             <a:r>
+              <a:rPr lang="ko-KR" altLang="en-US" sz="1800" b="0" kern="0" dirty="0" smtClean="0">
+                <a:latin typeface="Arial Narrow"/>
+                <a:ea typeface="굴림" pitchFamily="50" charset="-127"/>
+              </a:rPr>
+              <a:t>모터 </a:t>
+            </a:r>
+            <a:r>
               <a:rPr lang="en-US" altLang="ko-KR" sz="1800" b="0" kern="0" dirty="0" smtClean="0">
                 <a:latin typeface="Arial Narrow"/>
                 <a:ea typeface="굴림" pitchFamily="50" charset="-127"/>
               </a:rPr>
-              <a:t>Descriptions</a:t>
+              <a:t>A: </a:t>
+            </a:r>
+            <a:r>
+              <a:rPr lang="ko-KR" altLang="en-US" sz="1800" b="0" kern="0" dirty="0" smtClean="0">
+                <a:latin typeface="Arial Narrow"/>
+                <a:ea typeface="굴림" pitchFamily="50" charset="-127"/>
+              </a:rPr>
+              <a:t>디지털</a:t>
+            </a:r>
+            <a:r>
+              <a:rPr lang="en-US" altLang="ko-KR" sz="1800" b="0" kern="0" dirty="0" smtClean="0">
+                <a:latin typeface="Arial Narrow"/>
+                <a:ea typeface="굴림" pitchFamily="50" charset="-127"/>
+              </a:rPr>
+              <a:t> </a:t>
+            </a:r>
+            <a:r>
+              <a:rPr lang="ko-KR" altLang="en-US" sz="1800" b="0" kern="0" dirty="0" smtClean="0">
+                <a:latin typeface="Arial Narrow"/>
+                <a:ea typeface="굴림" pitchFamily="50" charset="-127"/>
+              </a:rPr>
+              <a:t>핀</a:t>
+            </a:r>
+            <a:r>
+              <a:rPr lang="en-US" altLang="ko-KR" sz="1800" b="0" kern="0" dirty="0" smtClean="0">
+                <a:latin typeface="Arial Narrow"/>
+                <a:ea typeface="굴림" pitchFamily="50" charset="-127"/>
+              </a:rPr>
+              <a:t>(5,6), </a:t>
+            </a:r>
+            <a:r>
+              <a:rPr lang="ko-KR" altLang="en-US" sz="1800" b="0" kern="0" dirty="0" smtClean="0">
+                <a:latin typeface="Arial Narrow"/>
+                <a:ea typeface="굴림" pitchFamily="50" charset="-127"/>
+              </a:rPr>
+              <a:t>모터 </a:t>
+            </a:r>
+            <a:r>
+              <a:rPr lang="en-US" altLang="ko-KR" sz="1800" b="0" kern="0" dirty="0" smtClean="0">
+                <a:latin typeface="Arial Narrow"/>
+                <a:ea typeface="굴림" pitchFamily="50" charset="-127"/>
+              </a:rPr>
+              <a:t>B: </a:t>
+            </a:r>
+            <a:r>
+              <a:rPr lang="ko-KR" altLang="en-US" sz="1800" b="0" kern="0" dirty="0" smtClean="0">
+                <a:latin typeface="Arial Narrow"/>
+                <a:ea typeface="굴림" pitchFamily="50" charset="-127"/>
+              </a:rPr>
+              <a:t>디지털 핀</a:t>
+            </a:r>
+            <a:r>
+              <a:rPr lang="en-US" altLang="ko-KR" sz="1800" b="0" kern="0" dirty="0" smtClean="0">
+                <a:latin typeface="Arial Narrow"/>
+                <a:ea typeface="굴림" pitchFamily="50" charset="-127"/>
+              </a:rPr>
+              <a:t>(10, 11)</a:t>
             </a:r>
             <a:endParaRPr lang="en-US" altLang="ko-KR" sz="1800" b="0" kern="0" dirty="0">
               <a:latin typeface="Arial Narrow"/>
               <a:ea typeface="굴림" pitchFamily="50" charset="-127"/>
             </a:endParaRPr>
-          </a:p>
-        </p:txBody>
-      </p:sp>
-      <p:sp>
-        <p:nvSpPr>
-          <p:cNvPr id="7" name="Rectangle 20"/>
-          <p:cNvSpPr/>
-          <p:nvPr/>
-        </p:nvSpPr>
-        <p:spPr>
-          <a:xfrm>
-            <a:off x="5923607" y="3108917"/>
-            <a:ext cx="3220393" cy="253916"/>
-          </a:xfrm>
-          <a:prstGeom prst="rect">
-            <a:avLst/>
-          </a:prstGeom>
-        </p:spPr>
-        <p:txBody>
-          <a:bodyPr wrap="square">
-            <a:spAutoFit/>
-          </a:bodyPr>
-          <a:lstStyle/>
-          <a:p>
-            <a:r>
-              <a:rPr lang="en-US" altLang="ko-KR" sz="1050" dirty="0" smtClean="0">
-                <a:solidFill>
-                  <a:schemeClr val="tx1"/>
-                </a:solidFill>
-                <a:latin typeface="Arial Narrow" panose="020B0606020202030204" pitchFamily="34" charset="0"/>
-              </a:rPr>
-              <a:t>Fig. Caption Here</a:t>
-            </a:r>
-            <a:endParaRPr lang="en-US" altLang="ko-KR" sz="1050" dirty="0">
-              <a:solidFill>
-                <a:schemeClr val="tx1"/>
-              </a:solidFill>
-              <a:latin typeface="Arial Narrow" panose="020B0606020202030204" pitchFamily="34" charset="0"/>
-            </a:endParaRPr>
-          </a:p>
-        </p:txBody>
-      </p:sp>
-      <p:sp>
-        <p:nvSpPr>
-          <p:cNvPr id="11" name="Date Placeholder 3"/>
-          <p:cNvSpPr>
-            <a:spLocks noGrp="1"/>
-          </p:cNvSpPr>
-          <p:nvPr>
-            <p:ph type="dt" sz="half" idx="2"/>
-          </p:nvPr>
-        </p:nvSpPr>
-        <p:spPr>
-          <a:xfrm>
-            <a:off x="0" y="6446838"/>
-            <a:ext cx="1749972" cy="411162"/>
-          </a:xfrm>
-        </p:spPr>
-        <p:txBody>
-          <a:bodyPr/>
-          <a:lstStyle/>
-          <a:p>
-            <a:pPr>
-              <a:defRPr/>
-            </a:pPr>
-            <a:r>
-              <a:rPr lang="en-US" altLang="ko-KR" smtClean="0"/>
-              <a:t>SH Park &lt;pajoheji0909@snu.ac.kr&gt;</a:t>
-            </a:r>
-            <a:endParaRPr lang="en-US"/>
           </a:p>
         </p:txBody>
       </p:sp>
     </p:spTree>
     <p:extLst>
       <p:ext uri="{BB962C8B-B14F-4D97-AF65-F5344CB8AC3E}">
-        <p14:creationId xmlns:p14="http://schemas.microsoft.com/office/powerpoint/2010/main" val="3823525998"/>
+        <p14:creationId xmlns:p14="http://schemas.microsoft.com/office/powerpoint/2010/main" val="3509506279"/>
       </p:ext>
     </p:extLst>
   </p:cSld>
@@ -14229,8 +15723,8 @@
                 <a:solidFill>
                   <a:schemeClr val="tx1"/>
                 </a:solidFill>
-                <a:latin typeface="Arial Narrow" pitchFamily="34" charset="0"/>
-                <a:ea typeface="+mj-ea"/>
+                <a:latin typeface="맑은 고딕" panose="020B0503020000020004" pitchFamily="50" charset="-127"/>
+                <a:ea typeface="맑은 고딕" panose="020B0503020000020004" pitchFamily="50" charset="-127"/>
                 <a:cs typeface="+mj-cs"/>
               </a:rPr>
               <a:t>모터 제어</a:t>
@@ -14245,8 +15739,8 @@
               <a:effectLst/>
               <a:uLnTx/>
               <a:uFillTx/>
-              <a:latin typeface="Arial Narrow" pitchFamily="34" charset="0"/>
-              <a:ea typeface="+mj-ea"/>
+              <a:latin typeface="맑은 고딕" panose="020B0503020000020004" pitchFamily="50" charset="-127"/>
+              <a:ea typeface="맑은 고딕" panose="020B0503020000020004" pitchFamily="50" charset="-127"/>
               <a:cs typeface="+mj-cs"/>
             </a:endParaRPr>
           </a:p>
@@ -14811,45 +16305,6 @@
       </p:sp>
       <p:sp>
         <p:nvSpPr>
-          <p:cNvPr id="7" name="Rectangle 20"/>
-          <p:cNvSpPr/>
-          <p:nvPr/>
-        </p:nvSpPr>
-        <p:spPr>
-          <a:xfrm>
-            <a:off x="5923607" y="3108917"/>
-            <a:ext cx="3220393" cy="253916"/>
-          </a:xfrm>
-          <a:prstGeom prst="rect">
-            <a:avLst/>
-          </a:prstGeom>
-        </p:spPr>
-        <p:txBody>
-          <a:bodyPr wrap="square">
-            <a:spAutoFit/>
-          </a:bodyPr>
-          <a:lstStyle/>
-          <a:p>
-            <a:r>
-              <a:rPr lang="en-US" altLang="ko-KR" sz="1050" dirty="0" smtClean="0">
-                <a:solidFill>
-                  <a:schemeClr val="tx1"/>
-                </a:solidFill>
-                <a:latin typeface="Arial Narrow" panose="020B0606020202030204" pitchFamily="34" charset="0"/>
-              </a:rPr>
-              <a:t>Fig. Caption Here</a:t>
-            </a:r>
-            <a:endParaRPr lang="en-US" altLang="ko-KR" sz="1050" dirty="0">
-              <a:solidFill>
-                <a:schemeClr val="tx1"/>
-              </a:solidFill>
-              <a:latin typeface="Arial Narrow" panose="020B0606020202030204" pitchFamily="34" charset="0"/>
-            </a:endParaRPr>
-          </a:p>
-        </p:txBody>
-      </p:sp>
-      <p:sp>
-        <p:nvSpPr>
           <p:cNvPr id="11" name="Date Placeholder 3"/>
           <p:cNvSpPr>
             <a:spLocks noGrp="1"/>
@@ -14879,10 +16334,186 @@
           </a:p>
         </p:txBody>
       </p:sp>
+      <p:pic>
+        <p:nvPicPr>
+          <p:cNvPr id="12" name="그림 11"/>
+          <p:cNvPicPr>
+            <a:picLocks noChangeAspect="1"/>
+          </p:cNvPicPr>
+          <p:nvPr/>
+        </p:nvPicPr>
+        <p:blipFill>
+          <a:blip r:embed="rId2"/>
+          <a:stretch>
+            <a:fillRect/>
+          </a:stretch>
+        </p:blipFill>
+        <p:spPr>
+          <a:xfrm>
+            <a:off x="4529959" y="100390"/>
+            <a:ext cx="4577743" cy="6434688"/>
+          </a:xfrm>
+          <a:prstGeom prst="rect">
+            <a:avLst/>
+          </a:prstGeom>
+        </p:spPr>
+      </p:pic>
+      <p:sp>
+        <p:nvSpPr>
+          <p:cNvPr id="14" name="TextBox 13"/>
+          <p:cNvSpPr txBox="1"/>
+          <p:nvPr/>
+        </p:nvSpPr>
+        <p:spPr bwMode="auto">
+          <a:xfrm flipH="1">
+            <a:off x="5562092" y="2006364"/>
+            <a:ext cx="3403158" cy="400110"/>
+          </a:xfrm>
+          <a:prstGeom prst="rect">
+            <a:avLst/>
+          </a:prstGeom>
+          <a:noFill/>
+          <a:ln w="9525">
+            <a:noFill/>
+            <a:miter lim="800000"/>
+            <a:headEnd/>
+            <a:tailEnd/>
+          </a:ln>
+        </p:spPr>
+        <p:txBody>
+          <a:bodyPr vert="horz" wrap="square" lIns="91440" tIns="45720" rIns="91440" bIns="45720" numCol="1" rtlCol="0" anchor="t" anchorCtr="0" compatLnSpc="1">
+            <a:prstTxWarp prst="textNoShape">
+              <a:avLst/>
+            </a:prstTxWarp>
+            <a:spAutoFit/>
+          </a:bodyPr>
+          <a:lstStyle/>
+          <a:p>
+            <a:pPr marL="0" algn="r">
+              <a:spcBef>
+                <a:spcPct val="20000"/>
+              </a:spcBef>
+              <a:buClr>
+                <a:srgbClr val="9999CC"/>
+              </a:buClr>
+              <a:buSzPct val="80000"/>
+            </a:pPr>
+            <a:r>
+              <a:rPr lang="ko-KR" altLang="en-US" sz="2000" kern="0" dirty="0" smtClean="0">
+                <a:solidFill>
+                  <a:srgbClr val="FF0000"/>
+                </a:solidFill>
+                <a:latin typeface="Arial Narrow" pitchFamily="34" charset="0"/>
+              </a:rPr>
+              <a:t>대소문자 조심</a:t>
+            </a:r>
+            <a:r>
+              <a:rPr lang="en-US" altLang="ko-KR" sz="2000" kern="0" dirty="0" smtClean="0">
+                <a:solidFill>
+                  <a:srgbClr val="FF0000"/>
+                </a:solidFill>
+                <a:latin typeface="Arial Narrow" pitchFamily="34" charset="0"/>
+              </a:rPr>
+              <a:t>!! </a:t>
+            </a:r>
+            <a:r>
+              <a:rPr lang="en-US" altLang="ko-KR" sz="2000" kern="0" dirty="0" err="1" smtClean="0">
+                <a:solidFill>
+                  <a:srgbClr val="FF0000"/>
+                </a:solidFill>
+                <a:latin typeface="Arial Narrow" pitchFamily="34" charset="0"/>
+              </a:rPr>
+              <a:t>pinMode</a:t>
+            </a:r>
+            <a:endParaRPr lang="ko-KR" altLang="en-US" sz="2000" kern="0" dirty="0" smtClean="0">
+              <a:solidFill>
+                <a:srgbClr val="FF0000"/>
+              </a:solidFill>
+              <a:latin typeface="Arial Narrow" pitchFamily="34" charset="0"/>
+            </a:endParaRPr>
+          </a:p>
+        </p:txBody>
+      </p:sp>
+      <p:sp>
+        <p:nvSpPr>
+          <p:cNvPr id="16" name="TextBox 15"/>
+          <p:cNvSpPr txBox="1"/>
+          <p:nvPr/>
+        </p:nvSpPr>
+        <p:spPr bwMode="auto">
+          <a:xfrm>
+            <a:off x="5562092" y="5013383"/>
+            <a:ext cx="3403158" cy="400110"/>
+          </a:xfrm>
+          <a:prstGeom prst="rect">
+            <a:avLst/>
+          </a:prstGeom>
+          <a:noFill/>
+          <a:ln w="9525">
+            <a:noFill/>
+            <a:miter lim="800000"/>
+            <a:headEnd/>
+            <a:tailEnd/>
+          </a:ln>
+        </p:spPr>
+        <p:txBody>
+          <a:bodyPr vert="horz" wrap="square" lIns="91440" tIns="45720" rIns="91440" bIns="45720" numCol="1" rtlCol="0" anchor="t" anchorCtr="0" compatLnSpc="1">
+            <a:prstTxWarp prst="textNoShape">
+              <a:avLst/>
+            </a:prstTxWarp>
+            <a:spAutoFit/>
+          </a:bodyPr>
+          <a:lstStyle/>
+          <a:p>
+            <a:pPr marL="0" algn="r">
+              <a:spcBef>
+                <a:spcPct val="20000"/>
+              </a:spcBef>
+              <a:buClr>
+                <a:srgbClr val="9999CC"/>
+              </a:buClr>
+              <a:buSzPct val="80000"/>
+            </a:pPr>
+            <a:r>
+              <a:rPr lang="ko-KR" altLang="en-US" sz="2000" kern="0" dirty="0" smtClean="0">
+                <a:solidFill>
+                  <a:srgbClr val="FF0000"/>
+                </a:solidFill>
+                <a:latin typeface="Arial Narrow" pitchFamily="34" charset="0"/>
+              </a:rPr>
+              <a:t>대소문자 조심</a:t>
+            </a:r>
+            <a:r>
+              <a:rPr lang="en-US" altLang="ko-KR" sz="2000" kern="0" dirty="0" smtClean="0">
+                <a:solidFill>
+                  <a:srgbClr val="FF0000"/>
+                </a:solidFill>
+                <a:latin typeface="Arial Narrow" pitchFamily="34" charset="0"/>
+              </a:rPr>
+              <a:t>!! </a:t>
+            </a:r>
+            <a:r>
+              <a:rPr lang="en-US" altLang="ko-KR" sz="2000" kern="0" dirty="0" err="1" smtClean="0">
+                <a:solidFill>
+                  <a:srgbClr val="FF0000"/>
+                </a:solidFill>
+                <a:latin typeface="Arial Narrow" pitchFamily="34" charset="0"/>
+              </a:rPr>
+              <a:t>analogWrite</a:t>
+            </a:r>
+            <a:endParaRPr lang="ko-KR" altLang="en-US" sz="2000" kern="0" dirty="0" smtClean="0">
+              <a:solidFill>
+                <a:srgbClr val="FF0000"/>
+              </a:solidFill>
+              <a:latin typeface="Arial Narrow" pitchFamily="34" charset="0"/>
+            </a:endParaRPr>
+          </a:p>
+        </p:txBody>
+      </p:sp>
     </p:spTree>
     <p:extLst>
       <p:ext uri="{BB962C8B-B14F-4D97-AF65-F5344CB8AC3E}">
-        <p14:creationId xmlns:p14="http://schemas.microsoft.com/office/powerpoint/2010/main" val="3509506279"/>
+        <p14:creationId xmlns:p14="http://schemas.microsoft.com/office/powerpoint/2010/main" val="4097578389"/>
       </p:ext>
     </p:extLst>
   </p:cSld>

--- a/PPT/week2.pptx
+++ b/PPT/week2.pptx
@@ -5,10 +5,10 @@
     <p:sldMasterId id="2147483648" r:id="rId1"/>
   </p:sldMasterIdLst>
   <p:notesMasterIdLst>
-    <p:notesMasterId r:id="rId17"/>
+    <p:notesMasterId r:id="rId18"/>
   </p:notesMasterIdLst>
   <p:handoutMasterIdLst>
-    <p:handoutMasterId r:id="rId18"/>
+    <p:handoutMasterId r:id="rId19"/>
   </p:handoutMasterIdLst>
   <p:sldIdLst>
     <p:sldId id="1414" r:id="rId2"/>
@@ -20,12 +20,13 @@
     <p:sldId id="1573" r:id="rId8"/>
     <p:sldId id="1574" r:id="rId9"/>
     <p:sldId id="1582" r:id="rId10"/>
-    <p:sldId id="1576" r:id="rId11"/>
-    <p:sldId id="1577" r:id="rId12"/>
-    <p:sldId id="1578" r:id="rId13"/>
-    <p:sldId id="1579" r:id="rId14"/>
-    <p:sldId id="1580" r:id="rId15"/>
-    <p:sldId id="1566" r:id="rId16"/>
+    <p:sldId id="1583" r:id="rId11"/>
+    <p:sldId id="1576" r:id="rId12"/>
+    <p:sldId id="1577" r:id="rId13"/>
+    <p:sldId id="1578" r:id="rId14"/>
+    <p:sldId id="1579" r:id="rId15"/>
+    <p:sldId id="1580" r:id="rId16"/>
+    <p:sldId id="1566" r:id="rId17"/>
   </p:sldIdLst>
   <p:sldSz cx="9144000" cy="6858000" type="screen4x3"/>
   <p:notesSz cx="9926638" cy="6797675"/>
@@ -172,6 +173,7 @@
             <p14:sldId id="1573"/>
             <p14:sldId id="1574"/>
             <p14:sldId id="1582"/>
+            <p14:sldId id="1583"/>
             <p14:sldId id="1576"/>
             <p14:sldId id="1577"/>
             <p14:sldId id="1578"/>
@@ -2391,6 +2393,29 @@
           <a:chExt cx="0" cy="0"/>
         </a:xfrm>
       </p:grpSpPr>
+      <p:pic>
+        <p:nvPicPr>
+          <p:cNvPr id="2" name="Picture 1"/>
+          <p:cNvPicPr>
+            <a:picLocks noChangeAspect="1"/>
+          </p:cNvPicPr>
+          <p:nvPr/>
+        </p:nvPicPr>
+        <p:blipFill rotWithShape="1">
+          <a:blip r:embed="rId2"/>
+          <a:srcRect b="2593"/>
+          <a:stretch/>
+        </p:blipFill>
+        <p:spPr>
+          <a:xfrm>
+            <a:off x="4473492" y="0"/>
+            <a:ext cx="4667929" cy="6491335"/>
+          </a:xfrm>
+          <a:prstGeom prst="rect">
+            <a:avLst/>
+          </a:prstGeom>
+        </p:spPr>
+      </p:pic>
       <p:sp>
         <p:nvSpPr>
           <p:cNvPr id="5" name="Title 4"/>
@@ -2426,7 +2451,7 @@
                 <a:ea typeface="맑은 고딕" panose="020B0503020000020004" pitchFamily="50" charset="-127"/>
                 <a:cs typeface="+mj-cs"/>
               </a:rPr>
-              <a:t>조도 센서 제어</a:t>
+              <a:t>모터 제어</a:t>
             </a:r>
             <a:endParaRPr kumimoji="0" lang="ko-KR" altLang="en-US" sz="2800" i="1" u="none" strike="noStrike" kern="0" cap="none" spc="0" normalizeH="0" baseline="0" noProof="0" dirty="0">
               <a:ln>
@@ -2730,11 +2755,18 @@
               <a:defRPr/>
             </a:pPr>
             <a:r>
+              <a:rPr lang="en-US" altLang="ko-KR" kern="0" dirty="0" smtClean="0">
+                <a:latin typeface="Arial Narrow"/>
+                <a:ea typeface="굴림" pitchFamily="50" charset="-127"/>
+              </a:rPr>
+              <a:t>PWM</a:t>
+            </a:r>
+            <a:r>
               <a:rPr lang="ko-KR" altLang="en-US" kern="0" dirty="0" smtClean="0">
                 <a:latin typeface="Arial Narrow"/>
                 <a:ea typeface="굴림" pitchFamily="50" charset="-127"/>
               </a:rPr>
-              <a:t>조도센서 </a:t>
+              <a:t>으로 모터 제어해보기 </a:t>
             </a:r>
             <a:r>
               <a:rPr lang="en-US" altLang="ko-KR" kern="0" dirty="0" smtClean="0">
@@ -2744,25 +2776,18 @@
               <a:t>(</a:t>
             </a:r>
             <a:r>
-              <a:rPr lang="ko-KR" altLang="en-US" kern="0" dirty="0" smtClean="0">
-                <a:latin typeface="Arial Narrow"/>
-                <a:ea typeface="굴림" pitchFamily="50" charset="-127"/>
-              </a:rPr>
-              <a:t>디지털</a:t>
+              <a:rPr lang="ko-KR" altLang="en-US" kern="0" dirty="0">
+                <a:latin typeface="Arial Narrow"/>
+                <a:ea typeface="굴림" pitchFamily="50" charset="-127"/>
+              </a:rPr>
+              <a:t>뒤</a:t>
             </a:r>
             <a:r>
               <a:rPr lang="en-US" altLang="ko-KR" kern="0" dirty="0" smtClean="0">
                 <a:latin typeface="Arial Narrow"/>
                 <a:ea typeface="굴림" pitchFamily="50" charset="-127"/>
               </a:rPr>
-              <a:t>) </a:t>
-            </a:r>
-            <a:r>
-              <a:rPr lang="ko-KR" altLang="en-US" kern="0" dirty="0" smtClean="0">
-                <a:latin typeface="Arial Narrow"/>
-                <a:ea typeface="굴림" pitchFamily="50" charset="-127"/>
-              </a:rPr>
-              <a:t>입력 받기</a:t>
+              <a:t>)</a:t>
             </a:r>
             <a:endParaRPr lang="en-US" altLang="ko-KR" kern="0" dirty="0">
               <a:latin typeface="Arial Narrow"/>
@@ -2782,7 +2807,7 @@
         <p:spPr bwMode="auto">
           <a:xfrm>
             <a:off x="0" y="1086605"/>
-            <a:ext cx="8965250" cy="276999"/>
+            <a:ext cx="4387507" cy="4598182"/>
           </a:xfrm>
           <a:prstGeom prst="rect">
             <a:avLst/>
@@ -2989,54 +3014,442 @@
               <a:defRPr/>
             </a:pPr>
             <a:r>
+              <a:rPr lang="ko-KR" altLang="en-US" sz="1800" kern="0" dirty="0" smtClean="0">
+                <a:latin typeface="Arial Narrow"/>
+                <a:ea typeface="굴림" pitchFamily="50" charset="-127"/>
+              </a:rPr>
+              <a:t>코드 설명</a:t>
+            </a:r>
+            <a:endParaRPr lang="en-US" altLang="ko-KR" sz="1800" kern="0" dirty="0">
+              <a:latin typeface="Arial Narrow"/>
+              <a:ea typeface="굴림" pitchFamily="50" charset="-127"/>
+            </a:endParaRPr>
+          </a:p>
+          <a:p>
+            <a:pPr marL="341313" lvl="1" indent="-341313" algn="just" eaLnBrk="1" hangingPunct="1">
+              <a:buClr>
+                <a:srgbClr val="9999CC"/>
+              </a:buClr>
+              <a:defRPr/>
+            </a:pPr>
+            <a:r>
+              <a:rPr lang="ko-KR" altLang="en-US" sz="1800" b="0" kern="0" dirty="0" smtClean="0">
+                <a:latin typeface="Arial Narrow"/>
+                <a:ea typeface="굴림" pitchFamily="50" charset="-127"/>
+              </a:rPr>
+              <a:t>디지털 핀 </a:t>
+            </a:r>
+            <a:r>
               <a:rPr lang="en-US" altLang="ko-KR" sz="1800" b="0" kern="0" dirty="0" smtClean="0">
                 <a:latin typeface="Arial Narrow"/>
                 <a:ea typeface="굴림" pitchFamily="50" charset="-127"/>
               </a:rPr>
-              <a:t>Descriptions</a:t>
+              <a:t>5,6,9,10</a:t>
+            </a:r>
+            <a:r>
+              <a:rPr lang="ko-KR" altLang="en-US" sz="1800" b="0" kern="0" dirty="0" smtClean="0">
+                <a:latin typeface="Arial Narrow"/>
+                <a:ea typeface="굴림" pitchFamily="50" charset="-127"/>
+              </a:rPr>
+              <a:t>을 출력핀으로써 사용</a:t>
             </a:r>
             <a:endParaRPr lang="en-US" altLang="ko-KR" sz="1800" b="0" kern="0" dirty="0">
               <a:latin typeface="Arial Narrow"/>
               <a:ea typeface="굴림" pitchFamily="50" charset="-127"/>
             </a:endParaRPr>
           </a:p>
-        </p:txBody>
-      </p:sp>
-      <p:sp>
-        <p:nvSpPr>
-          <p:cNvPr id="7" name="Rectangle 20"/>
-          <p:cNvSpPr/>
-          <p:nvPr/>
-        </p:nvSpPr>
-        <p:spPr>
-          <a:xfrm>
-            <a:off x="5923607" y="3108917"/>
-            <a:ext cx="3220393" cy="253916"/>
-          </a:xfrm>
-          <a:prstGeom prst="rect">
-            <a:avLst/>
-          </a:prstGeom>
-        </p:spPr>
-        <p:txBody>
-          <a:bodyPr wrap="square">
-            <a:spAutoFit/>
-          </a:bodyPr>
-          <a:lstStyle/>
-          <a:p>
-            <a:r>
-              <a:rPr lang="en-US" altLang="ko-KR" sz="1050" dirty="0" smtClean="0">
-                <a:solidFill>
-                  <a:schemeClr val="tx1"/>
-                </a:solidFill>
-                <a:latin typeface="Arial Narrow" panose="020B0606020202030204" pitchFamily="34" charset="0"/>
-              </a:rPr>
-              <a:t>Fig. Caption Here</a:t>
-            </a:r>
-            <a:endParaRPr lang="en-US" altLang="ko-KR" sz="1050" dirty="0">
-              <a:solidFill>
-                <a:schemeClr val="tx1"/>
-              </a:solidFill>
-              <a:latin typeface="Arial Narrow" panose="020B0606020202030204" pitchFamily="34" charset="0"/>
+          <a:p>
+            <a:pPr marL="341313" lvl="1" indent="-341313" algn="just" eaLnBrk="1" hangingPunct="1">
+              <a:buClr>
+                <a:srgbClr val="9999CC"/>
+              </a:buClr>
+              <a:defRPr/>
+            </a:pPr>
+            <a:r>
+              <a:rPr lang="en-US" altLang="ko-KR" sz="1800" b="0" kern="0" dirty="0" smtClean="0">
+                <a:latin typeface="Arial Narrow"/>
+                <a:ea typeface="굴림" pitchFamily="50" charset="-127"/>
+              </a:rPr>
+              <a:t>6</a:t>
+            </a:r>
+            <a:r>
+              <a:rPr lang="ko-KR" altLang="en-US" sz="1800" b="0" kern="0" dirty="0" smtClean="0">
+                <a:latin typeface="Arial Narrow"/>
+                <a:ea typeface="굴림" pitchFamily="50" charset="-127"/>
+              </a:rPr>
+              <a:t>번핀의 출력값을 </a:t>
+            </a:r>
+            <a:r>
+              <a:rPr lang="en-US" altLang="ko-KR" sz="1800" b="0" kern="0" dirty="0" smtClean="0">
+                <a:latin typeface="Arial Narrow"/>
+                <a:ea typeface="굴림" pitchFamily="50" charset="-127"/>
+              </a:rPr>
+              <a:t>0</a:t>
+            </a:r>
+            <a:r>
+              <a:rPr lang="ko-KR" altLang="en-US" sz="1800" b="0" kern="0" dirty="0" smtClean="0">
+                <a:latin typeface="Arial Narrow"/>
+                <a:ea typeface="굴림" pitchFamily="50" charset="-127"/>
+              </a:rPr>
+              <a:t>부터 </a:t>
+            </a:r>
+            <a:r>
+              <a:rPr lang="en-US" altLang="ko-KR" sz="1800" b="0" kern="0" dirty="0" smtClean="0">
+                <a:latin typeface="Arial Narrow"/>
+                <a:ea typeface="굴림" pitchFamily="50" charset="-127"/>
+              </a:rPr>
+              <a:t>255</a:t>
+            </a:r>
+            <a:r>
+              <a:rPr lang="ko-KR" altLang="en-US" sz="1800" b="0" kern="0" dirty="0" smtClean="0">
+                <a:latin typeface="Arial Narrow"/>
+                <a:ea typeface="굴림" pitchFamily="50" charset="-127"/>
+              </a:rPr>
+              <a:t>까지 크게 해가면서</a:t>
+            </a:r>
+            <a:r>
+              <a:rPr lang="en-US" altLang="ko-KR" sz="1800" b="0" kern="0" dirty="0" smtClean="0">
+                <a:latin typeface="Arial Narrow"/>
+                <a:ea typeface="굴림" pitchFamily="50" charset="-127"/>
+              </a:rPr>
+              <a:t>, </a:t>
+            </a:r>
+            <a:r>
+              <a:rPr lang="ko-KR" altLang="en-US" sz="1800" b="0" kern="0" dirty="0" smtClean="0">
+                <a:latin typeface="Arial Narrow"/>
+                <a:ea typeface="굴림" pitchFamily="50" charset="-127"/>
+              </a:rPr>
+              <a:t>모터 속도를 증가</a:t>
+            </a:r>
+            <a:endParaRPr lang="en-US" altLang="ko-KR" sz="1800" b="0" kern="0" dirty="0" smtClean="0">
+              <a:latin typeface="Arial Narrow"/>
+              <a:ea typeface="굴림" pitchFamily="50" charset="-127"/>
+            </a:endParaRPr>
+          </a:p>
+          <a:p>
+            <a:pPr marL="341313" lvl="1" indent="-341313" algn="just" eaLnBrk="1" hangingPunct="1">
+              <a:buClr>
+                <a:srgbClr val="9999CC"/>
+              </a:buClr>
+              <a:defRPr/>
+            </a:pPr>
+            <a:r>
+              <a:rPr lang="en-US" altLang="ko-KR" sz="1800" b="0" kern="0" dirty="0">
+                <a:latin typeface="Arial Narrow"/>
+                <a:ea typeface="굴림" pitchFamily="50" charset="-127"/>
+              </a:rPr>
+              <a:t>6</a:t>
+            </a:r>
+            <a:r>
+              <a:rPr lang="ko-KR" altLang="en-US" sz="1800" b="0" kern="0" dirty="0" smtClean="0">
+                <a:latin typeface="Arial Narrow"/>
+                <a:ea typeface="굴림" pitchFamily="50" charset="-127"/>
+              </a:rPr>
+              <a:t>번핀의 출력값을 </a:t>
+            </a:r>
+            <a:r>
+              <a:rPr lang="en-US" altLang="ko-KR" sz="1800" b="0" kern="0" dirty="0" smtClean="0">
+                <a:latin typeface="Arial Narrow"/>
+                <a:ea typeface="굴림" pitchFamily="50" charset="-127"/>
+              </a:rPr>
+              <a:t>255</a:t>
+            </a:r>
+            <a:r>
+              <a:rPr lang="ko-KR" altLang="en-US" sz="1800" b="0" kern="0" dirty="0" smtClean="0">
+                <a:latin typeface="Arial Narrow"/>
+                <a:ea typeface="굴림" pitchFamily="50" charset="-127"/>
+              </a:rPr>
+              <a:t>에서 </a:t>
+            </a:r>
+            <a:r>
+              <a:rPr lang="en-US" altLang="ko-KR" sz="1800" b="0" kern="0" dirty="0" smtClean="0">
+                <a:latin typeface="Arial Narrow"/>
+                <a:ea typeface="굴림" pitchFamily="50" charset="-127"/>
+              </a:rPr>
+              <a:t>0</a:t>
+            </a:r>
+            <a:r>
+              <a:rPr lang="ko-KR" altLang="en-US" sz="1800" b="0" kern="0" dirty="0" smtClean="0">
+                <a:latin typeface="Arial Narrow"/>
+                <a:ea typeface="굴림" pitchFamily="50" charset="-127"/>
+              </a:rPr>
+              <a:t>까지 작게 해가면서</a:t>
+            </a:r>
+            <a:r>
+              <a:rPr lang="en-US" altLang="ko-KR" sz="1800" b="0" kern="0" dirty="0" smtClean="0">
+                <a:latin typeface="Arial Narrow"/>
+                <a:ea typeface="굴림" pitchFamily="50" charset="-127"/>
+              </a:rPr>
+              <a:t>, </a:t>
+            </a:r>
+            <a:r>
+              <a:rPr lang="ko-KR" altLang="en-US" sz="1800" b="0" kern="0" dirty="0" smtClean="0">
+                <a:latin typeface="Arial Narrow"/>
+                <a:ea typeface="굴림" pitchFamily="50" charset="-127"/>
+              </a:rPr>
+              <a:t>모터 속도를 감소</a:t>
+            </a:r>
+            <a:endParaRPr lang="en-US" altLang="ko-KR" sz="1800" b="0" kern="0" dirty="0" smtClean="0">
+              <a:latin typeface="Arial Narrow"/>
+              <a:ea typeface="굴림" pitchFamily="50" charset="-127"/>
+            </a:endParaRPr>
+          </a:p>
+          <a:p>
+            <a:pPr marL="0" lvl="1" indent="0" algn="just" eaLnBrk="1" hangingPunct="1">
+              <a:buClr>
+                <a:srgbClr val="9999CC"/>
+              </a:buClr>
+              <a:buNone/>
+              <a:defRPr/>
+            </a:pPr>
+            <a:r>
+              <a:rPr lang="en-US" altLang="ko-KR" sz="1800" b="0" kern="0" dirty="0" smtClean="0">
+                <a:latin typeface="Arial Narrow"/>
+                <a:ea typeface="굴림" pitchFamily="50" charset="-127"/>
+              </a:rPr>
+              <a:t>(6</a:t>
+            </a:r>
+            <a:r>
+              <a:rPr lang="ko-KR" altLang="en-US" sz="1800" b="0" kern="0" dirty="0" smtClean="0">
+                <a:latin typeface="Arial Narrow"/>
+                <a:ea typeface="굴림" pitchFamily="50" charset="-127"/>
+              </a:rPr>
+              <a:t>번 핀이 차의 왼</a:t>
+            </a:r>
+            <a:r>
+              <a:rPr lang="en-US" altLang="ko-KR" sz="1800" b="0" kern="0" dirty="0" smtClean="0">
+                <a:latin typeface="Arial Narrow"/>
+                <a:ea typeface="굴림" pitchFamily="50" charset="-127"/>
+              </a:rPr>
+              <a:t>/</a:t>
+            </a:r>
+            <a:r>
+              <a:rPr lang="ko-KR" altLang="en-US" sz="1800" b="0" kern="0" dirty="0" smtClean="0">
+                <a:latin typeface="Arial Narrow"/>
+                <a:ea typeface="굴림" pitchFamily="50" charset="-127"/>
+              </a:rPr>
+              <a:t>오른쪽 모터의 전진인지 후진인지 판별 가능</a:t>
+            </a:r>
+            <a:r>
+              <a:rPr lang="en-US" altLang="ko-KR" sz="1800" b="0" kern="0" dirty="0" smtClean="0">
+                <a:latin typeface="Arial Narrow"/>
+                <a:ea typeface="굴림" pitchFamily="50" charset="-127"/>
+              </a:rPr>
+              <a:t>!)</a:t>
+            </a:r>
+          </a:p>
+          <a:p>
+            <a:pPr marL="341313" lvl="1" indent="-341313" algn="just" eaLnBrk="1" hangingPunct="1">
+              <a:buClr>
+                <a:srgbClr val="9999CC"/>
+              </a:buClr>
+              <a:defRPr/>
+            </a:pPr>
+            <a:r>
+              <a:rPr lang="en-US" altLang="ko-KR" sz="1800" b="0" kern="0" dirty="0" smtClean="0">
+                <a:latin typeface="Arial Narrow"/>
+                <a:ea typeface="굴림" pitchFamily="50" charset="-127"/>
+              </a:rPr>
+              <a:t>10</a:t>
+            </a:r>
+            <a:r>
+              <a:rPr lang="ko-KR" altLang="en-US" sz="1800" b="0" kern="0" dirty="0" smtClean="0">
+                <a:latin typeface="Arial Narrow"/>
+                <a:ea typeface="굴림" pitchFamily="50" charset="-127"/>
+              </a:rPr>
+              <a:t>번핀의 </a:t>
+            </a:r>
+            <a:r>
+              <a:rPr lang="ko-KR" altLang="en-US" sz="1800" b="0" kern="0" dirty="0">
+                <a:latin typeface="Arial Narrow"/>
+                <a:ea typeface="굴림" pitchFamily="50" charset="-127"/>
+              </a:rPr>
+              <a:t>출력값을 </a:t>
+            </a:r>
+            <a:r>
+              <a:rPr lang="en-US" altLang="ko-KR" sz="1800" b="0" kern="0" dirty="0">
+                <a:latin typeface="Arial Narrow"/>
+                <a:ea typeface="굴림" pitchFamily="50" charset="-127"/>
+              </a:rPr>
+              <a:t>0</a:t>
+            </a:r>
+            <a:r>
+              <a:rPr lang="ko-KR" altLang="en-US" sz="1800" b="0" kern="0" dirty="0">
+                <a:latin typeface="Arial Narrow"/>
+                <a:ea typeface="굴림" pitchFamily="50" charset="-127"/>
+              </a:rPr>
+              <a:t>부터 </a:t>
+            </a:r>
+            <a:r>
+              <a:rPr lang="en-US" altLang="ko-KR" sz="1800" b="0" kern="0" dirty="0">
+                <a:latin typeface="Arial Narrow"/>
+                <a:ea typeface="굴림" pitchFamily="50" charset="-127"/>
+              </a:rPr>
+              <a:t>255</a:t>
+            </a:r>
+            <a:r>
+              <a:rPr lang="ko-KR" altLang="en-US" sz="1800" b="0" kern="0" dirty="0">
+                <a:latin typeface="Arial Narrow"/>
+                <a:ea typeface="굴림" pitchFamily="50" charset="-127"/>
+              </a:rPr>
+              <a:t>까지 크게 해가면서</a:t>
+            </a:r>
+            <a:r>
+              <a:rPr lang="en-US" altLang="ko-KR" sz="1800" b="0" kern="0" dirty="0">
+                <a:latin typeface="Arial Narrow"/>
+                <a:ea typeface="굴림" pitchFamily="50" charset="-127"/>
+              </a:rPr>
+              <a:t>, </a:t>
+            </a:r>
+            <a:r>
+              <a:rPr lang="ko-KR" altLang="en-US" sz="1800" b="0" kern="0" dirty="0">
+                <a:latin typeface="Arial Narrow"/>
+                <a:ea typeface="굴림" pitchFamily="50" charset="-127"/>
+              </a:rPr>
+              <a:t>모터 속도를 증가</a:t>
+            </a:r>
+            <a:endParaRPr lang="en-US" altLang="ko-KR" sz="1800" b="0" kern="0" dirty="0">
+              <a:latin typeface="Arial Narrow"/>
+              <a:ea typeface="굴림" pitchFamily="50" charset="-127"/>
+            </a:endParaRPr>
+          </a:p>
+          <a:p>
+            <a:pPr marL="341313" lvl="1" indent="-341313" algn="just" eaLnBrk="1" hangingPunct="1">
+              <a:buClr>
+                <a:srgbClr val="9999CC"/>
+              </a:buClr>
+              <a:defRPr/>
+            </a:pPr>
+            <a:r>
+              <a:rPr lang="en-US" altLang="ko-KR" sz="1800" b="0" kern="0" dirty="0" smtClean="0">
+                <a:latin typeface="Arial Narrow"/>
+                <a:ea typeface="굴림" pitchFamily="50" charset="-127"/>
+              </a:rPr>
+              <a:t>10</a:t>
+            </a:r>
+            <a:r>
+              <a:rPr lang="ko-KR" altLang="en-US" sz="1800" b="0" kern="0" dirty="0" smtClean="0">
+                <a:latin typeface="Arial Narrow"/>
+                <a:ea typeface="굴림" pitchFamily="50" charset="-127"/>
+              </a:rPr>
+              <a:t>번핀의 </a:t>
+            </a:r>
+            <a:r>
+              <a:rPr lang="ko-KR" altLang="en-US" sz="1800" b="0" kern="0" dirty="0">
+                <a:latin typeface="Arial Narrow"/>
+                <a:ea typeface="굴림" pitchFamily="50" charset="-127"/>
+              </a:rPr>
+              <a:t>출력값을 </a:t>
+            </a:r>
+            <a:r>
+              <a:rPr lang="en-US" altLang="ko-KR" sz="1800" b="0" kern="0" dirty="0">
+                <a:latin typeface="Arial Narrow"/>
+                <a:ea typeface="굴림" pitchFamily="50" charset="-127"/>
+              </a:rPr>
+              <a:t>255</a:t>
+            </a:r>
+            <a:r>
+              <a:rPr lang="ko-KR" altLang="en-US" sz="1800" b="0" kern="0" dirty="0">
+                <a:latin typeface="Arial Narrow"/>
+                <a:ea typeface="굴림" pitchFamily="50" charset="-127"/>
+              </a:rPr>
+              <a:t>에서 </a:t>
+            </a:r>
+            <a:r>
+              <a:rPr lang="en-US" altLang="ko-KR" sz="1800" b="0" kern="0" dirty="0">
+                <a:latin typeface="Arial Narrow"/>
+                <a:ea typeface="굴림" pitchFamily="50" charset="-127"/>
+              </a:rPr>
+              <a:t>0</a:t>
+            </a:r>
+            <a:r>
+              <a:rPr lang="ko-KR" altLang="en-US" sz="1800" b="0" kern="0" dirty="0">
+                <a:latin typeface="Arial Narrow"/>
+                <a:ea typeface="굴림" pitchFamily="50" charset="-127"/>
+              </a:rPr>
+              <a:t>까지 작게 해가면서</a:t>
+            </a:r>
+            <a:r>
+              <a:rPr lang="en-US" altLang="ko-KR" sz="1800" b="0" kern="0" dirty="0">
+                <a:latin typeface="Arial Narrow"/>
+                <a:ea typeface="굴림" pitchFamily="50" charset="-127"/>
+              </a:rPr>
+              <a:t>, </a:t>
+            </a:r>
+            <a:r>
+              <a:rPr lang="ko-KR" altLang="en-US" sz="1800" b="0" kern="0" dirty="0">
+                <a:latin typeface="Arial Narrow"/>
+                <a:ea typeface="굴림" pitchFamily="50" charset="-127"/>
+              </a:rPr>
+              <a:t>모터 속도를 감소</a:t>
+            </a:r>
+            <a:endParaRPr lang="en-US" altLang="ko-KR" sz="1800" b="0" kern="0" dirty="0">
+              <a:latin typeface="Arial Narrow"/>
+              <a:ea typeface="굴림" pitchFamily="50" charset="-127"/>
+            </a:endParaRPr>
+          </a:p>
+          <a:p>
+            <a:pPr marL="0" lvl="1" indent="0" algn="just" eaLnBrk="1" hangingPunct="1">
+              <a:buClr>
+                <a:srgbClr val="9999CC"/>
+              </a:buClr>
+              <a:buNone/>
+              <a:defRPr/>
+            </a:pPr>
+            <a:r>
+              <a:rPr lang="en-US" altLang="ko-KR" sz="1800" b="0" kern="0" dirty="0" smtClean="0">
+                <a:latin typeface="Arial Narrow"/>
+                <a:ea typeface="굴림" pitchFamily="50" charset="-127"/>
+              </a:rPr>
+              <a:t>(10</a:t>
+            </a:r>
+            <a:r>
+              <a:rPr lang="ko-KR" altLang="en-US" sz="1800" b="0" kern="0" dirty="0" smtClean="0">
+                <a:latin typeface="Arial Narrow"/>
+                <a:ea typeface="굴림" pitchFamily="50" charset="-127"/>
+              </a:rPr>
+              <a:t>번 </a:t>
+            </a:r>
+            <a:r>
+              <a:rPr lang="ko-KR" altLang="en-US" sz="1800" b="0" kern="0" dirty="0">
+                <a:latin typeface="Arial Narrow"/>
+                <a:ea typeface="굴림" pitchFamily="50" charset="-127"/>
+              </a:rPr>
+              <a:t>핀이 차의 왼</a:t>
+            </a:r>
+            <a:r>
+              <a:rPr lang="en-US" altLang="ko-KR" sz="1800" b="0" kern="0" dirty="0">
+                <a:latin typeface="Arial Narrow"/>
+                <a:ea typeface="굴림" pitchFamily="50" charset="-127"/>
+              </a:rPr>
+              <a:t>/</a:t>
+            </a:r>
+            <a:r>
+              <a:rPr lang="ko-KR" altLang="en-US" sz="1800" b="0" kern="0" dirty="0">
+                <a:latin typeface="Arial Narrow"/>
+                <a:ea typeface="굴림" pitchFamily="50" charset="-127"/>
+              </a:rPr>
+              <a:t>오른쪽 모터의 전진인지 후진인지 판별 가능</a:t>
+            </a:r>
+            <a:r>
+              <a:rPr lang="en-US" altLang="ko-KR" sz="1800" b="0" kern="0" dirty="0">
+                <a:latin typeface="Arial Narrow"/>
+                <a:ea typeface="굴림" pitchFamily="50" charset="-127"/>
+              </a:rPr>
+              <a:t>!)</a:t>
+            </a:r>
+          </a:p>
+          <a:p>
+            <a:pPr marL="0" lvl="1" indent="0" algn="just" eaLnBrk="1" hangingPunct="1">
+              <a:buClr>
+                <a:srgbClr val="9999CC"/>
+              </a:buClr>
+              <a:buNone/>
+              <a:defRPr/>
+            </a:pPr>
+            <a:endParaRPr lang="en-US" altLang="ko-KR" sz="1800" b="0" kern="0" dirty="0">
+              <a:latin typeface="Arial Narrow"/>
+              <a:ea typeface="굴림" pitchFamily="50" charset="-127"/>
             </a:endParaRPr>
           </a:p>
         </p:txBody>
@@ -3072,10 +3485,162 @@
           </a:p>
         </p:txBody>
       </p:sp>
+      <p:sp>
+        <p:nvSpPr>
+          <p:cNvPr id="14" name="TextBox 13"/>
+          <p:cNvSpPr txBox="1"/>
+          <p:nvPr/>
+        </p:nvSpPr>
+        <p:spPr bwMode="auto">
+          <a:xfrm flipH="1">
+            <a:off x="5562092" y="2006364"/>
+            <a:ext cx="3403158" cy="400110"/>
+          </a:xfrm>
+          <a:prstGeom prst="rect">
+            <a:avLst/>
+          </a:prstGeom>
+          <a:noFill/>
+          <a:ln w="9525">
+            <a:noFill/>
+            <a:miter lim="800000"/>
+            <a:headEnd/>
+            <a:tailEnd/>
+          </a:ln>
+        </p:spPr>
+        <p:txBody>
+          <a:bodyPr vert="horz" wrap="square" lIns="91440" tIns="45720" rIns="91440" bIns="45720" numCol="1" rtlCol="0" anchor="t" anchorCtr="0" compatLnSpc="1">
+            <a:prstTxWarp prst="textNoShape">
+              <a:avLst/>
+            </a:prstTxWarp>
+            <a:spAutoFit/>
+          </a:bodyPr>
+          <a:lstStyle/>
+          <a:p>
+            <a:pPr marL="0" algn="r">
+              <a:spcBef>
+                <a:spcPct val="20000"/>
+              </a:spcBef>
+              <a:buClr>
+                <a:srgbClr val="9999CC"/>
+              </a:buClr>
+              <a:buSzPct val="80000"/>
+            </a:pPr>
+            <a:r>
+              <a:rPr lang="ko-KR" altLang="en-US" sz="2000" kern="0" dirty="0" smtClean="0">
+                <a:solidFill>
+                  <a:srgbClr val="FF0000"/>
+                </a:solidFill>
+                <a:latin typeface="Arial Narrow" pitchFamily="34" charset="0"/>
+              </a:rPr>
+              <a:t>대소문자 조심</a:t>
+            </a:r>
+            <a:r>
+              <a:rPr lang="en-US" altLang="ko-KR" sz="2000" kern="0" dirty="0" smtClean="0">
+                <a:solidFill>
+                  <a:srgbClr val="FF0000"/>
+                </a:solidFill>
+                <a:latin typeface="Arial Narrow" pitchFamily="34" charset="0"/>
+              </a:rPr>
+              <a:t>!! </a:t>
+            </a:r>
+            <a:r>
+              <a:rPr lang="en-US" altLang="ko-KR" sz="2000" kern="0" dirty="0" err="1" smtClean="0">
+                <a:solidFill>
+                  <a:srgbClr val="FF0000"/>
+                </a:solidFill>
+                <a:latin typeface="Arial Narrow" pitchFamily="34" charset="0"/>
+              </a:rPr>
+              <a:t>pinMode</a:t>
+            </a:r>
+            <a:endParaRPr lang="ko-KR" altLang="en-US" sz="2000" kern="0" dirty="0" smtClean="0">
+              <a:solidFill>
+                <a:srgbClr val="FF0000"/>
+              </a:solidFill>
+              <a:latin typeface="Arial Narrow" pitchFamily="34" charset="0"/>
+            </a:endParaRPr>
+          </a:p>
+        </p:txBody>
+      </p:sp>
+      <p:sp>
+        <p:nvSpPr>
+          <p:cNvPr id="16" name="TextBox 15"/>
+          <p:cNvSpPr txBox="1"/>
+          <p:nvPr/>
+        </p:nvSpPr>
+        <p:spPr bwMode="auto">
+          <a:xfrm>
+            <a:off x="5562092" y="5013383"/>
+            <a:ext cx="3403158" cy="400110"/>
+          </a:xfrm>
+          <a:prstGeom prst="rect">
+            <a:avLst/>
+          </a:prstGeom>
+          <a:noFill/>
+          <a:ln w="9525">
+            <a:noFill/>
+            <a:miter lim="800000"/>
+            <a:headEnd/>
+            <a:tailEnd/>
+          </a:ln>
+        </p:spPr>
+        <p:txBody>
+          <a:bodyPr vert="horz" wrap="square" lIns="91440" tIns="45720" rIns="91440" bIns="45720" numCol="1" rtlCol="0" anchor="t" anchorCtr="0" compatLnSpc="1">
+            <a:prstTxWarp prst="textNoShape">
+              <a:avLst/>
+            </a:prstTxWarp>
+            <a:spAutoFit/>
+          </a:bodyPr>
+          <a:lstStyle/>
+          <a:p>
+            <a:pPr marL="0" algn="r">
+              <a:spcBef>
+                <a:spcPct val="20000"/>
+              </a:spcBef>
+              <a:buClr>
+                <a:srgbClr val="9999CC"/>
+              </a:buClr>
+              <a:buSzPct val="80000"/>
+            </a:pPr>
+            <a:r>
+              <a:rPr lang="ko-KR" altLang="en-US" sz="2000" kern="0" dirty="0" smtClean="0">
+                <a:solidFill>
+                  <a:srgbClr val="FF0000"/>
+                </a:solidFill>
+                <a:latin typeface="Arial Narrow" pitchFamily="34" charset="0"/>
+              </a:rPr>
+              <a:t>대소문자 조심</a:t>
+            </a:r>
+            <a:r>
+              <a:rPr lang="en-US" altLang="ko-KR" sz="2000" kern="0" dirty="0" smtClean="0">
+                <a:solidFill>
+                  <a:srgbClr val="FF0000"/>
+                </a:solidFill>
+                <a:latin typeface="Arial Narrow" pitchFamily="34" charset="0"/>
+              </a:rPr>
+              <a:t>!! </a:t>
+            </a:r>
+            <a:r>
+              <a:rPr lang="en-US" altLang="ko-KR" sz="2000" kern="0" dirty="0" err="1" smtClean="0">
+                <a:solidFill>
+                  <a:srgbClr val="FF0000"/>
+                </a:solidFill>
+                <a:latin typeface="Arial Narrow" pitchFamily="34" charset="0"/>
+              </a:rPr>
+              <a:t>analogWrite</a:t>
+            </a:r>
+            <a:endParaRPr lang="ko-KR" altLang="en-US" sz="2000" kern="0" dirty="0" smtClean="0">
+              <a:solidFill>
+                <a:srgbClr val="FF0000"/>
+              </a:solidFill>
+              <a:latin typeface="Arial Narrow" pitchFamily="34" charset="0"/>
+            </a:endParaRPr>
+          </a:p>
+        </p:txBody>
+      </p:sp>
     </p:spTree>
     <p:extLst>
       <p:ext uri="{BB962C8B-B14F-4D97-AF65-F5344CB8AC3E}">
-        <p14:creationId xmlns:p14="http://schemas.microsoft.com/office/powerpoint/2010/main" val="1326045151"/>
+        <p14:creationId xmlns:p14="http://schemas.microsoft.com/office/powerpoint/2010/main" val="6373580"/>
       </p:ext>
     </p:extLst>
   </p:cSld>
@@ -3136,21 +3701,29 @@
               <a:defRPr/>
             </a:pPr>
             <a:r>
-              <a:rPr lang="ko-KR" altLang="en-US" sz="2800" i="1" kern="0" dirty="0">
+              <a:rPr lang="ko-KR" altLang="en-US" sz="2800" i="1" kern="0" dirty="0" smtClean="0">
                 <a:solidFill>
                   <a:schemeClr val="tx1"/>
                 </a:solidFill>
                 <a:latin typeface="맑은 고딕" panose="020B0503020000020004" pitchFamily="50" charset="-127"/>
                 <a:ea typeface="맑은 고딕" panose="020B0503020000020004" pitchFamily="50" charset="-127"/>
+                <a:cs typeface="+mj-cs"/>
               </a:rPr>
               <a:t>조도 센서 제어</a:t>
             </a:r>
-            <a:endParaRPr lang="ko-KR" altLang="en-US" sz="2800" i="1" kern="0" dirty="0">
+            <a:endParaRPr kumimoji="0" lang="ko-KR" altLang="en-US" sz="2800" i="1" u="none" strike="noStrike" kern="0" cap="none" spc="0" normalizeH="0" baseline="0" noProof="0" dirty="0">
+              <a:ln>
+                <a:noFill/>
+              </a:ln>
               <a:solidFill>
                 <a:srgbClr val="F17733"/>
               </a:solidFill>
+              <a:effectLst/>
+              <a:uLnTx/>
+              <a:uFillTx/>
               <a:latin typeface="맑은 고딕" panose="020B0503020000020004" pitchFamily="50" charset="-127"/>
               <a:ea typeface="맑은 고딕" panose="020B0503020000020004" pitchFamily="50" charset="-127"/>
+              <a:cs typeface="+mj-cs"/>
             </a:endParaRPr>
           </a:p>
         </p:txBody>
@@ -3458,7 +4031,7 @@
                 <a:latin typeface="Arial Narrow"/>
                 <a:ea typeface="굴림" pitchFamily="50" charset="-127"/>
               </a:rPr>
-              <a:t>아날로그</a:t>
+              <a:t>디지털</a:t>
             </a:r>
             <a:r>
               <a:rPr lang="en-US" altLang="ko-KR" kern="0" dirty="0" smtClean="0">
@@ -3785,7 +4358,7 @@
     </p:spTree>
     <p:extLst>
       <p:ext uri="{BB962C8B-B14F-4D97-AF65-F5344CB8AC3E}">
-        <p14:creationId xmlns:p14="http://schemas.microsoft.com/office/powerpoint/2010/main" val="330289458"/>
+        <p14:creationId xmlns:p14="http://schemas.microsoft.com/office/powerpoint/2010/main" val="1326045151"/>
       </p:ext>
     </p:extLst>
   </p:cSld>
@@ -3846,14 +4419,14 @@
               <a:defRPr/>
             </a:pPr>
             <a:r>
-              <a:rPr lang="ko-KR" altLang="en-US" sz="2800" i="1" kern="0" dirty="0" smtClean="0">
+              <a:rPr lang="ko-KR" altLang="en-US" sz="2800" i="1" kern="0" dirty="0">
                 <a:solidFill>
                   <a:schemeClr val="tx1"/>
                 </a:solidFill>
                 <a:latin typeface="맑은 고딕" panose="020B0503020000020004" pitchFamily="50" charset="-127"/>
                 <a:ea typeface="맑은 고딕" panose="020B0503020000020004" pitchFamily="50" charset="-127"/>
               </a:rPr>
-              <a:t>자율주행 자동차 소개</a:t>
+              <a:t>조도 센서 제어</a:t>
             </a:r>
             <a:endParaRPr lang="ko-KR" altLang="en-US" sz="2800" i="1" kern="0" dirty="0">
               <a:solidFill>
@@ -4154,7 +4727,35 @@
                 <a:latin typeface="Arial Narrow"/>
                 <a:ea typeface="굴림" pitchFamily="50" charset="-127"/>
               </a:rPr>
-              <a:t>일반적인 자율주행 자동차</a:t>
+              <a:t>조도센서 </a:t>
+            </a:r>
+            <a:r>
+              <a:rPr lang="en-US" altLang="ko-KR" kern="0" dirty="0" smtClean="0">
+                <a:latin typeface="Arial Narrow"/>
+                <a:ea typeface="굴림" pitchFamily="50" charset="-127"/>
+              </a:rPr>
+              <a:t>(</a:t>
+            </a:r>
+            <a:r>
+              <a:rPr lang="ko-KR" altLang="en-US" kern="0" dirty="0" smtClean="0">
+                <a:latin typeface="Arial Narrow"/>
+                <a:ea typeface="굴림" pitchFamily="50" charset="-127"/>
+              </a:rPr>
+              <a:t>아날로그</a:t>
+            </a:r>
+            <a:r>
+              <a:rPr lang="en-US" altLang="ko-KR" kern="0" dirty="0" smtClean="0">
+                <a:latin typeface="Arial Narrow"/>
+                <a:ea typeface="굴림" pitchFamily="50" charset="-127"/>
+              </a:rPr>
+              <a:t>) </a:t>
+            </a:r>
+            <a:r>
+              <a:rPr lang="ko-KR" altLang="en-US" kern="0" dirty="0" smtClean="0">
+                <a:latin typeface="Arial Narrow"/>
+                <a:ea typeface="굴림" pitchFamily="50" charset="-127"/>
+              </a:rPr>
+              <a:t>입력 받기</a:t>
             </a:r>
             <a:endParaRPr lang="en-US" altLang="ko-KR" kern="0" dirty="0">
               <a:latin typeface="Arial Narrow"/>
@@ -4467,7 +5068,7 @@
     </p:spTree>
     <p:extLst>
       <p:ext uri="{BB962C8B-B14F-4D97-AF65-F5344CB8AC3E}">
-        <p14:creationId xmlns:p14="http://schemas.microsoft.com/office/powerpoint/2010/main" val="3595885732"/>
+        <p14:creationId xmlns:p14="http://schemas.microsoft.com/office/powerpoint/2010/main" val="330289458"/>
       </p:ext>
     </p:extLst>
   </p:cSld>
@@ -5149,7 +5750,7 @@
     </p:spTree>
     <p:extLst>
       <p:ext uri="{BB962C8B-B14F-4D97-AF65-F5344CB8AC3E}">
-        <p14:creationId xmlns:p14="http://schemas.microsoft.com/office/powerpoint/2010/main" val="1363480139"/>
+        <p14:creationId xmlns:p14="http://schemas.microsoft.com/office/powerpoint/2010/main" val="3595885732"/>
       </p:ext>
     </p:extLst>
   </p:cSld>
@@ -5217,7 +5818,7 @@
                 <a:latin typeface="맑은 고딕" panose="020B0503020000020004" pitchFamily="50" charset="-127"/>
                 <a:ea typeface="맑은 고딕" panose="020B0503020000020004" pitchFamily="50" charset="-127"/>
               </a:rPr>
-              <a:t>자율주행 자동차 기본 원리</a:t>
+              <a:t>자율주행 자동차 소개</a:t>
             </a:r>
             <a:endParaRPr lang="ko-KR" altLang="en-US" sz="2800" i="1" kern="0" dirty="0">
               <a:solidFill>
@@ -5518,21 +6119,7 @@
                 <a:latin typeface="Arial Narrow"/>
                 <a:ea typeface="굴림" pitchFamily="50" charset="-127"/>
               </a:rPr>
-              <a:t>조도센서 </a:t>
-            </a:r>
-            <a:r>
-              <a:rPr lang="en-US" altLang="ko-KR" kern="0" dirty="0" smtClean="0">
-                <a:latin typeface="Arial Narrow"/>
-                <a:ea typeface="굴림" pitchFamily="50" charset="-127"/>
-              </a:rPr>
-              <a:t>+ </a:t>
-            </a:r>
-            <a:r>
-              <a:rPr lang="ko-KR" altLang="en-US" kern="0" dirty="0" smtClean="0">
-                <a:latin typeface="Arial Narrow"/>
-                <a:ea typeface="굴림" pitchFamily="50" charset="-127"/>
-              </a:rPr>
-              <a:t>모터 제어를 통한 트랙킹 로봇</a:t>
+              <a:t>일반적인 자율주행 자동차</a:t>
             </a:r>
             <a:endParaRPr lang="en-US" altLang="ko-KR" kern="0" dirty="0">
               <a:latin typeface="Arial Narrow"/>
@@ -5845,7 +6432,7 @@
     </p:spTree>
     <p:extLst>
       <p:ext uri="{BB962C8B-B14F-4D97-AF65-F5344CB8AC3E}">
-        <p14:creationId xmlns:p14="http://schemas.microsoft.com/office/powerpoint/2010/main" val="3340508660"/>
+        <p14:creationId xmlns:p14="http://schemas.microsoft.com/office/powerpoint/2010/main" val="1363480139"/>
       </p:ext>
     </p:extLst>
   </p:cSld>
@@ -5906,29 +6493,21 @@
               <a:defRPr/>
             </a:pPr>
             <a:r>
-              <a:rPr lang="ko-KR" altLang="en-US" sz="2800" i="1" kern="0" dirty="0" err="1" smtClean="0">
+              <a:rPr lang="ko-KR" altLang="en-US" sz="2800" i="1" kern="0" dirty="0" smtClean="0">
                 <a:solidFill>
                   <a:schemeClr val="tx1"/>
                 </a:solidFill>
                 <a:latin typeface="맑은 고딕" panose="020B0503020000020004" pitchFamily="50" charset="-127"/>
                 <a:ea typeface="맑은 고딕" panose="020B0503020000020004" pitchFamily="50" charset="-127"/>
-                <a:cs typeface="+mj-cs"/>
-              </a:rPr>
-              <a:t>ㅁ</a:t>
-            </a:r>
-            <a:endParaRPr kumimoji="0" lang="ko-KR" altLang="en-US" sz="2800" i="1" u="none" strike="noStrike" kern="0" cap="none" spc="0" normalizeH="0" baseline="0" noProof="0" dirty="0">
-              <a:ln>
-                <a:noFill/>
-              </a:ln>
+              </a:rPr>
+              <a:t>자율주행 자동차 기본 원리</a:t>
+            </a:r>
+            <a:endParaRPr lang="ko-KR" altLang="en-US" sz="2800" i="1" kern="0" dirty="0">
               <a:solidFill>
                 <a:srgbClr val="F17733"/>
               </a:solidFill>
-              <a:effectLst/>
-              <a:uLnTx/>
-              <a:uFillTx/>
               <a:latin typeface="맑은 고딕" panose="020B0503020000020004" pitchFamily="50" charset="-127"/>
               <a:ea typeface="맑은 고딕" panose="020B0503020000020004" pitchFamily="50" charset="-127"/>
-              <a:cs typeface="+mj-cs"/>
             </a:endParaRPr>
           </a:p>
         </p:txBody>
@@ -5957,6 +6536,710 @@
                 <a:defRPr/>
               </a:pPr>
               <a:t>15</a:t>
+            </a:fld>
+            <a:r>
+              <a:rPr lang="en-US"/>
+              <a:t>/4</a:t>
+            </a:r>
+            <a:endParaRPr lang="en-US" dirty="0"/>
+          </a:p>
+        </p:txBody>
+      </p:sp>
+      <p:sp>
+        <p:nvSpPr>
+          <p:cNvPr id="8" name="Footer Placeholder 9"/>
+          <p:cNvSpPr>
+            <a:spLocks noGrp="1"/>
+          </p:cNvSpPr>
+          <p:nvPr>
+            <p:ph type="ftr" sz="quarter" idx="3"/>
+          </p:nvPr>
+        </p:nvSpPr>
+        <p:spPr>
+          <a:xfrm>
+            <a:off x="0" y="6456363"/>
+            <a:ext cx="9144000" cy="401637"/>
+          </a:xfrm>
+        </p:spPr>
+        <p:txBody>
+          <a:bodyPr/>
+          <a:lstStyle/>
+          <a:p>
+            <a:r>
+              <a:rPr lang="en-US" dirty="0" smtClean="0"/>
+              <a:t>Introduction to Robot Making Class</a:t>
+            </a:r>
+          </a:p>
+          <a:p>
+            <a:r>
+              <a:rPr lang="en-US" dirty="0" smtClean="0"/>
+              <a:t>week X – Fundamentals of Robot</a:t>
+            </a:r>
+            <a:endParaRPr lang="en-US" dirty="0"/>
+          </a:p>
+        </p:txBody>
+      </p:sp>
+      <p:sp>
+        <p:nvSpPr>
+          <p:cNvPr id="9" name="Rectangle 3"/>
+          <p:cNvSpPr txBox="1">
+            <a:spLocks noChangeArrowheads="1"/>
+          </p:cNvSpPr>
+          <p:nvPr/>
+        </p:nvSpPr>
+        <p:spPr bwMode="auto">
+          <a:xfrm>
+            <a:off x="0" y="629582"/>
+            <a:ext cx="7298108" cy="369332"/>
+          </a:xfrm>
+          <a:prstGeom prst="rect">
+            <a:avLst/>
+          </a:prstGeom>
+          <a:noFill/>
+          <a:ln w="9525">
+            <a:noFill/>
+            <a:miter lim="800000"/>
+            <a:headEnd/>
+            <a:tailEnd/>
+          </a:ln>
+        </p:spPr>
+        <p:txBody>
+          <a:bodyPr vert="horz" wrap="square" lIns="91440" tIns="0" rIns="91440" bIns="0" numCol="1" anchor="t" anchorCtr="0" compatLnSpc="1">
+            <a:prstTxWarp prst="textNoShape">
+              <a:avLst/>
+            </a:prstTxWarp>
+            <a:spAutoFit/>
+          </a:bodyPr>
+          <a:lstStyle>
+            <a:lvl1pPr marL="342900" indent="-342900" algn="l" rtl="0" eaLnBrk="0" fontAlgn="base" hangingPunct="0">
+              <a:spcBef>
+                <a:spcPct val="20000"/>
+              </a:spcBef>
+              <a:spcAft>
+                <a:spcPct val="0"/>
+              </a:spcAft>
+              <a:buClr>
+                <a:schemeClr val="bg2"/>
+              </a:buClr>
+              <a:buSzPct val="75000"/>
+              <a:buFont typeface="Wingdings" pitchFamily="2" charset="2"/>
+              <a:buChar char="n"/>
+              <a:defRPr sz="2400">
+                <a:solidFill>
+                  <a:schemeClr val="tx1"/>
+                </a:solidFill>
+                <a:latin typeface="+mn-lt"/>
+                <a:ea typeface="+mn-ea"/>
+                <a:cs typeface="+mn-cs"/>
+              </a:defRPr>
+            </a:lvl1pPr>
+            <a:lvl2pPr marL="742950" indent="-285750" algn="l" rtl="0" eaLnBrk="0" fontAlgn="base" hangingPunct="0">
+              <a:spcBef>
+                <a:spcPct val="20000"/>
+              </a:spcBef>
+              <a:spcAft>
+                <a:spcPct val="0"/>
+              </a:spcAft>
+              <a:buClr>
+                <a:schemeClr val="accent2"/>
+              </a:buClr>
+              <a:buSzPct val="80000"/>
+              <a:buFont typeface="Wingdings" pitchFamily="2" charset="2"/>
+              <a:buChar char="¨"/>
+              <a:defRPr sz="2000">
+                <a:solidFill>
+                  <a:schemeClr val="tx1"/>
+                </a:solidFill>
+                <a:latin typeface="+mn-lt"/>
+              </a:defRPr>
+            </a:lvl2pPr>
+            <a:lvl3pPr marL="1143000" indent="-228600" algn="l" rtl="0" eaLnBrk="0" fontAlgn="base" hangingPunct="0">
+              <a:spcBef>
+                <a:spcPct val="20000"/>
+              </a:spcBef>
+              <a:spcAft>
+                <a:spcPct val="0"/>
+              </a:spcAft>
+              <a:buClr>
+                <a:schemeClr val="bg2"/>
+              </a:buClr>
+              <a:buSzPct val="65000"/>
+              <a:buFont typeface="Wingdings" pitchFamily="2" charset="2"/>
+              <a:buChar char="n"/>
+              <a:defRPr>
+                <a:solidFill>
+                  <a:schemeClr val="tx1"/>
+                </a:solidFill>
+                <a:latin typeface="+mn-lt"/>
+              </a:defRPr>
+            </a:lvl3pPr>
+            <a:lvl4pPr marL="1600200" indent="-228600" algn="l" rtl="0" eaLnBrk="0" fontAlgn="base" hangingPunct="0">
+              <a:spcBef>
+                <a:spcPct val="20000"/>
+              </a:spcBef>
+              <a:spcAft>
+                <a:spcPct val="0"/>
+              </a:spcAft>
+              <a:buClr>
+                <a:schemeClr val="accent2"/>
+              </a:buClr>
+              <a:buSzPct val="70000"/>
+              <a:buFont typeface="Wingdings" pitchFamily="2" charset="2"/>
+              <a:buChar char="¨"/>
+              <a:defRPr sz="1600">
+                <a:solidFill>
+                  <a:schemeClr val="tx1"/>
+                </a:solidFill>
+                <a:latin typeface="+mn-lt"/>
+              </a:defRPr>
+            </a:lvl4pPr>
+            <a:lvl5pPr marL="2057400" indent="-228600" algn="l" rtl="0" eaLnBrk="0" fontAlgn="base" hangingPunct="0">
+              <a:spcBef>
+                <a:spcPct val="20000"/>
+              </a:spcBef>
+              <a:spcAft>
+                <a:spcPct val="0"/>
+              </a:spcAft>
+              <a:buClr>
+                <a:schemeClr val="bg2"/>
+              </a:buClr>
+              <a:buFont typeface="Wingdings" pitchFamily="2" charset="2"/>
+              <a:buChar char="§"/>
+              <a:defRPr sz="1600">
+                <a:solidFill>
+                  <a:schemeClr val="tx1"/>
+                </a:solidFill>
+                <a:latin typeface="+mn-lt"/>
+              </a:defRPr>
+            </a:lvl5pPr>
+            <a:lvl6pPr marL="2514600" indent="-228600" algn="l" rtl="0" fontAlgn="base">
+              <a:spcBef>
+                <a:spcPct val="20000"/>
+              </a:spcBef>
+              <a:spcAft>
+                <a:spcPct val="0"/>
+              </a:spcAft>
+              <a:buClr>
+                <a:schemeClr val="bg2"/>
+              </a:buClr>
+              <a:buFont typeface="Wingdings" pitchFamily="2" charset="2"/>
+              <a:buChar char="§"/>
+              <a:defRPr sz="1600">
+                <a:solidFill>
+                  <a:schemeClr val="tx1"/>
+                </a:solidFill>
+                <a:latin typeface="+mn-lt"/>
+              </a:defRPr>
+            </a:lvl6pPr>
+            <a:lvl7pPr marL="2971800" indent="-228600" algn="l" rtl="0" fontAlgn="base">
+              <a:spcBef>
+                <a:spcPct val="20000"/>
+              </a:spcBef>
+              <a:spcAft>
+                <a:spcPct val="0"/>
+              </a:spcAft>
+              <a:buClr>
+                <a:schemeClr val="bg2"/>
+              </a:buClr>
+              <a:buFont typeface="Wingdings" pitchFamily="2" charset="2"/>
+              <a:buChar char="§"/>
+              <a:defRPr sz="1600">
+                <a:solidFill>
+                  <a:schemeClr val="tx1"/>
+                </a:solidFill>
+                <a:latin typeface="+mn-lt"/>
+              </a:defRPr>
+            </a:lvl7pPr>
+            <a:lvl8pPr marL="3429000" indent="-228600" algn="l" rtl="0" fontAlgn="base">
+              <a:spcBef>
+                <a:spcPct val="20000"/>
+              </a:spcBef>
+              <a:spcAft>
+                <a:spcPct val="0"/>
+              </a:spcAft>
+              <a:buClr>
+                <a:schemeClr val="bg2"/>
+              </a:buClr>
+              <a:buFont typeface="Wingdings" pitchFamily="2" charset="2"/>
+              <a:buChar char="§"/>
+              <a:defRPr sz="1600">
+                <a:solidFill>
+                  <a:schemeClr val="tx1"/>
+                </a:solidFill>
+                <a:latin typeface="+mn-lt"/>
+              </a:defRPr>
+            </a:lvl8pPr>
+            <a:lvl9pPr marL="3886200" indent="-228600" algn="l" rtl="0" fontAlgn="base">
+              <a:spcBef>
+                <a:spcPct val="20000"/>
+              </a:spcBef>
+              <a:spcAft>
+                <a:spcPct val="0"/>
+              </a:spcAft>
+              <a:buClr>
+                <a:schemeClr val="bg2"/>
+              </a:buClr>
+              <a:buFont typeface="Wingdings" pitchFamily="2" charset="2"/>
+              <a:buChar char="§"/>
+              <a:defRPr sz="1600">
+                <a:solidFill>
+                  <a:schemeClr val="tx1"/>
+                </a:solidFill>
+                <a:latin typeface="+mn-lt"/>
+              </a:defRPr>
+            </a:lvl9pPr>
+          </a:lstStyle>
+          <a:p>
+            <a:pPr marL="341313" indent="-341313" eaLnBrk="1" hangingPunct="1">
+              <a:buClr>
+                <a:srgbClr val="00007D"/>
+              </a:buClr>
+              <a:defRPr/>
+            </a:pPr>
+            <a:r>
+              <a:rPr lang="ko-KR" altLang="en-US" kern="0" dirty="0" smtClean="0">
+                <a:latin typeface="Arial Narrow"/>
+                <a:ea typeface="굴림" pitchFamily="50" charset="-127"/>
+              </a:rPr>
+              <a:t>조도센서 </a:t>
+            </a:r>
+            <a:r>
+              <a:rPr lang="en-US" altLang="ko-KR" kern="0" dirty="0" smtClean="0">
+                <a:latin typeface="Arial Narrow"/>
+                <a:ea typeface="굴림" pitchFamily="50" charset="-127"/>
+              </a:rPr>
+              <a:t>+ </a:t>
+            </a:r>
+            <a:r>
+              <a:rPr lang="ko-KR" altLang="en-US" kern="0" dirty="0" smtClean="0">
+                <a:latin typeface="Arial Narrow"/>
+                <a:ea typeface="굴림" pitchFamily="50" charset="-127"/>
+              </a:rPr>
+              <a:t>모터 제어를 통한 트랙킹 로봇</a:t>
+            </a:r>
+            <a:endParaRPr lang="en-US" altLang="ko-KR" kern="0" dirty="0">
+              <a:latin typeface="Arial Narrow"/>
+              <a:ea typeface="굴림" pitchFamily="50" charset="-127"/>
+            </a:endParaRPr>
+          </a:p>
+        </p:txBody>
+      </p:sp>
+      <p:sp>
+        <p:nvSpPr>
+          <p:cNvPr id="10" name="Rectangle 3"/>
+          <p:cNvSpPr txBox="1">
+            <a:spLocks noChangeArrowheads="1"/>
+          </p:cNvSpPr>
+          <p:nvPr/>
+        </p:nvSpPr>
+        <p:spPr bwMode="auto">
+          <a:xfrm>
+            <a:off x="0" y="1086605"/>
+            <a:ext cx="8965250" cy="276999"/>
+          </a:xfrm>
+          <a:prstGeom prst="rect">
+            <a:avLst/>
+          </a:prstGeom>
+          <a:noFill/>
+          <a:ln w="9525">
+            <a:noFill/>
+            <a:miter lim="800000"/>
+            <a:headEnd/>
+            <a:tailEnd/>
+          </a:ln>
+        </p:spPr>
+        <p:txBody>
+          <a:bodyPr vert="horz" wrap="square" lIns="91440" tIns="0" rIns="0" bIns="0" numCol="1" anchor="t" anchorCtr="0" compatLnSpc="1">
+            <a:prstTxWarp prst="textNoShape">
+              <a:avLst/>
+            </a:prstTxWarp>
+            <a:spAutoFit/>
+          </a:bodyPr>
+          <a:lstStyle>
+            <a:lvl1pPr marL="342900" indent="-342900" algn="l" rtl="0" eaLnBrk="0" fontAlgn="base" hangingPunct="0">
+              <a:spcBef>
+                <a:spcPct val="20000"/>
+              </a:spcBef>
+              <a:spcAft>
+                <a:spcPct val="0"/>
+              </a:spcAft>
+              <a:buClr>
+                <a:schemeClr val="bg2"/>
+              </a:buClr>
+              <a:buSzPct val="75000"/>
+              <a:buFont typeface="Wingdings" pitchFamily="2" charset="2"/>
+              <a:buChar char="n"/>
+              <a:defRPr sz="2400">
+                <a:solidFill>
+                  <a:schemeClr val="tx1"/>
+                </a:solidFill>
+                <a:latin typeface="+mn-lt"/>
+                <a:ea typeface="+mn-ea"/>
+                <a:cs typeface="+mn-cs"/>
+              </a:defRPr>
+            </a:lvl1pPr>
+            <a:lvl2pPr marL="742950" indent="-285750" algn="l" rtl="0" eaLnBrk="0" fontAlgn="base" hangingPunct="0">
+              <a:spcBef>
+                <a:spcPct val="20000"/>
+              </a:spcBef>
+              <a:spcAft>
+                <a:spcPct val="0"/>
+              </a:spcAft>
+              <a:buClr>
+                <a:schemeClr val="accent2"/>
+              </a:buClr>
+              <a:buSzPct val="80000"/>
+              <a:buFont typeface="Wingdings" pitchFamily="2" charset="2"/>
+              <a:buChar char="¨"/>
+              <a:defRPr sz="2000">
+                <a:solidFill>
+                  <a:schemeClr val="tx1"/>
+                </a:solidFill>
+                <a:latin typeface="+mn-lt"/>
+              </a:defRPr>
+            </a:lvl2pPr>
+            <a:lvl3pPr marL="1143000" indent="-228600" algn="l" rtl="0" eaLnBrk="0" fontAlgn="base" hangingPunct="0">
+              <a:spcBef>
+                <a:spcPct val="20000"/>
+              </a:spcBef>
+              <a:spcAft>
+                <a:spcPct val="0"/>
+              </a:spcAft>
+              <a:buClr>
+                <a:schemeClr val="bg2"/>
+              </a:buClr>
+              <a:buSzPct val="65000"/>
+              <a:buFont typeface="Wingdings" pitchFamily="2" charset="2"/>
+              <a:buChar char="n"/>
+              <a:defRPr>
+                <a:solidFill>
+                  <a:schemeClr val="tx1"/>
+                </a:solidFill>
+                <a:latin typeface="+mn-lt"/>
+              </a:defRPr>
+            </a:lvl3pPr>
+            <a:lvl4pPr marL="1600200" indent="-228600" algn="l" rtl="0" eaLnBrk="0" fontAlgn="base" hangingPunct="0">
+              <a:spcBef>
+                <a:spcPct val="20000"/>
+              </a:spcBef>
+              <a:spcAft>
+                <a:spcPct val="0"/>
+              </a:spcAft>
+              <a:buClr>
+                <a:schemeClr val="accent2"/>
+              </a:buClr>
+              <a:buSzPct val="70000"/>
+              <a:buFont typeface="Wingdings" pitchFamily="2" charset="2"/>
+              <a:buChar char="¨"/>
+              <a:defRPr sz="1600">
+                <a:solidFill>
+                  <a:schemeClr val="tx1"/>
+                </a:solidFill>
+                <a:latin typeface="+mn-lt"/>
+              </a:defRPr>
+            </a:lvl4pPr>
+            <a:lvl5pPr marL="2057400" indent="-228600" algn="l" rtl="0" eaLnBrk="0" fontAlgn="base" hangingPunct="0">
+              <a:spcBef>
+                <a:spcPct val="20000"/>
+              </a:spcBef>
+              <a:spcAft>
+                <a:spcPct val="0"/>
+              </a:spcAft>
+              <a:buClr>
+                <a:schemeClr val="bg2"/>
+              </a:buClr>
+              <a:buFont typeface="Wingdings" pitchFamily="2" charset="2"/>
+              <a:buChar char="§"/>
+              <a:defRPr sz="1600">
+                <a:solidFill>
+                  <a:schemeClr val="tx1"/>
+                </a:solidFill>
+                <a:latin typeface="+mn-lt"/>
+              </a:defRPr>
+            </a:lvl5pPr>
+            <a:lvl6pPr marL="2514600" indent="-228600" algn="l" rtl="0" fontAlgn="base">
+              <a:spcBef>
+                <a:spcPct val="20000"/>
+              </a:spcBef>
+              <a:spcAft>
+                <a:spcPct val="0"/>
+              </a:spcAft>
+              <a:buClr>
+                <a:schemeClr val="bg2"/>
+              </a:buClr>
+              <a:buFont typeface="Wingdings" pitchFamily="2" charset="2"/>
+              <a:buChar char="§"/>
+              <a:defRPr sz="1600">
+                <a:solidFill>
+                  <a:schemeClr val="tx1"/>
+                </a:solidFill>
+                <a:latin typeface="+mn-lt"/>
+              </a:defRPr>
+            </a:lvl6pPr>
+            <a:lvl7pPr marL="2971800" indent="-228600" algn="l" rtl="0" fontAlgn="base">
+              <a:spcBef>
+                <a:spcPct val="20000"/>
+              </a:spcBef>
+              <a:spcAft>
+                <a:spcPct val="0"/>
+              </a:spcAft>
+              <a:buClr>
+                <a:schemeClr val="bg2"/>
+              </a:buClr>
+              <a:buFont typeface="Wingdings" pitchFamily="2" charset="2"/>
+              <a:buChar char="§"/>
+              <a:defRPr sz="1600">
+                <a:solidFill>
+                  <a:schemeClr val="tx1"/>
+                </a:solidFill>
+                <a:latin typeface="+mn-lt"/>
+              </a:defRPr>
+            </a:lvl7pPr>
+            <a:lvl8pPr marL="3429000" indent="-228600" algn="l" rtl="0" fontAlgn="base">
+              <a:spcBef>
+                <a:spcPct val="20000"/>
+              </a:spcBef>
+              <a:spcAft>
+                <a:spcPct val="0"/>
+              </a:spcAft>
+              <a:buClr>
+                <a:schemeClr val="bg2"/>
+              </a:buClr>
+              <a:buFont typeface="Wingdings" pitchFamily="2" charset="2"/>
+              <a:buChar char="§"/>
+              <a:defRPr sz="1600">
+                <a:solidFill>
+                  <a:schemeClr val="tx1"/>
+                </a:solidFill>
+                <a:latin typeface="+mn-lt"/>
+              </a:defRPr>
+            </a:lvl8pPr>
+            <a:lvl9pPr marL="3886200" indent="-228600" algn="l" rtl="0" fontAlgn="base">
+              <a:spcBef>
+                <a:spcPct val="20000"/>
+              </a:spcBef>
+              <a:spcAft>
+                <a:spcPct val="0"/>
+              </a:spcAft>
+              <a:buClr>
+                <a:schemeClr val="bg2"/>
+              </a:buClr>
+              <a:buFont typeface="Wingdings" pitchFamily="2" charset="2"/>
+              <a:buChar char="§"/>
+              <a:defRPr sz="1600">
+                <a:solidFill>
+                  <a:schemeClr val="tx1"/>
+                </a:solidFill>
+                <a:latin typeface="+mn-lt"/>
+              </a:defRPr>
+            </a:lvl9pPr>
+          </a:lstStyle>
+          <a:p>
+            <a:pPr marL="341313" lvl="1" indent="-341313" algn="just" eaLnBrk="1" hangingPunct="1">
+              <a:buClr>
+                <a:srgbClr val="9999CC"/>
+              </a:buClr>
+              <a:defRPr/>
+            </a:pPr>
+            <a:r>
+              <a:rPr lang="en-US" altLang="ko-KR" sz="1800" b="0" kern="0" dirty="0" smtClean="0">
+                <a:latin typeface="Arial Narrow"/>
+                <a:ea typeface="굴림" pitchFamily="50" charset="-127"/>
+              </a:rPr>
+              <a:t>Descriptions</a:t>
+            </a:r>
+            <a:endParaRPr lang="en-US" altLang="ko-KR" sz="1800" b="0" kern="0" dirty="0">
+              <a:latin typeface="Arial Narrow"/>
+              <a:ea typeface="굴림" pitchFamily="50" charset="-127"/>
+            </a:endParaRPr>
+          </a:p>
+        </p:txBody>
+      </p:sp>
+      <p:sp>
+        <p:nvSpPr>
+          <p:cNvPr id="7" name="Rectangle 20"/>
+          <p:cNvSpPr/>
+          <p:nvPr/>
+        </p:nvSpPr>
+        <p:spPr>
+          <a:xfrm>
+            <a:off x="5923607" y="3108917"/>
+            <a:ext cx="3220393" cy="253916"/>
+          </a:xfrm>
+          <a:prstGeom prst="rect">
+            <a:avLst/>
+          </a:prstGeom>
+        </p:spPr>
+        <p:txBody>
+          <a:bodyPr wrap="square">
+            <a:spAutoFit/>
+          </a:bodyPr>
+          <a:lstStyle/>
+          <a:p>
+            <a:r>
+              <a:rPr lang="en-US" altLang="ko-KR" sz="1050" dirty="0" smtClean="0">
+                <a:solidFill>
+                  <a:schemeClr val="tx1"/>
+                </a:solidFill>
+                <a:latin typeface="Arial Narrow" panose="020B0606020202030204" pitchFamily="34" charset="0"/>
+              </a:rPr>
+              <a:t>Fig. Caption Here</a:t>
+            </a:r>
+            <a:endParaRPr lang="en-US" altLang="ko-KR" sz="1050" dirty="0">
+              <a:solidFill>
+                <a:schemeClr val="tx1"/>
+              </a:solidFill>
+              <a:latin typeface="Arial Narrow" panose="020B0606020202030204" pitchFamily="34" charset="0"/>
+            </a:endParaRPr>
+          </a:p>
+        </p:txBody>
+      </p:sp>
+      <p:sp>
+        <p:nvSpPr>
+          <p:cNvPr id="11" name="Date Placeholder 3"/>
+          <p:cNvSpPr>
+            <a:spLocks noGrp="1"/>
+          </p:cNvSpPr>
+          <p:nvPr>
+            <p:ph type="dt" sz="half" idx="2"/>
+          </p:nvPr>
+        </p:nvSpPr>
+        <p:spPr>
+          <a:xfrm>
+            <a:off x="0" y="6446838"/>
+            <a:ext cx="1749972" cy="411162"/>
+          </a:xfrm>
+        </p:spPr>
+        <p:txBody>
+          <a:bodyPr/>
+          <a:lstStyle/>
+          <a:p>
+            <a:pPr>
+              <a:defRPr/>
+            </a:pPr>
+            <a:r>
+              <a:rPr lang="en-US" altLang="ko-KR" smtClean="0"/>
+              <a:t>SH Park &lt;pajoheji0909@snu.ac.kr&gt;</a:t>
+            </a:r>
+            <a:endParaRPr lang="en-US"/>
+          </a:p>
+        </p:txBody>
+      </p:sp>
+    </p:spTree>
+    <p:extLst>
+      <p:ext uri="{BB962C8B-B14F-4D97-AF65-F5344CB8AC3E}">
+        <p14:creationId xmlns:p14="http://schemas.microsoft.com/office/powerpoint/2010/main" val="3340508660"/>
+      </p:ext>
+    </p:extLst>
+  </p:cSld>
+  <p:clrMapOvr>
+    <a:masterClrMapping/>
+  </p:clrMapOvr>
+  <p:timing>
+    <p:tnLst>
+      <p:par>
+        <p:cTn id="1" dur="indefinite" restart="never" nodeType="tmRoot"/>
+      </p:par>
+    </p:tnLst>
+  </p:timing>
+</p:sld>
+</file>
+
+<file path=ppt/slides/slide16.xml><?xml version="1.0" encoding="utf-8"?>
+<p:sld xmlns:a="http://schemas.openxmlformats.org/drawingml/2006/main" xmlns:r="http://schemas.openxmlformats.org/officeDocument/2006/relationships" xmlns:p="http://schemas.openxmlformats.org/presentationml/2006/main">
+  <p:cSld>
+    <p:spTree>
+      <p:nvGrpSpPr>
+        <p:cNvPr id="1" name=""/>
+        <p:cNvGrpSpPr/>
+        <p:nvPr/>
+      </p:nvGrpSpPr>
+      <p:grpSpPr>
+        <a:xfrm>
+          <a:off x="0" y="0"/>
+          <a:ext cx="0" cy="0"/>
+          <a:chOff x="0" y="0"/>
+          <a:chExt cx="0" cy="0"/>
+        </a:xfrm>
+      </p:grpSpPr>
+      <p:sp>
+        <p:nvSpPr>
+          <p:cNvPr id="5" name="Title 4"/>
+          <p:cNvSpPr txBox="1">
+            <a:spLocks/>
+          </p:cNvSpPr>
+          <p:nvPr/>
+        </p:nvSpPr>
+        <p:spPr>
+          <a:xfrm>
+            <a:off x="-2579" y="0"/>
+            <a:ext cx="9144000" cy="523220"/>
+          </a:xfrm>
+          <a:prstGeom prst="rect">
+            <a:avLst/>
+          </a:prstGeom>
+        </p:spPr>
+        <p:txBody>
+          <a:bodyPr>
+            <a:spAutoFit/>
+          </a:bodyPr>
+          <a:lstStyle/>
+          <a:p>
+            <a:pPr algn="l">
+              <a:defRPr/>
+            </a:pPr>
+            <a:r>
+              <a:rPr lang="ko-KR" altLang="en-US" sz="2800" i="1" kern="0" dirty="0" err="1" smtClean="0">
+                <a:solidFill>
+                  <a:schemeClr val="tx1"/>
+                </a:solidFill>
+                <a:latin typeface="맑은 고딕" panose="020B0503020000020004" pitchFamily="50" charset="-127"/>
+                <a:ea typeface="맑은 고딕" panose="020B0503020000020004" pitchFamily="50" charset="-127"/>
+                <a:cs typeface="+mj-cs"/>
+              </a:rPr>
+              <a:t>ㅁ</a:t>
+            </a:r>
+            <a:endParaRPr kumimoji="0" lang="ko-KR" altLang="en-US" sz="2800" i="1" u="none" strike="noStrike" kern="0" cap="none" spc="0" normalizeH="0" baseline="0" noProof="0" dirty="0">
+              <a:ln>
+                <a:noFill/>
+              </a:ln>
+              <a:solidFill>
+                <a:srgbClr val="F17733"/>
+              </a:solidFill>
+              <a:effectLst/>
+              <a:uLnTx/>
+              <a:uFillTx/>
+              <a:latin typeface="맑은 고딕" panose="020B0503020000020004" pitchFamily="50" charset="-127"/>
+              <a:ea typeface="맑은 고딕" panose="020B0503020000020004" pitchFamily="50" charset="-127"/>
+              <a:cs typeface="+mj-cs"/>
+            </a:endParaRPr>
+          </a:p>
+        </p:txBody>
+      </p:sp>
+      <p:sp>
+        <p:nvSpPr>
+          <p:cNvPr id="3" name="Slide Number Placeholder 2"/>
+          <p:cNvSpPr>
+            <a:spLocks noGrp="1"/>
+          </p:cNvSpPr>
+          <p:nvPr>
+            <p:ph type="sldNum" sz="quarter" idx="4"/>
+          </p:nvPr>
+        </p:nvSpPr>
+        <p:spPr/>
+        <p:txBody>
+          <a:bodyPr/>
+          <a:lstStyle/>
+          <a:p>
+            <a:pPr>
+              <a:defRPr/>
+            </a:pPr>
+            <a:fld id="{0AA45A93-FE32-2945-8767-7A7088BDD0C8}" type="slidenum">
+              <a:rPr lang="en-US" smtClean="0"/>
+              <a:pPr>
+                <a:defRPr/>
+              </a:pPr>
+              <a:t>16</a:t>
             </a:fld>
             <a:r>
               <a:rPr lang="en-US"/>
@@ -16083,7 +17366,7 @@
         <p:spPr bwMode="auto">
           <a:xfrm>
             <a:off x="0" y="1086605"/>
-            <a:ext cx="8965250" cy="276999"/>
+            <a:ext cx="4387507" cy="4598182"/>
           </a:xfrm>
           <a:prstGeom prst="rect">
             <a:avLst/>
@@ -16290,12 +17573,439 @@
               <a:defRPr/>
             </a:pPr>
             <a:r>
+              <a:rPr lang="ko-KR" altLang="en-US" sz="1800" kern="0" dirty="0" smtClean="0">
+                <a:latin typeface="Arial Narrow"/>
+                <a:ea typeface="굴림" pitchFamily="50" charset="-127"/>
+              </a:rPr>
+              <a:t>코드 설명</a:t>
+            </a:r>
+            <a:endParaRPr lang="en-US" altLang="ko-KR" sz="1800" kern="0" dirty="0">
+              <a:latin typeface="Arial Narrow"/>
+              <a:ea typeface="굴림" pitchFamily="50" charset="-127"/>
+            </a:endParaRPr>
+          </a:p>
+          <a:p>
+            <a:pPr marL="341313" lvl="1" indent="-341313" algn="just" eaLnBrk="1" hangingPunct="1">
+              <a:buClr>
+                <a:srgbClr val="9999CC"/>
+              </a:buClr>
+              <a:defRPr/>
+            </a:pPr>
+            <a:r>
+              <a:rPr lang="ko-KR" altLang="en-US" sz="1800" b="0" kern="0" dirty="0" smtClean="0">
+                <a:latin typeface="Arial Narrow"/>
+                <a:ea typeface="굴림" pitchFamily="50" charset="-127"/>
+              </a:rPr>
+              <a:t>디지털 핀 </a:t>
+            </a:r>
+            <a:r>
               <a:rPr lang="en-US" altLang="ko-KR" sz="1800" b="0" kern="0" dirty="0" smtClean="0">
                 <a:latin typeface="Arial Narrow"/>
                 <a:ea typeface="굴림" pitchFamily="50" charset="-127"/>
               </a:rPr>
-              <a:t>Descriptions</a:t>
-            </a:r>
+              <a:t>5,6,9,10</a:t>
+            </a:r>
+            <a:r>
+              <a:rPr lang="ko-KR" altLang="en-US" sz="1800" b="0" kern="0" dirty="0" smtClean="0">
+                <a:latin typeface="Arial Narrow"/>
+                <a:ea typeface="굴림" pitchFamily="50" charset="-127"/>
+              </a:rPr>
+              <a:t>을 출력핀으로써 사용</a:t>
+            </a:r>
+            <a:endParaRPr lang="en-US" altLang="ko-KR" sz="1800" b="0" kern="0" dirty="0">
+              <a:latin typeface="Arial Narrow"/>
+              <a:ea typeface="굴림" pitchFamily="50" charset="-127"/>
+            </a:endParaRPr>
+          </a:p>
+          <a:p>
+            <a:pPr marL="341313" lvl="1" indent="-341313" algn="just" eaLnBrk="1" hangingPunct="1">
+              <a:buClr>
+                <a:srgbClr val="9999CC"/>
+              </a:buClr>
+              <a:defRPr/>
+            </a:pPr>
+            <a:r>
+              <a:rPr lang="en-US" altLang="ko-KR" sz="1800" b="0" kern="0" dirty="0" smtClean="0">
+                <a:latin typeface="Arial Narrow"/>
+                <a:ea typeface="굴림" pitchFamily="50" charset="-127"/>
+              </a:rPr>
+              <a:t>5</a:t>
+            </a:r>
+            <a:r>
+              <a:rPr lang="ko-KR" altLang="en-US" sz="1800" b="0" kern="0" dirty="0" smtClean="0">
+                <a:latin typeface="Arial Narrow"/>
+                <a:ea typeface="굴림" pitchFamily="50" charset="-127"/>
+              </a:rPr>
+              <a:t>번핀의 출력값을 </a:t>
+            </a:r>
+            <a:r>
+              <a:rPr lang="en-US" altLang="ko-KR" sz="1800" b="0" kern="0" dirty="0" smtClean="0">
+                <a:latin typeface="Arial Narrow"/>
+                <a:ea typeface="굴림" pitchFamily="50" charset="-127"/>
+              </a:rPr>
+              <a:t>0</a:t>
+            </a:r>
+            <a:r>
+              <a:rPr lang="ko-KR" altLang="en-US" sz="1800" b="0" kern="0" dirty="0" smtClean="0">
+                <a:latin typeface="Arial Narrow"/>
+                <a:ea typeface="굴림" pitchFamily="50" charset="-127"/>
+              </a:rPr>
+              <a:t>부터 </a:t>
+            </a:r>
+            <a:r>
+              <a:rPr lang="en-US" altLang="ko-KR" sz="1800" b="0" kern="0" dirty="0" smtClean="0">
+                <a:latin typeface="Arial Narrow"/>
+                <a:ea typeface="굴림" pitchFamily="50" charset="-127"/>
+              </a:rPr>
+              <a:t>255</a:t>
+            </a:r>
+            <a:r>
+              <a:rPr lang="ko-KR" altLang="en-US" sz="1800" b="0" kern="0" dirty="0" smtClean="0">
+                <a:latin typeface="Arial Narrow"/>
+                <a:ea typeface="굴림" pitchFamily="50" charset="-127"/>
+              </a:rPr>
+              <a:t>까지 크게 해가면서</a:t>
+            </a:r>
+            <a:r>
+              <a:rPr lang="en-US" altLang="ko-KR" sz="1800" b="0" kern="0" dirty="0" smtClean="0">
+                <a:latin typeface="Arial Narrow"/>
+                <a:ea typeface="굴림" pitchFamily="50" charset="-127"/>
+              </a:rPr>
+              <a:t>, </a:t>
+            </a:r>
+            <a:r>
+              <a:rPr lang="ko-KR" altLang="en-US" sz="1800" b="0" kern="0" dirty="0" smtClean="0">
+                <a:latin typeface="Arial Narrow"/>
+                <a:ea typeface="굴림" pitchFamily="50" charset="-127"/>
+              </a:rPr>
+              <a:t>모터 속도를 증가</a:t>
+            </a:r>
+            <a:endParaRPr lang="en-US" altLang="ko-KR" sz="1800" b="0" kern="0" dirty="0" smtClean="0">
+              <a:latin typeface="Arial Narrow"/>
+              <a:ea typeface="굴림" pitchFamily="50" charset="-127"/>
+            </a:endParaRPr>
+          </a:p>
+          <a:p>
+            <a:pPr marL="341313" lvl="1" indent="-341313" algn="just" eaLnBrk="1" hangingPunct="1">
+              <a:buClr>
+                <a:srgbClr val="9999CC"/>
+              </a:buClr>
+              <a:defRPr/>
+            </a:pPr>
+            <a:r>
+              <a:rPr lang="en-US" altLang="ko-KR" sz="1800" b="0" kern="0" dirty="0" smtClean="0">
+                <a:latin typeface="Arial Narrow"/>
+                <a:ea typeface="굴림" pitchFamily="50" charset="-127"/>
+              </a:rPr>
+              <a:t>5</a:t>
+            </a:r>
+            <a:r>
+              <a:rPr lang="ko-KR" altLang="en-US" sz="1800" b="0" kern="0" dirty="0" smtClean="0">
+                <a:latin typeface="Arial Narrow"/>
+                <a:ea typeface="굴림" pitchFamily="50" charset="-127"/>
+              </a:rPr>
+              <a:t>번핀의 출력값을 </a:t>
+            </a:r>
+            <a:r>
+              <a:rPr lang="en-US" altLang="ko-KR" sz="1800" b="0" kern="0" dirty="0" smtClean="0">
+                <a:latin typeface="Arial Narrow"/>
+                <a:ea typeface="굴림" pitchFamily="50" charset="-127"/>
+              </a:rPr>
+              <a:t>255</a:t>
+            </a:r>
+            <a:r>
+              <a:rPr lang="ko-KR" altLang="en-US" sz="1800" b="0" kern="0" dirty="0" smtClean="0">
+                <a:latin typeface="Arial Narrow"/>
+                <a:ea typeface="굴림" pitchFamily="50" charset="-127"/>
+              </a:rPr>
+              <a:t>에서 </a:t>
+            </a:r>
+            <a:r>
+              <a:rPr lang="en-US" altLang="ko-KR" sz="1800" b="0" kern="0" dirty="0" smtClean="0">
+                <a:latin typeface="Arial Narrow"/>
+                <a:ea typeface="굴림" pitchFamily="50" charset="-127"/>
+              </a:rPr>
+              <a:t>0</a:t>
+            </a:r>
+            <a:r>
+              <a:rPr lang="ko-KR" altLang="en-US" sz="1800" b="0" kern="0" dirty="0" smtClean="0">
+                <a:latin typeface="Arial Narrow"/>
+                <a:ea typeface="굴림" pitchFamily="50" charset="-127"/>
+              </a:rPr>
+              <a:t>까지 작게 해가면서</a:t>
+            </a:r>
+            <a:r>
+              <a:rPr lang="en-US" altLang="ko-KR" sz="1800" b="0" kern="0" dirty="0" smtClean="0">
+                <a:latin typeface="Arial Narrow"/>
+                <a:ea typeface="굴림" pitchFamily="50" charset="-127"/>
+              </a:rPr>
+              <a:t>, </a:t>
+            </a:r>
+            <a:r>
+              <a:rPr lang="ko-KR" altLang="en-US" sz="1800" b="0" kern="0" dirty="0" smtClean="0">
+                <a:latin typeface="Arial Narrow"/>
+                <a:ea typeface="굴림" pitchFamily="50" charset="-127"/>
+              </a:rPr>
+              <a:t>모터 속도를 감소</a:t>
+            </a:r>
+            <a:endParaRPr lang="en-US" altLang="ko-KR" sz="1800" b="0" kern="0" dirty="0" smtClean="0">
+              <a:latin typeface="Arial Narrow"/>
+              <a:ea typeface="굴림" pitchFamily="50" charset="-127"/>
+            </a:endParaRPr>
+          </a:p>
+          <a:p>
+            <a:pPr marL="0" lvl="1" indent="0" algn="just" eaLnBrk="1" hangingPunct="1">
+              <a:buClr>
+                <a:srgbClr val="9999CC"/>
+              </a:buClr>
+              <a:buNone/>
+              <a:defRPr/>
+            </a:pPr>
+            <a:r>
+              <a:rPr lang="en-US" altLang="ko-KR" sz="1800" b="0" kern="0" dirty="0" smtClean="0">
+                <a:latin typeface="Arial Narrow"/>
+                <a:ea typeface="굴림" pitchFamily="50" charset="-127"/>
+              </a:rPr>
+              <a:t>(5</a:t>
+            </a:r>
+            <a:r>
+              <a:rPr lang="ko-KR" altLang="en-US" sz="1800" b="0" kern="0" dirty="0" smtClean="0">
+                <a:latin typeface="Arial Narrow"/>
+                <a:ea typeface="굴림" pitchFamily="50" charset="-127"/>
+              </a:rPr>
+              <a:t>번 핀이 차의 왼</a:t>
+            </a:r>
+            <a:r>
+              <a:rPr lang="en-US" altLang="ko-KR" sz="1800" b="0" kern="0" dirty="0" smtClean="0">
+                <a:latin typeface="Arial Narrow"/>
+                <a:ea typeface="굴림" pitchFamily="50" charset="-127"/>
+              </a:rPr>
+              <a:t>/</a:t>
+            </a:r>
+            <a:r>
+              <a:rPr lang="ko-KR" altLang="en-US" sz="1800" b="0" kern="0" dirty="0" smtClean="0">
+                <a:latin typeface="Arial Narrow"/>
+                <a:ea typeface="굴림" pitchFamily="50" charset="-127"/>
+              </a:rPr>
+              <a:t>오른쪽 모터의 전진인지 후진인지 판별 가능</a:t>
+            </a:r>
+            <a:r>
+              <a:rPr lang="en-US" altLang="ko-KR" sz="1800" b="0" kern="0" dirty="0" smtClean="0">
+                <a:latin typeface="Arial Narrow"/>
+                <a:ea typeface="굴림" pitchFamily="50" charset="-127"/>
+              </a:rPr>
+              <a:t>!)</a:t>
+            </a:r>
+          </a:p>
+          <a:p>
+            <a:pPr marL="341313" lvl="1" indent="-341313" algn="just" eaLnBrk="1" hangingPunct="1">
+              <a:buClr>
+                <a:srgbClr val="9999CC"/>
+              </a:buClr>
+              <a:defRPr/>
+            </a:pPr>
+            <a:r>
+              <a:rPr lang="en-US" altLang="ko-KR" sz="1800" b="0" kern="0" dirty="0" smtClean="0">
+                <a:latin typeface="Arial Narrow"/>
+                <a:ea typeface="굴림" pitchFamily="50" charset="-127"/>
+              </a:rPr>
+              <a:t>9</a:t>
+            </a:r>
+            <a:r>
+              <a:rPr lang="ko-KR" altLang="en-US" sz="1800" b="0" kern="0" dirty="0" smtClean="0">
+                <a:latin typeface="Arial Narrow"/>
+                <a:ea typeface="굴림" pitchFamily="50" charset="-127"/>
+              </a:rPr>
+              <a:t>번핀의 </a:t>
+            </a:r>
+            <a:r>
+              <a:rPr lang="ko-KR" altLang="en-US" sz="1800" b="0" kern="0" dirty="0">
+                <a:latin typeface="Arial Narrow"/>
+                <a:ea typeface="굴림" pitchFamily="50" charset="-127"/>
+              </a:rPr>
+              <a:t>출력값을 </a:t>
+            </a:r>
+            <a:r>
+              <a:rPr lang="en-US" altLang="ko-KR" sz="1800" b="0" kern="0" dirty="0">
+                <a:latin typeface="Arial Narrow"/>
+                <a:ea typeface="굴림" pitchFamily="50" charset="-127"/>
+              </a:rPr>
+              <a:t>0</a:t>
+            </a:r>
+            <a:r>
+              <a:rPr lang="ko-KR" altLang="en-US" sz="1800" b="0" kern="0" dirty="0">
+                <a:latin typeface="Arial Narrow"/>
+                <a:ea typeface="굴림" pitchFamily="50" charset="-127"/>
+              </a:rPr>
+              <a:t>부터 </a:t>
+            </a:r>
+            <a:r>
+              <a:rPr lang="en-US" altLang="ko-KR" sz="1800" b="0" kern="0" dirty="0">
+                <a:latin typeface="Arial Narrow"/>
+                <a:ea typeface="굴림" pitchFamily="50" charset="-127"/>
+              </a:rPr>
+              <a:t>255</a:t>
+            </a:r>
+            <a:r>
+              <a:rPr lang="ko-KR" altLang="en-US" sz="1800" b="0" kern="0" dirty="0">
+                <a:latin typeface="Arial Narrow"/>
+                <a:ea typeface="굴림" pitchFamily="50" charset="-127"/>
+              </a:rPr>
+              <a:t>까지 크게 해가면서</a:t>
+            </a:r>
+            <a:r>
+              <a:rPr lang="en-US" altLang="ko-KR" sz="1800" b="0" kern="0" dirty="0">
+                <a:latin typeface="Arial Narrow"/>
+                <a:ea typeface="굴림" pitchFamily="50" charset="-127"/>
+              </a:rPr>
+              <a:t>, </a:t>
+            </a:r>
+            <a:r>
+              <a:rPr lang="ko-KR" altLang="en-US" sz="1800" b="0" kern="0" dirty="0">
+                <a:latin typeface="Arial Narrow"/>
+                <a:ea typeface="굴림" pitchFamily="50" charset="-127"/>
+              </a:rPr>
+              <a:t>모터 속도를 증가</a:t>
+            </a:r>
+            <a:endParaRPr lang="en-US" altLang="ko-KR" sz="1800" b="0" kern="0" dirty="0">
+              <a:latin typeface="Arial Narrow"/>
+              <a:ea typeface="굴림" pitchFamily="50" charset="-127"/>
+            </a:endParaRPr>
+          </a:p>
+          <a:p>
+            <a:pPr marL="341313" lvl="1" indent="-341313" algn="just" eaLnBrk="1" hangingPunct="1">
+              <a:buClr>
+                <a:srgbClr val="9999CC"/>
+              </a:buClr>
+              <a:defRPr/>
+            </a:pPr>
+            <a:r>
+              <a:rPr lang="en-US" altLang="ko-KR" sz="1800" b="0" kern="0" dirty="0" smtClean="0">
+                <a:latin typeface="Arial Narrow"/>
+                <a:ea typeface="굴림" pitchFamily="50" charset="-127"/>
+              </a:rPr>
+              <a:t>9</a:t>
+            </a:r>
+            <a:r>
+              <a:rPr lang="ko-KR" altLang="en-US" sz="1800" b="0" kern="0" dirty="0" smtClean="0">
+                <a:latin typeface="Arial Narrow"/>
+                <a:ea typeface="굴림" pitchFamily="50" charset="-127"/>
+              </a:rPr>
+              <a:t>번핀의 </a:t>
+            </a:r>
+            <a:r>
+              <a:rPr lang="ko-KR" altLang="en-US" sz="1800" b="0" kern="0" dirty="0">
+                <a:latin typeface="Arial Narrow"/>
+                <a:ea typeface="굴림" pitchFamily="50" charset="-127"/>
+              </a:rPr>
+              <a:t>출력값을 </a:t>
+            </a:r>
+            <a:r>
+              <a:rPr lang="en-US" altLang="ko-KR" sz="1800" b="0" kern="0" dirty="0">
+                <a:latin typeface="Arial Narrow"/>
+                <a:ea typeface="굴림" pitchFamily="50" charset="-127"/>
+              </a:rPr>
+              <a:t>255</a:t>
+            </a:r>
+            <a:r>
+              <a:rPr lang="ko-KR" altLang="en-US" sz="1800" b="0" kern="0" dirty="0">
+                <a:latin typeface="Arial Narrow"/>
+                <a:ea typeface="굴림" pitchFamily="50" charset="-127"/>
+              </a:rPr>
+              <a:t>에서 </a:t>
+            </a:r>
+            <a:r>
+              <a:rPr lang="en-US" altLang="ko-KR" sz="1800" b="0" kern="0" dirty="0">
+                <a:latin typeface="Arial Narrow"/>
+                <a:ea typeface="굴림" pitchFamily="50" charset="-127"/>
+              </a:rPr>
+              <a:t>0</a:t>
+            </a:r>
+            <a:r>
+              <a:rPr lang="ko-KR" altLang="en-US" sz="1800" b="0" kern="0" dirty="0">
+                <a:latin typeface="Arial Narrow"/>
+                <a:ea typeface="굴림" pitchFamily="50" charset="-127"/>
+              </a:rPr>
+              <a:t>까지 작게 해가면서</a:t>
+            </a:r>
+            <a:r>
+              <a:rPr lang="en-US" altLang="ko-KR" sz="1800" b="0" kern="0" dirty="0">
+                <a:latin typeface="Arial Narrow"/>
+                <a:ea typeface="굴림" pitchFamily="50" charset="-127"/>
+              </a:rPr>
+              <a:t>, </a:t>
+            </a:r>
+            <a:r>
+              <a:rPr lang="ko-KR" altLang="en-US" sz="1800" b="0" kern="0" dirty="0">
+                <a:latin typeface="Arial Narrow"/>
+                <a:ea typeface="굴림" pitchFamily="50" charset="-127"/>
+              </a:rPr>
+              <a:t>모터 속도를 감소</a:t>
+            </a:r>
+            <a:endParaRPr lang="en-US" altLang="ko-KR" sz="1800" b="0" kern="0" dirty="0">
+              <a:latin typeface="Arial Narrow"/>
+              <a:ea typeface="굴림" pitchFamily="50" charset="-127"/>
+            </a:endParaRPr>
+          </a:p>
+          <a:p>
+            <a:pPr marL="0" lvl="1" indent="0" algn="just" eaLnBrk="1" hangingPunct="1">
+              <a:buClr>
+                <a:srgbClr val="9999CC"/>
+              </a:buClr>
+              <a:buNone/>
+              <a:defRPr/>
+            </a:pPr>
+            <a:r>
+              <a:rPr lang="en-US" altLang="ko-KR" sz="1800" b="0" kern="0" dirty="0" smtClean="0">
+                <a:latin typeface="Arial Narrow"/>
+                <a:ea typeface="굴림" pitchFamily="50" charset="-127"/>
+              </a:rPr>
+              <a:t>(9</a:t>
+            </a:r>
+            <a:r>
+              <a:rPr lang="ko-KR" altLang="en-US" sz="1800" b="0" kern="0" dirty="0" smtClean="0">
+                <a:latin typeface="Arial Narrow"/>
+                <a:ea typeface="굴림" pitchFamily="50" charset="-127"/>
+              </a:rPr>
+              <a:t>번 </a:t>
+            </a:r>
+            <a:r>
+              <a:rPr lang="ko-KR" altLang="en-US" sz="1800" b="0" kern="0" dirty="0">
+                <a:latin typeface="Arial Narrow"/>
+                <a:ea typeface="굴림" pitchFamily="50" charset="-127"/>
+              </a:rPr>
+              <a:t>핀이 차의 왼</a:t>
+            </a:r>
+            <a:r>
+              <a:rPr lang="en-US" altLang="ko-KR" sz="1800" b="0" kern="0" dirty="0">
+                <a:latin typeface="Arial Narrow"/>
+                <a:ea typeface="굴림" pitchFamily="50" charset="-127"/>
+              </a:rPr>
+              <a:t>/</a:t>
+            </a:r>
+            <a:r>
+              <a:rPr lang="ko-KR" altLang="en-US" sz="1800" b="0" kern="0" dirty="0">
+                <a:latin typeface="Arial Narrow"/>
+                <a:ea typeface="굴림" pitchFamily="50" charset="-127"/>
+              </a:rPr>
+              <a:t>오른쪽 모터의 전진인지 후진인지 판별 가능</a:t>
+            </a:r>
+            <a:r>
+              <a:rPr lang="en-US" altLang="ko-KR" sz="1800" b="0" kern="0" dirty="0">
+                <a:latin typeface="Arial Narrow"/>
+                <a:ea typeface="굴림" pitchFamily="50" charset="-127"/>
+              </a:rPr>
+              <a:t>!)</a:t>
+            </a:r>
+          </a:p>
+          <a:p>
+            <a:pPr marL="0" lvl="1" indent="0" algn="just" eaLnBrk="1" hangingPunct="1">
+              <a:buClr>
+                <a:srgbClr val="9999CC"/>
+              </a:buClr>
+              <a:buNone/>
+              <a:defRPr/>
+            </a:pPr>
             <a:endParaRPr lang="en-US" altLang="ko-KR" sz="1800" b="0" kern="0" dirty="0">
               <a:latin typeface="Arial Narrow"/>
               <a:ea typeface="굴림" pitchFamily="50" charset="-127"/>
@@ -16506,6 +18216,260 @@
                 <a:srgbClr val="FF0000"/>
               </a:solidFill>
               <a:latin typeface="Arial Narrow" pitchFamily="34" charset="0"/>
+            </a:endParaRPr>
+          </a:p>
+        </p:txBody>
+      </p:sp>
+      <p:sp>
+        <p:nvSpPr>
+          <p:cNvPr id="13" name="Rectangle 3"/>
+          <p:cNvSpPr txBox="1">
+            <a:spLocks noChangeArrowheads="1"/>
+          </p:cNvSpPr>
+          <p:nvPr/>
+        </p:nvSpPr>
+        <p:spPr bwMode="auto">
+          <a:xfrm>
+            <a:off x="11036" y="5407788"/>
+            <a:ext cx="4742033" cy="609398"/>
+          </a:xfrm>
+          <a:prstGeom prst="rect">
+            <a:avLst/>
+          </a:prstGeom>
+          <a:noFill/>
+          <a:ln w="9525">
+            <a:noFill/>
+            <a:miter lim="800000"/>
+            <a:headEnd/>
+            <a:tailEnd/>
+          </a:ln>
+        </p:spPr>
+        <p:txBody>
+          <a:bodyPr vert="horz" wrap="square" lIns="91440" tIns="0" rIns="0" bIns="0" numCol="1" anchor="t" anchorCtr="0" compatLnSpc="1">
+            <a:prstTxWarp prst="textNoShape">
+              <a:avLst/>
+            </a:prstTxWarp>
+            <a:spAutoFit/>
+          </a:bodyPr>
+          <a:lstStyle>
+            <a:lvl1pPr marL="342900" indent="-342900" algn="l" rtl="0" eaLnBrk="0" fontAlgn="base" hangingPunct="0">
+              <a:spcBef>
+                <a:spcPct val="20000"/>
+              </a:spcBef>
+              <a:spcAft>
+                <a:spcPct val="0"/>
+              </a:spcAft>
+              <a:buClr>
+                <a:schemeClr val="bg2"/>
+              </a:buClr>
+              <a:buSzPct val="75000"/>
+              <a:buFont typeface="Wingdings" pitchFamily="2" charset="2"/>
+              <a:buChar char="n"/>
+              <a:defRPr sz="2400">
+                <a:solidFill>
+                  <a:schemeClr val="tx1"/>
+                </a:solidFill>
+                <a:latin typeface="+mn-lt"/>
+                <a:ea typeface="+mn-ea"/>
+                <a:cs typeface="+mn-cs"/>
+              </a:defRPr>
+            </a:lvl1pPr>
+            <a:lvl2pPr marL="742950" indent="-285750" algn="l" rtl="0" eaLnBrk="0" fontAlgn="base" hangingPunct="0">
+              <a:spcBef>
+                <a:spcPct val="20000"/>
+              </a:spcBef>
+              <a:spcAft>
+                <a:spcPct val="0"/>
+              </a:spcAft>
+              <a:buClr>
+                <a:schemeClr val="accent2"/>
+              </a:buClr>
+              <a:buSzPct val="80000"/>
+              <a:buFont typeface="Wingdings" pitchFamily="2" charset="2"/>
+              <a:buChar char="¨"/>
+              <a:defRPr sz="2000">
+                <a:solidFill>
+                  <a:schemeClr val="tx1"/>
+                </a:solidFill>
+                <a:latin typeface="+mn-lt"/>
+              </a:defRPr>
+            </a:lvl2pPr>
+            <a:lvl3pPr marL="1143000" indent="-228600" algn="l" rtl="0" eaLnBrk="0" fontAlgn="base" hangingPunct="0">
+              <a:spcBef>
+                <a:spcPct val="20000"/>
+              </a:spcBef>
+              <a:spcAft>
+                <a:spcPct val="0"/>
+              </a:spcAft>
+              <a:buClr>
+                <a:schemeClr val="bg2"/>
+              </a:buClr>
+              <a:buSzPct val="65000"/>
+              <a:buFont typeface="Wingdings" pitchFamily="2" charset="2"/>
+              <a:buChar char="n"/>
+              <a:defRPr>
+                <a:solidFill>
+                  <a:schemeClr val="tx1"/>
+                </a:solidFill>
+                <a:latin typeface="+mn-lt"/>
+              </a:defRPr>
+            </a:lvl3pPr>
+            <a:lvl4pPr marL="1600200" indent="-228600" algn="l" rtl="0" eaLnBrk="0" fontAlgn="base" hangingPunct="0">
+              <a:spcBef>
+                <a:spcPct val="20000"/>
+              </a:spcBef>
+              <a:spcAft>
+                <a:spcPct val="0"/>
+              </a:spcAft>
+              <a:buClr>
+                <a:schemeClr val="accent2"/>
+              </a:buClr>
+              <a:buSzPct val="70000"/>
+              <a:buFont typeface="Wingdings" pitchFamily="2" charset="2"/>
+              <a:buChar char="¨"/>
+              <a:defRPr sz="1600">
+                <a:solidFill>
+                  <a:schemeClr val="tx1"/>
+                </a:solidFill>
+                <a:latin typeface="+mn-lt"/>
+              </a:defRPr>
+            </a:lvl4pPr>
+            <a:lvl5pPr marL="2057400" indent="-228600" algn="l" rtl="0" eaLnBrk="0" fontAlgn="base" hangingPunct="0">
+              <a:spcBef>
+                <a:spcPct val="20000"/>
+              </a:spcBef>
+              <a:spcAft>
+                <a:spcPct val="0"/>
+              </a:spcAft>
+              <a:buClr>
+                <a:schemeClr val="bg2"/>
+              </a:buClr>
+              <a:buFont typeface="Wingdings" pitchFamily="2" charset="2"/>
+              <a:buChar char="§"/>
+              <a:defRPr sz="1600">
+                <a:solidFill>
+                  <a:schemeClr val="tx1"/>
+                </a:solidFill>
+                <a:latin typeface="+mn-lt"/>
+              </a:defRPr>
+            </a:lvl5pPr>
+            <a:lvl6pPr marL="2514600" indent="-228600" algn="l" rtl="0" fontAlgn="base">
+              <a:spcBef>
+                <a:spcPct val="20000"/>
+              </a:spcBef>
+              <a:spcAft>
+                <a:spcPct val="0"/>
+              </a:spcAft>
+              <a:buClr>
+                <a:schemeClr val="bg2"/>
+              </a:buClr>
+              <a:buFont typeface="Wingdings" pitchFamily="2" charset="2"/>
+              <a:buChar char="§"/>
+              <a:defRPr sz="1600">
+                <a:solidFill>
+                  <a:schemeClr val="tx1"/>
+                </a:solidFill>
+                <a:latin typeface="+mn-lt"/>
+              </a:defRPr>
+            </a:lvl6pPr>
+            <a:lvl7pPr marL="2971800" indent="-228600" algn="l" rtl="0" fontAlgn="base">
+              <a:spcBef>
+                <a:spcPct val="20000"/>
+              </a:spcBef>
+              <a:spcAft>
+                <a:spcPct val="0"/>
+              </a:spcAft>
+              <a:buClr>
+                <a:schemeClr val="bg2"/>
+              </a:buClr>
+              <a:buFont typeface="Wingdings" pitchFamily="2" charset="2"/>
+              <a:buChar char="§"/>
+              <a:defRPr sz="1600">
+                <a:solidFill>
+                  <a:schemeClr val="tx1"/>
+                </a:solidFill>
+                <a:latin typeface="+mn-lt"/>
+              </a:defRPr>
+            </a:lvl7pPr>
+            <a:lvl8pPr marL="3429000" indent="-228600" algn="l" rtl="0" fontAlgn="base">
+              <a:spcBef>
+                <a:spcPct val="20000"/>
+              </a:spcBef>
+              <a:spcAft>
+                <a:spcPct val="0"/>
+              </a:spcAft>
+              <a:buClr>
+                <a:schemeClr val="bg2"/>
+              </a:buClr>
+              <a:buFont typeface="Wingdings" pitchFamily="2" charset="2"/>
+              <a:buChar char="§"/>
+              <a:defRPr sz="1600">
+                <a:solidFill>
+                  <a:schemeClr val="tx1"/>
+                </a:solidFill>
+                <a:latin typeface="+mn-lt"/>
+              </a:defRPr>
+            </a:lvl8pPr>
+            <a:lvl9pPr marL="3886200" indent="-228600" algn="l" rtl="0" fontAlgn="base">
+              <a:spcBef>
+                <a:spcPct val="20000"/>
+              </a:spcBef>
+              <a:spcAft>
+                <a:spcPct val="0"/>
+              </a:spcAft>
+              <a:buClr>
+                <a:schemeClr val="bg2"/>
+              </a:buClr>
+              <a:buFont typeface="Wingdings" pitchFamily="2" charset="2"/>
+              <a:buChar char="§"/>
+              <a:defRPr sz="1600">
+                <a:solidFill>
+                  <a:schemeClr val="tx1"/>
+                </a:solidFill>
+                <a:latin typeface="+mn-lt"/>
+              </a:defRPr>
+            </a:lvl9pPr>
+          </a:lstStyle>
+          <a:p>
+            <a:pPr marL="341313" lvl="1" indent="-341313" algn="just" eaLnBrk="1" hangingPunct="1">
+              <a:buClr>
+                <a:srgbClr val="9999CC"/>
+              </a:buClr>
+              <a:defRPr/>
+            </a:pPr>
+            <a:r>
+              <a:rPr lang="ko-KR" altLang="en-US" sz="1800" b="0" kern="0" dirty="0" smtClean="0">
+                <a:latin typeface="Arial Narrow"/>
+                <a:ea typeface="굴림" pitchFamily="50" charset="-127"/>
+              </a:rPr>
+              <a:t>코드 위치</a:t>
+            </a:r>
+            <a:r>
+              <a:rPr lang="en-US" altLang="ko-KR" sz="1800" b="0" kern="0" dirty="0" smtClean="0">
+                <a:latin typeface="Arial Narrow"/>
+                <a:ea typeface="굴림" pitchFamily="50" charset="-127"/>
+              </a:rPr>
+              <a:t>:</a:t>
+            </a:r>
+          </a:p>
+          <a:p>
+            <a:pPr marL="0" lvl="1" indent="0" algn="just" eaLnBrk="1" hangingPunct="1">
+              <a:buClr>
+                <a:srgbClr val="9999CC"/>
+              </a:buClr>
+              <a:buNone/>
+              <a:defRPr/>
+            </a:pPr>
+            <a:r>
+              <a:rPr lang="en-US" altLang="ko-KR" sz="1800" b="0" kern="0" smtClean="0">
+                <a:latin typeface="Arial Narrow"/>
+                <a:ea typeface="굴림" pitchFamily="50" charset="-127"/>
+              </a:rPr>
+              <a:t>https://github.com/WhenTheyCry96/</a:t>
+            </a:r>
+            <a:endParaRPr lang="en-US" altLang="ko-KR" sz="1800" b="0" kern="0" dirty="0">
+              <a:latin typeface="Arial Narrow"/>
+              <a:ea typeface="굴림" pitchFamily="50" charset="-127"/>
             </a:endParaRPr>
           </a:p>
         </p:txBody>
